--- a/mobile/presentations/first-app.pptx
+++ b/mobile/presentations/first-app.pptx
@@ -5,10 +5,10 @@
     <p:sldMasterId id="2147483648" r:id="rId1"/>
   </p:sldMasterIdLst>
   <p:notesMasterIdLst>
-    <p:notesMasterId r:id="rId49"/>
+    <p:notesMasterId r:id="rId84"/>
   </p:notesMasterIdLst>
   <p:handoutMasterIdLst>
-    <p:handoutMasterId r:id="rId50"/>
+    <p:handoutMasterId r:id="rId85"/>
   </p:handoutMasterIdLst>
   <p:sldIdLst>
     <p:sldId id="256" r:id="rId2"/>
@@ -36,28 +36,63 @@
     <p:sldId id="297" r:id="rId24"/>
     <p:sldId id="298" r:id="rId25"/>
     <p:sldId id="299" r:id="rId26"/>
-    <p:sldId id="300" r:id="rId27"/>
-    <p:sldId id="301" r:id="rId28"/>
-    <p:sldId id="302" r:id="rId29"/>
-    <p:sldId id="303" r:id="rId30"/>
-    <p:sldId id="304" r:id="rId31"/>
-    <p:sldId id="305" r:id="rId32"/>
-    <p:sldId id="306" r:id="rId33"/>
-    <p:sldId id="307" r:id="rId34"/>
-    <p:sldId id="309" r:id="rId35"/>
-    <p:sldId id="308" r:id="rId36"/>
-    <p:sldId id="261" r:id="rId37"/>
-    <p:sldId id="278" r:id="rId38"/>
-    <p:sldId id="270" r:id="rId39"/>
-    <p:sldId id="274" r:id="rId40"/>
-    <p:sldId id="271" r:id="rId41"/>
-    <p:sldId id="272" r:id="rId42"/>
-    <p:sldId id="273" r:id="rId43"/>
-    <p:sldId id="264" r:id="rId44"/>
-    <p:sldId id="265" r:id="rId45"/>
-    <p:sldId id="266" r:id="rId46"/>
-    <p:sldId id="267" r:id="rId47"/>
-    <p:sldId id="269" r:id="rId48"/>
+    <p:sldId id="313" r:id="rId27"/>
+    <p:sldId id="314" r:id="rId28"/>
+    <p:sldId id="311" r:id="rId29"/>
+    <p:sldId id="312" r:id="rId30"/>
+    <p:sldId id="300" r:id="rId31"/>
+    <p:sldId id="322" r:id="rId32"/>
+    <p:sldId id="301" r:id="rId33"/>
+    <p:sldId id="302" r:id="rId34"/>
+    <p:sldId id="303" r:id="rId35"/>
+    <p:sldId id="305" r:id="rId36"/>
+    <p:sldId id="304" r:id="rId37"/>
+    <p:sldId id="324" r:id="rId38"/>
+    <p:sldId id="306" r:id="rId39"/>
+    <p:sldId id="323" r:id="rId40"/>
+    <p:sldId id="307" r:id="rId41"/>
+    <p:sldId id="308" r:id="rId42"/>
+    <p:sldId id="309" r:id="rId43"/>
+    <p:sldId id="310" r:id="rId44"/>
+    <p:sldId id="325" r:id="rId45"/>
+    <p:sldId id="315" r:id="rId46"/>
+    <p:sldId id="316" r:id="rId47"/>
+    <p:sldId id="317" r:id="rId48"/>
+    <p:sldId id="319" r:id="rId49"/>
+    <p:sldId id="318" r:id="rId50"/>
+    <p:sldId id="320" r:id="rId51"/>
+    <p:sldId id="321" r:id="rId52"/>
+    <p:sldId id="328" r:id="rId53"/>
+    <p:sldId id="329" r:id="rId54"/>
+    <p:sldId id="326" r:id="rId55"/>
+    <p:sldId id="261" r:id="rId56"/>
+    <p:sldId id="330" r:id="rId57"/>
+    <p:sldId id="332" r:id="rId58"/>
+    <p:sldId id="278" r:id="rId59"/>
+    <p:sldId id="327" r:id="rId60"/>
+    <p:sldId id="334" r:id="rId61"/>
+    <p:sldId id="335" r:id="rId62"/>
+    <p:sldId id="336" r:id="rId63"/>
+    <p:sldId id="331" r:id="rId64"/>
+    <p:sldId id="339" r:id="rId65"/>
+    <p:sldId id="338" r:id="rId66"/>
+    <p:sldId id="340" r:id="rId67"/>
+    <p:sldId id="341" r:id="rId68"/>
+    <p:sldId id="342" r:id="rId69"/>
+    <p:sldId id="344" r:id="rId70"/>
+    <p:sldId id="345" r:id="rId71"/>
+    <p:sldId id="337" r:id="rId72"/>
+    <p:sldId id="270" r:id="rId73"/>
+    <p:sldId id="333" r:id="rId74"/>
+    <p:sldId id="274" r:id="rId75"/>
+    <p:sldId id="271" r:id="rId76"/>
+    <p:sldId id="272" r:id="rId77"/>
+    <p:sldId id="273" r:id="rId78"/>
+    <p:sldId id="264" r:id="rId79"/>
+    <p:sldId id="265" r:id="rId80"/>
+    <p:sldId id="266" r:id="rId81"/>
+    <p:sldId id="267" r:id="rId82"/>
+    <p:sldId id="269" r:id="rId83"/>
   </p:sldIdLst>
   <p:sldSz cx="9144000" cy="5143500" type="screen16x9"/>
   <p:notesSz cx="6858000" cy="9144000"/>
@@ -498,11 +533,11 @@
           <c:showBubbleSize val="0"/>
         </c:dLbls>
         <c:gapWidth val="150"/>
-        <c:axId val="2134903608"/>
-        <c:axId val="2134944504"/>
+        <c:axId val="-2137824216"/>
+        <c:axId val="-2137821208"/>
       </c:barChart>
       <c:catAx>
-        <c:axId val="2134903608"/>
+        <c:axId val="-2137824216"/>
         <c:scaling>
           <c:orientation val="minMax"/>
         </c:scaling>
@@ -521,7 +556,7 @@
             <a:endParaRPr lang="en-US"/>
           </a:p>
         </c:txPr>
-        <c:crossAx val="2134944504"/>
+        <c:crossAx val="-2137821208"/>
         <c:crosses val="autoZero"/>
         <c:auto val="1"/>
         <c:lblAlgn val="ctr"/>
@@ -529,7 +564,7 @@
         <c:noMultiLvlLbl val="0"/>
       </c:catAx>
       <c:valAx>
-        <c:axId val="2134944504"/>
+        <c:axId val="-2137821208"/>
         <c:scaling>
           <c:orientation val="minMax"/>
         </c:scaling>
@@ -550,7 +585,7 @@
             <a:endParaRPr lang="en-US"/>
           </a:p>
         </c:txPr>
-        <c:crossAx val="2134903608"/>
+        <c:crossAx val="-2137824216"/>
         <c:crosses val="autoZero"/>
         <c:crossBetween val="between"/>
       </c:valAx>
@@ -800,11 +835,11 @@
         </c:dLbls>
         <c:marker val="1"/>
         <c:smooth val="0"/>
-        <c:axId val="2030967768"/>
-        <c:axId val="2030419496"/>
+        <c:axId val="-2137784504"/>
+        <c:axId val="-2137781496"/>
       </c:lineChart>
       <c:catAx>
-        <c:axId val="2030967768"/>
+        <c:axId val="-2137784504"/>
         <c:scaling>
           <c:orientation val="minMax"/>
         </c:scaling>
@@ -823,7 +858,7 @@
             <a:endParaRPr lang="en-US"/>
           </a:p>
         </c:txPr>
-        <c:crossAx val="2030419496"/>
+        <c:crossAx val="-2137781496"/>
         <c:crosses val="autoZero"/>
         <c:auto val="1"/>
         <c:lblAlgn val="ctr"/>
@@ -831,7 +866,7 @@
         <c:noMultiLvlLbl val="0"/>
       </c:catAx>
       <c:valAx>
-        <c:axId val="2030419496"/>
+        <c:axId val="-2137781496"/>
         <c:scaling>
           <c:orientation val="minMax"/>
         </c:scaling>
@@ -852,7 +887,7 @@
             <a:endParaRPr lang="en-US"/>
           </a:p>
         </c:txPr>
-        <c:crossAx val="2030967768"/>
+        <c:crossAx val="-2137784504"/>
         <c:crosses val="autoZero"/>
         <c:crossBetween val="between"/>
       </c:valAx>
@@ -974,7 +1009,7 @@
           <a:p>
             <a:fld id="{B5389E1E-C654-E943-9883-792E99AD7287}" type="datetimeFigureOut">
               <a:rPr lang="en-US" smtClean="0"/>
-              <a:t>24/11/14</a:t>
+              <a:t>25/11/14</a:t>
             </a:fld>
             <a:endParaRPr lang="en-US"/>
           </a:p>
@@ -1140,7 +1175,7 @@
           <a:p>
             <a:fld id="{9920D99B-2862-464A-984E-65BFC5FC0BBC}" type="datetimeFigureOut">
               <a:rPr lang="en-US" smtClean="0"/>
-              <a:t>24/11/14</a:t>
+              <a:t>25/11/14</a:t>
             </a:fld>
             <a:endParaRPr lang="en-US"/>
           </a:p>
@@ -1942,7 +1977,99 @@
           <a:p>
             <a:fld id="{F39351FC-18D6-4741-8EEB-9FDB1F020AAC}" type="slidenum">
               <a:rPr lang="en-US" smtClean="0"/>
-              <a:t>26</a:t>
+              <a:t>30</a:t>
+            </a:fld>
+            <a:endParaRPr lang="en-US"/>
+          </a:p>
+        </p:txBody>
+      </p:sp>
+    </p:spTree>
+    <p:extLst>
+      <p:ext uri="{BB962C8B-B14F-4D97-AF65-F5344CB8AC3E}">
+        <p14:creationId xmlns:p14="http://schemas.microsoft.com/office/powerpoint/2010/main" val="3690314849"/>
+      </p:ext>
+    </p:extLst>
+  </p:cSld>
+  <p:clrMapOvr>
+    <a:masterClrMapping/>
+  </p:clrMapOvr>
+</p:notes>
+</file>
+
+<file path=ppt/notesSlides/notesSlide15.xml><?xml version="1.0" encoding="utf-8"?>
+<p:notes xmlns:a="http://schemas.openxmlformats.org/drawingml/2006/main" xmlns:r="http://schemas.openxmlformats.org/officeDocument/2006/relationships" xmlns:p="http://schemas.openxmlformats.org/presentationml/2006/main">
+  <p:cSld>
+    <p:spTree>
+      <p:nvGrpSpPr>
+        <p:cNvPr id="1" name=""/>
+        <p:cNvGrpSpPr/>
+        <p:nvPr/>
+      </p:nvGrpSpPr>
+      <p:grpSpPr>
+        <a:xfrm>
+          <a:off x="0" y="0"/>
+          <a:ext cx="0" cy="0"/>
+          <a:chOff x="0" y="0"/>
+          <a:chExt cx="0" cy="0"/>
+        </a:xfrm>
+      </p:grpSpPr>
+      <p:sp>
+        <p:nvSpPr>
+          <p:cNvPr id="2" name="Slide Image Placeholder 1"/>
+          <p:cNvSpPr>
+            <a:spLocks noGrp="1" noRot="1" noChangeAspect="1"/>
+          </p:cNvSpPr>
+          <p:nvPr>
+            <p:ph type="sldImg"/>
+          </p:nvPr>
+        </p:nvSpPr>
+        <p:spPr/>
+      </p:sp>
+      <p:sp>
+        <p:nvSpPr>
+          <p:cNvPr id="3" name="Notes Placeholder 2"/>
+          <p:cNvSpPr>
+            <a:spLocks noGrp="1"/>
+          </p:cNvSpPr>
+          <p:nvPr>
+            <p:ph type="body" idx="1"/>
+          </p:nvPr>
+        </p:nvSpPr>
+        <p:spPr/>
+        <p:txBody>
+          <a:bodyPr/>
+          <a:lstStyle/>
+          <a:p>
+            <a:r>
+              <a:rPr lang="en-US" dirty="0" smtClean="0"/>
+              <a:t>Pause to let</a:t>
+            </a:r>
+            <a:r>
+              <a:rPr lang="en-US" baseline="0" dirty="0" smtClean="0"/>
+              <a:t> people do this and ask if they need help.</a:t>
+            </a:r>
+            <a:endParaRPr lang="en-US" dirty="0"/>
+          </a:p>
+        </p:txBody>
+      </p:sp>
+      <p:sp>
+        <p:nvSpPr>
+          <p:cNvPr id="4" name="Slide Number Placeholder 3"/>
+          <p:cNvSpPr>
+            <a:spLocks noGrp="1"/>
+          </p:cNvSpPr>
+          <p:nvPr>
+            <p:ph type="sldNum" sz="quarter" idx="10"/>
+          </p:nvPr>
+        </p:nvSpPr>
+        <p:spPr/>
+        <p:txBody>
+          <a:bodyPr/>
+          <a:lstStyle/>
+          <a:p>
+            <a:fld id="{F39351FC-18D6-4741-8EEB-9FDB1F020AAC}" type="slidenum">
+              <a:rPr lang="en-US" smtClean="0"/>
+              <a:t>31</a:t>
             </a:fld>
             <a:endParaRPr lang="en-US"/>
           </a:p>
@@ -6964,71 +7091,93 @@
           <a:lstStyle/>
           <a:p>
             <a:r>
-              <a:rPr lang="en-US" sz="2000" dirty="0" smtClean="0"/>
+              <a:rPr lang="en-US" sz="1600" dirty="0" smtClean="0"/>
               <a:t>Skeleton app</a:t>
             </a:r>
           </a:p>
           <a:p>
             <a:pPr lvl="1"/>
             <a:r>
-              <a:rPr lang="en-US" sz="2000" dirty="0" smtClean="0"/>
+              <a:rPr lang="en-US" sz="1600" dirty="0" smtClean="0"/>
               <a:t>Download and explore our skeleton Android app</a:t>
             </a:r>
           </a:p>
           <a:p>
             <a:pPr lvl="1"/>
-            <a:endParaRPr lang="en-US" sz="2000" dirty="0"/>
-          </a:p>
-          <a:p>
-            <a:r>
-              <a:rPr lang="en-US" sz="2000" dirty="0" smtClean="0"/>
+            <a:endParaRPr lang="en-US" sz="1600" dirty="0"/>
+          </a:p>
+          <a:p>
+            <a:r>
+              <a:rPr lang="en-US" sz="1600" dirty="0" smtClean="0"/>
               <a:t>Make it fail!</a:t>
             </a:r>
-            <a:endParaRPr lang="en-US" sz="2000" dirty="0"/>
+            <a:endParaRPr lang="en-US" sz="1600" dirty="0"/>
           </a:p>
           <a:p>
             <a:pPr lvl="1"/>
             <a:r>
-              <a:rPr lang="en-US" sz="2000" dirty="0" smtClean="0"/>
+              <a:rPr lang="en-US" sz="1600" dirty="0" smtClean="0"/>
               <a:t>Get our tests in place and watch them fail</a:t>
             </a:r>
-            <a:endParaRPr lang="en-US" sz="2000" dirty="0"/>
+            <a:endParaRPr lang="en-US" sz="1600" dirty="0"/>
           </a:p>
           <a:p>
             <a:pPr lvl="1"/>
-            <a:endParaRPr lang="en-US" sz="2000" dirty="0"/>
-          </a:p>
-          <a:p>
-            <a:r>
-              <a:rPr lang="en-US" sz="2000" dirty="0" smtClean="0"/>
-              <a:t>Connect to the database</a:t>
-            </a:r>
-            <a:endParaRPr lang="en-US" sz="2000" dirty="0"/>
+            <a:endParaRPr lang="en-US" sz="1600" dirty="0"/>
+          </a:p>
+          <a:p>
+            <a:r>
+              <a:rPr lang="en-US" sz="1600" dirty="0" smtClean="0"/>
+              <a:t>Connect to the </a:t>
+            </a:r>
+            <a:r>
+              <a:rPr lang="en-US" sz="1600" dirty="0" smtClean="0"/>
+              <a:t>database</a:t>
+            </a:r>
+          </a:p>
+          <a:p>
+            <a:endParaRPr lang="en-US" sz="1600" dirty="0"/>
+          </a:p>
+          <a:p>
+            <a:r>
+              <a:rPr lang="en-US" sz="1600" dirty="0" smtClean="0"/>
+              <a:t>Save something</a:t>
+            </a:r>
+          </a:p>
+          <a:p>
+            <a:endParaRPr lang="en-US" sz="1600" dirty="0"/>
+          </a:p>
+          <a:p>
+            <a:r>
+              <a:rPr lang="en-US" sz="1600" dirty="0" smtClean="0"/>
+              <a:t>Query something</a:t>
+            </a:r>
+            <a:endParaRPr lang="en-US" sz="1600" dirty="0"/>
           </a:p>
           <a:p>
             <a:pPr marL="228600" lvl="1" indent="0">
               <a:buNone/>
             </a:pPr>
-            <a:endParaRPr lang="en-US" sz="2000" dirty="0"/>
-          </a:p>
-          <a:p>
-            <a:r>
-              <a:rPr lang="en-US" sz="2000" dirty="0" smtClean="0"/>
+            <a:endParaRPr lang="en-US" sz="1600" dirty="0"/>
+          </a:p>
+          <a:p>
+            <a:r>
+              <a:rPr lang="en-US" sz="1600" dirty="0" smtClean="0"/>
               <a:t>Handle conflicts</a:t>
             </a:r>
           </a:p>
           <a:p>
-            <a:endParaRPr lang="en-US" sz="2000" dirty="0"/>
-          </a:p>
-          <a:p>
-            <a:r>
-              <a:rPr lang="en-US" sz="2000" dirty="0" smtClean="0"/>
+            <a:endParaRPr lang="en-US" sz="1600" dirty="0"/>
+          </a:p>
+          <a:p>
+            <a:r>
+              <a:rPr lang="en-US" sz="1600" dirty="0" smtClean="0"/>
               <a:t>Sync with Couchbase Server</a:t>
             </a:r>
-            <a:endParaRPr lang="en-US" sz="2000" dirty="0"/>
-          </a:p>
-          <a:p>
-            <a:endParaRPr lang="en-US" sz="2000" dirty="0"/>
+            <a:endParaRPr lang="en-US" sz="1600" dirty="0"/>
+          </a:p>
+          <a:p>
+            <a:endParaRPr lang="en-US" sz="1600" dirty="0"/>
           </a:p>
         </p:txBody>
       </p:sp>
@@ -7591,7 +7740,7 @@
           <a:p>
             <a:r>
               <a:rPr lang="en-US" dirty="0" smtClean="0"/>
-              <a:t>Connecting to the database</a:t>
+              <a:t>Let’s get familiar with the skeleton</a:t>
             </a:r>
             <a:endParaRPr lang="en-US" dirty="0"/>
           </a:p>
@@ -7670,7 +7819,7 @@
           <a:p>
             <a:r>
               <a:rPr lang="en-US" dirty="0" smtClean="0"/>
-              <a:t>Creating an empty database</a:t>
+              <a:t>Anatomy of the skeleton</a:t>
             </a:r>
             <a:endParaRPr lang="en-US" dirty="0"/>
           </a:p>
@@ -7693,37 +7842,70 @@
           <a:p>
             <a:r>
               <a:rPr lang="en-US" dirty="0" smtClean="0"/>
-              <a:t>First up, create the manager</a:t>
-            </a:r>
-          </a:p>
-          <a:p>
+              <a:t>Where you’ll be working:</a:t>
+            </a:r>
+          </a:p>
+          <a:p>
+            <a:pPr lvl="1"/>
+            <a:r>
+              <a:rPr lang="en-US" b="1" dirty="0" err="1" smtClean="0"/>
+              <a:t>Presentation.java</a:t>
+            </a:r>
+            <a:r>
+              <a:rPr lang="en-US" b="1" dirty="0" smtClean="0"/>
+              <a:t>: </a:t>
+            </a:r>
+            <a:r>
+              <a:rPr lang="en-US" dirty="0" smtClean="0"/>
+              <a:t>this class handles the presentations we’re saving and viewing</a:t>
+            </a:r>
+          </a:p>
+          <a:p>
+            <a:pPr lvl="1"/>
+            <a:r>
+              <a:rPr lang="en-US" b="1" dirty="0" err="1" smtClean="0"/>
+              <a:t>Application.java</a:t>
+            </a:r>
+            <a:r>
+              <a:rPr lang="en-US" b="1" dirty="0" smtClean="0"/>
+              <a:t>: </a:t>
+            </a:r>
+            <a:r>
+              <a:rPr lang="en-US" dirty="0" smtClean="0"/>
+              <a:t>set-up and database connection</a:t>
+            </a:r>
+          </a:p>
+          <a:p>
+            <a:pPr lvl="1"/>
             <a:endParaRPr lang="en-US" dirty="0"/>
           </a:p>
           <a:p>
             <a:r>
               <a:rPr lang="en-US" dirty="0" smtClean="0"/>
-              <a:t>Next, create the database by accessing it</a:t>
-            </a:r>
-          </a:p>
-          <a:p>
-            <a:endParaRPr lang="en-US" dirty="0"/>
-          </a:p>
-          <a:p>
-            <a:r>
-              <a:rPr lang="en-US" b="1" dirty="0" smtClean="0"/>
-              <a:t>Note:</a:t>
-            </a:r>
-            <a:r>
-              <a:rPr lang="en-US" dirty="0" smtClean="0"/>
-              <a:t> </a:t>
-            </a:r>
-            <a:r>
-              <a:rPr lang="en-US" dirty="0"/>
-              <a:t>d</a:t>
-            </a:r>
-            <a:r>
-              <a:rPr lang="en-US" dirty="0" smtClean="0"/>
-              <a:t>atabase names can use only lower case ASCII letters, numbers and the special characters _ $ ( ) + - /</a:t>
+              <a:t>What’s already done for you:</a:t>
+            </a:r>
+          </a:p>
+          <a:p>
+            <a:pPr lvl="1"/>
+            <a:r>
+              <a:rPr lang="en-US" dirty="0" err="1" smtClean="0"/>
+              <a:t>MainActivity.java</a:t>
+            </a:r>
+            <a:endParaRPr lang="en-US" dirty="0" smtClean="0"/>
+          </a:p>
+          <a:p>
+            <a:pPr lvl="1"/>
+            <a:r>
+              <a:rPr lang="en-US" dirty="0" err="1" smtClean="0"/>
+              <a:t>LiveQueryAdapter.java</a:t>
+            </a:r>
+            <a:endParaRPr lang="en-US" dirty="0" smtClean="0"/>
+          </a:p>
+          <a:p>
+            <a:pPr lvl="1"/>
+            <a:r>
+              <a:rPr lang="en-US" dirty="0" err="1" smtClean="0"/>
+              <a:t>PresentationAdapter.java</a:t>
             </a:r>
             <a:endParaRPr lang="en-US" dirty="0"/>
           </a:p>
@@ -7805,8 +7987,8 @@
           <a:lstStyle/>
           <a:p>
             <a:r>
-              <a:rPr lang="en-US" dirty="0" smtClean="0"/>
-              <a:t>Create the manager</a:t>
+              <a:rPr lang="en-US" dirty="0" err="1" smtClean="0"/>
+              <a:t>Presentation.java</a:t>
             </a:r>
             <a:endParaRPr lang="en-US" dirty="0"/>
           </a:p>
@@ -7837,7 +8019,7 @@
       </p:sp>
       <p:pic>
         <p:nvPicPr>
-          <p:cNvPr id="7" name="Content Placeholder 3" descr="Screen Shot 2014-11-05 at 16.06.46.png"/>
+          <p:cNvPr id="6" name="Content Placeholder 5" descr="Screen Shot 2014-11-25 at 12.24.40.png"/>
           <p:cNvPicPr>
             <a:picLocks noGrp="1" noChangeAspect="1"/>
           </p:cNvPicPr>
@@ -7846,29 +8028,24 @@
           </p:nvPr>
         </p:nvPicPr>
         <p:blipFill>
-          <a:blip r:embed="rId3">
+          <a:blip r:embed="rId2">
             <a:extLst>
               <a:ext uri="{28A0092B-C50C-407E-A947-70E740481C1C}">
                 <a14:useLocalDpi xmlns:a14="http://schemas.microsoft.com/office/drawing/2010/main" val="0"/>
               </a:ext>
             </a:extLst>
           </a:blip>
-          <a:srcRect l="-34121" r="-34121"/>
+          <a:srcRect l="-33664" r="-33664"/>
           <a:stretch>
             <a:fillRect/>
           </a:stretch>
         </p:blipFill>
-        <p:spPr>
-          <a:xfrm>
-            <a:off x="457200" y="1096963"/>
-            <a:ext cx="8007350" cy="3394075"/>
-          </a:xfrm>
-        </p:spPr>
+        <p:spPr/>
       </p:pic>
     </p:spTree>
     <p:extLst>
       <p:ext uri="{BB962C8B-B14F-4D97-AF65-F5344CB8AC3E}">
-        <p14:creationId xmlns:p14="http://schemas.microsoft.com/office/powerpoint/2010/main" val="4204689779"/>
+        <p14:creationId xmlns:p14="http://schemas.microsoft.com/office/powerpoint/2010/main" val="2406467571"/>
       </p:ext>
     </p:extLst>
   </p:cSld>
@@ -7918,8 +8095,8 @@
           <a:lstStyle/>
           <a:p>
             <a:r>
-              <a:rPr lang="en-US" dirty="0" smtClean="0"/>
-              <a:t>Establish a connection when the app loads</a:t>
+              <a:rPr lang="en-US" dirty="0" err="1" smtClean="0"/>
+              <a:t>Application.java</a:t>
             </a:r>
             <a:endParaRPr lang="en-US" dirty="0"/>
           </a:p>
@@ -7948,32 +8125,15 @@
           </a:p>
         </p:txBody>
       </p:sp>
-      <p:sp>
-        <p:nvSpPr>
-          <p:cNvPr id="5" name="Content Placeholder 4"/>
-          <p:cNvSpPr>
-            <a:spLocks noGrp="1"/>
-          </p:cNvSpPr>
-          <p:nvPr>
-            <p:ph idx="1"/>
-          </p:nvPr>
-        </p:nvSpPr>
-        <p:spPr/>
-        <p:txBody>
-          <a:bodyPr/>
-          <a:lstStyle/>
-          <a:p>
-            <a:endParaRPr lang="en-US"/>
-          </a:p>
-        </p:txBody>
-      </p:sp>
       <p:pic>
         <p:nvPicPr>
-          <p:cNvPr id="6" name="Content Placeholder 3" descr="Screen Shot 2014-11-05 at 16.07.13.png"/>
+          <p:cNvPr id="5" name="Content Placeholder 4" descr="Screen Shot 2014-11-25 at 12.25.12.png"/>
           <p:cNvPicPr>
-            <a:picLocks noChangeAspect="1"/>
+            <a:picLocks noGrp="1" noChangeAspect="1"/>
           </p:cNvPicPr>
-          <p:nvPr/>
+          <p:nvPr>
+            <p:ph idx="1"/>
+          </p:nvPr>
         </p:nvPicPr>
         <p:blipFill>
           <a:blip r:embed="rId2">
@@ -7983,25 +8143,17 @@
               </a:ext>
             </a:extLst>
           </a:blip>
-          <a:srcRect t="-33115" b="-33115"/>
+          <a:srcRect l="-17051" r="-17051"/>
           <a:stretch>
             <a:fillRect/>
           </a:stretch>
         </p:blipFill>
-        <p:spPr>
-          <a:xfrm>
-            <a:off x="1320222" y="387629"/>
-            <a:ext cx="6245891" cy="3383294"/>
-          </a:xfrm>
-          <a:prstGeom prst="rect">
-            <a:avLst/>
-          </a:prstGeom>
-        </p:spPr>
+        <p:spPr/>
       </p:pic>
     </p:spTree>
     <p:extLst>
       <p:ext uri="{BB962C8B-B14F-4D97-AF65-F5344CB8AC3E}">
-        <p14:creationId xmlns:p14="http://schemas.microsoft.com/office/powerpoint/2010/main" val="3824563657"/>
+        <p14:creationId xmlns:p14="http://schemas.microsoft.com/office/powerpoint/2010/main" val="3690173047"/>
       </p:ext>
     </p:extLst>
   </p:cSld>
@@ -8042,6 +8194,85 @@
             <a:spLocks noGrp="1"/>
           </p:cNvSpPr>
           <p:nvPr>
+            <p:ph type="ctrTitle"/>
+          </p:nvPr>
+        </p:nvSpPr>
+        <p:spPr/>
+        <p:txBody>
+          <a:bodyPr/>
+          <a:lstStyle/>
+          <a:p>
+            <a:r>
+              <a:rPr lang="en-US" dirty="0" smtClean="0"/>
+              <a:t>Connecting to the database</a:t>
+            </a:r>
+            <a:endParaRPr lang="en-US" dirty="0"/>
+          </a:p>
+        </p:txBody>
+      </p:sp>
+      <p:sp>
+        <p:nvSpPr>
+          <p:cNvPr id="4" name="Subtitle 3"/>
+          <p:cNvSpPr>
+            <a:spLocks noGrp="1"/>
+          </p:cNvSpPr>
+          <p:nvPr>
+            <p:ph type="subTitle" idx="1"/>
+          </p:nvPr>
+        </p:nvSpPr>
+        <p:spPr/>
+        <p:txBody>
+          <a:bodyPr/>
+          <a:lstStyle/>
+          <a:p>
+            <a:endParaRPr lang="en-US" dirty="0"/>
+          </a:p>
+        </p:txBody>
+      </p:sp>
+    </p:spTree>
+    <p:extLst>
+      <p:ext uri="{BB962C8B-B14F-4D97-AF65-F5344CB8AC3E}">
+        <p14:creationId xmlns:p14="http://schemas.microsoft.com/office/powerpoint/2010/main" val="2328779826"/>
+      </p:ext>
+    </p:extLst>
+  </p:cSld>
+  <p:clrMapOvr>
+    <a:masterClrMapping/>
+  </p:clrMapOvr>
+  <p:timing>
+    <p:tnLst>
+      <p:par>
+        <p:cTn xmlns:p14="http://schemas.microsoft.com/office/powerpoint/2010/main" id="1" dur="indefinite" restart="never" nodeType="tmRoot"/>
+      </p:par>
+    </p:tnLst>
+  </p:timing>
+</p:sld>
+</file>
+
+<file path=ppt/slides/slide29.xml><?xml version="1.0" encoding="utf-8"?>
+<p:sld xmlns:a="http://schemas.openxmlformats.org/drawingml/2006/main" xmlns:r="http://schemas.openxmlformats.org/officeDocument/2006/relationships" xmlns:p="http://schemas.openxmlformats.org/presentationml/2006/main">
+  <p:cSld>
+    <p:spTree>
+      <p:nvGrpSpPr>
+        <p:cNvPr id="1" name=""/>
+        <p:cNvGrpSpPr/>
+        <p:nvPr/>
+      </p:nvGrpSpPr>
+      <p:grpSpPr>
+        <a:xfrm>
+          <a:off x="0" y="0"/>
+          <a:ext cx="0" cy="0"/>
+          <a:chOff x="0" y="0"/>
+          <a:chExt cx="0" cy="0"/>
+        </a:xfrm>
+      </p:grpSpPr>
+      <p:sp>
+        <p:nvSpPr>
+          <p:cNvPr id="2" name="Title 1"/>
+          <p:cNvSpPr>
+            <a:spLocks noGrp="1"/>
+          </p:cNvSpPr>
+          <p:nvPr>
             <p:ph type="title"/>
           </p:nvPr>
         </p:nvSpPr>
@@ -8052,7 +8283,60 @@
           <a:p>
             <a:r>
               <a:rPr lang="en-US" dirty="0" smtClean="0"/>
-              <a:t>How are we testing this?</a:t>
+              <a:t>Creating an empty database</a:t>
+            </a:r>
+            <a:endParaRPr lang="en-US" dirty="0"/>
+          </a:p>
+        </p:txBody>
+      </p:sp>
+      <p:sp>
+        <p:nvSpPr>
+          <p:cNvPr id="3" name="Content Placeholder 2"/>
+          <p:cNvSpPr>
+            <a:spLocks noGrp="1"/>
+          </p:cNvSpPr>
+          <p:nvPr>
+            <p:ph idx="1"/>
+          </p:nvPr>
+        </p:nvSpPr>
+        <p:spPr/>
+        <p:txBody>
+          <a:bodyPr/>
+          <a:lstStyle/>
+          <a:p>
+            <a:r>
+              <a:rPr lang="en-US" dirty="0" smtClean="0"/>
+              <a:t>First up, create the manager</a:t>
+            </a:r>
+          </a:p>
+          <a:p>
+            <a:endParaRPr lang="en-US" dirty="0"/>
+          </a:p>
+          <a:p>
+            <a:r>
+              <a:rPr lang="en-US" dirty="0" smtClean="0"/>
+              <a:t>Next, create the database by accessing it</a:t>
+            </a:r>
+          </a:p>
+          <a:p>
+            <a:endParaRPr lang="en-US" dirty="0"/>
+          </a:p>
+          <a:p>
+            <a:r>
+              <a:rPr lang="en-US" b="1" dirty="0" smtClean="0"/>
+              <a:t>Note:</a:t>
+            </a:r>
+            <a:r>
+              <a:rPr lang="en-US" dirty="0" smtClean="0"/>
+              <a:t> </a:t>
+            </a:r>
+            <a:r>
+              <a:rPr lang="en-US" dirty="0"/>
+              <a:t>d</a:t>
+            </a:r>
+            <a:r>
+              <a:rPr lang="en-US" dirty="0" smtClean="0"/>
+              <a:t>atabase names can use only lower case ASCII letters, numbers and the special characters _ $ ( ) + - /</a:t>
             </a:r>
             <a:endParaRPr lang="en-US" dirty="0"/>
           </a:p>
@@ -8075,7 +8359,545 @@
           <a:p>
             <a:fld id="{E728A94C-44F1-DF43-8BD8-694E750DEF33}" type="slidenum">
               <a:rPr lang="en-US" smtClean="0"/>
-              <a:t>28</a:t>
+              <a:t>29</a:t>
+            </a:fld>
+            <a:endParaRPr lang="en-US"/>
+          </a:p>
+        </p:txBody>
+      </p:sp>
+    </p:spTree>
+    <p:extLst>
+      <p:ext uri="{BB962C8B-B14F-4D97-AF65-F5344CB8AC3E}">
+        <p14:creationId xmlns:p14="http://schemas.microsoft.com/office/powerpoint/2010/main" val="3260918261"/>
+      </p:ext>
+    </p:extLst>
+  </p:cSld>
+  <p:clrMapOvr>
+    <a:masterClrMapping/>
+  </p:clrMapOvr>
+  <p:timing>
+    <p:tnLst>
+      <p:par>
+        <p:cTn xmlns:p14="http://schemas.microsoft.com/office/powerpoint/2010/main" id="1" dur="indefinite" restart="never" nodeType="tmRoot"/>
+      </p:par>
+    </p:tnLst>
+  </p:timing>
+</p:sld>
+</file>
+
+<file path=ppt/slides/slide3.xml><?xml version="1.0" encoding="utf-8"?>
+<p:sld xmlns:a="http://schemas.openxmlformats.org/drawingml/2006/main" xmlns:r="http://schemas.openxmlformats.org/officeDocument/2006/relationships" xmlns:p="http://schemas.openxmlformats.org/presentationml/2006/main">
+  <p:cSld>
+    <p:spTree>
+      <p:nvGrpSpPr>
+        <p:cNvPr id="1" name=""/>
+        <p:cNvGrpSpPr/>
+        <p:nvPr/>
+      </p:nvGrpSpPr>
+      <p:grpSpPr>
+        <a:xfrm>
+          <a:off x="0" y="0"/>
+          <a:ext cx="0" cy="0"/>
+          <a:chOff x="0" y="0"/>
+          <a:chExt cx="0" cy="0"/>
+        </a:xfrm>
+      </p:grpSpPr>
+      <p:sp>
+        <p:nvSpPr>
+          <p:cNvPr id="2" name="Title 1"/>
+          <p:cNvSpPr>
+            <a:spLocks noGrp="1"/>
+          </p:cNvSpPr>
+          <p:nvPr>
+            <p:ph type="ctrTitle"/>
+          </p:nvPr>
+        </p:nvSpPr>
+        <p:spPr/>
+        <p:txBody>
+          <a:bodyPr/>
+          <a:lstStyle/>
+          <a:p>
+            <a:r>
+              <a:rPr lang="en-US" dirty="0" smtClean="0"/>
+              <a:t>Working with Couchbase Mobile</a:t>
+            </a:r>
+            <a:endParaRPr lang="en-US" dirty="0"/>
+          </a:p>
+        </p:txBody>
+      </p:sp>
+      <p:sp>
+        <p:nvSpPr>
+          <p:cNvPr id="3" name="Subtitle 2"/>
+          <p:cNvSpPr>
+            <a:spLocks noGrp="1"/>
+          </p:cNvSpPr>
+          <p:nvPr>
+            <p:ph type="subTitle" idx="1"/>
+          </p:nvPr>
+        </p:nvSpPr>
+        <p:spPr/>
+        <p:txBody>
+          <a:bodyPr/>
+          <a:lstStyle/>
+          <a:p>
+            <a:r>
+              <a:rPr lang="en-US" dirty="0" smtClean="0"/>
+              <a:t>An introduction to concepts and practices</a:t>
+            </a:r>
+            <a:endParaRPr lang="en-US" dirty="0"/>
+          </a:p>
+        </p:txBody>
+      </p:sp>
+    </p:spTree>
+    <p:extLst>
+      <p:ext uri="{BB962C8B-B14F-4D97-AF65-F5344CB8AC3E}">
+        <p14:creationId xmlns:p14="http://schemas.microsoft.com/office/powerpoint/2010/main" val="2033927680"/>
+      </p:ext>
+    </p:extLst>
+  </p:cSld>
+  <p:clrMapOvr>
+    <a:masterClrMapping/>
+  </p:clrMapOvr>
+  <p:timing>
+    <p:tnLst>
+      <p:par>
+        <p:cTn xmlns:p14="http://schemas.microsoft.com/office/powerpoint/2010/main" id="1" dur="indefinite" restart="never" nodeType="tmRoot"/>
+      </p:par>
+    </p:tnLst>
+  </p:timing>
+</p:sld>
+</file>
+
+<file path=ppt/slides/slide30.xml><?xml version="1.0" encoding="utf-8"?>
+<p:sld xmlns:a="http://schemas.openxmlformats.org/drawingml/2006/main" xmlns:r="http://schemas.openxmlformats.org/officeDocument/2006/relationships" xmlns:p="http://schemas.openxmlformats.org/presentationml/2006/main">
+  <p:cSld>
+    <p:spTree>
+      <p:nvGrpSpPr>
+        <p:cNvPr id="1" name=""/>
+        <p:cNvGrpSpPr/>
+        <p:nvPr/>
+      </p:nvGrpSpPr>
+      <p:grpSpPr>
+        <a:xfrm>
+          <a:off x="0" y="0"/>
+          <a:ext cx="0" cy="0"/>
+          <a:chOff x="0" y="0"/>
+          <a:chExt cx="0" cy="0"/>
+        </a:xfrm>
+      </p:grpSpPr>
+      <p:sp>
+        <p:nvSpPr>
+          <p:cNvPr id="2" name="Title 1"/>
+          <p:cNvSpPr>
+            <a:spLocks noGrp="1"/>
+          </p:cNvSpPr>
+          <p:nvPr>
+            <p:ph type="title"/>
+          </p:nvPr>
+        </p:nvSpPr>
+        <p:spPr/>
+        <p:txBody>
+          <a:bodyPr/>
+          <a:lstStyle/>
+          <a:p>
+            <a:r>
+              <a:rPr lang="en-US" dirty="0" err="1" smtClean="0"/>
+              <a:t>Application.java</a:t>
+            </a:r>
+            <a:r>
+              <a:rPr lang="en-US" dirty="0" smtClean="0"/>
+              <a:t>: some set-up</a:t>
+            </a:r>
+            <a:endParaRPr lang="en-US" dirty="0"/>
+          </a:p>
+        </p:txBody>
+      </p:sp>
+      <p:sp>
+        <p:nvSpPr>
+          <p:cNvPr id="4" name="Slide Number Placeholder 3"/>
+          <p:cNvSpPr>
+            <a:spLocks noGrp="1"/>
+          </p:cNvSpPr>
+          <p:nvPr>
+            <p:ph type="sldNum" sz="quarter" idx="12"/>
+          </p:nvPr>
+        </p:nvSpPr>
+        <p:spPr/>
+        <p:txBody>
+          <a:bodyPr/>
+          <a:lstStyle/>
+          <a:p>
+            <a:fld id="{E728A94C-44F1-DF43-8BD8-694E750DEF33}" type="slidenum">
+              <a:rPr lang="en-US" smtClean="0"/>
+              <a:t>30</a:t>
+            </a:fld>
+            <a:endParaRPr lang="en-US"/>
+          </a:p>
+        </p:txBody>
+      </p:sp>
+      <p:pic>
+        <p:nvPicPr>
+          <p:cNvPr id="6" name="Content Placeholder 5" descr="Screen Shot 2014-11-26 at 10.23.17.png"/>
+          <p:cNvPicPr>
+            <a:picLocks noGrp="1" noChangeAspect="1"/>
+          </p:cNvPicPr>
+          <p:nvPr>
+            <p:ph idx="1"/>
+          </p:nvPr>
+        </p:nvPicPr>
+        <p:blipFill>
+          <a:blip r:embed="rId3">
+            <a:extLst>
+              <a:ext uri="{28A0092B-C50C-407E-A947-70E740481C1C}">
+                <a14:useLocalDpi xmlns:a14="http://schemas.microsoft.com/office/drawing/2010/main" val="0"/>
+              </a:ext>
+            </a:extLst>
+          </a:blip>
+          <a:srcRect t="-68559" b="-68559"/>
+          <a:stretch>
+            <a:fillRect/>
+          </a:stretch>
+        </p:blipFill>
+        <p:spPr/>
+      </p:pic>
+    </p:spTree>
+    <p:extLst>
+      <p:ext uri="{BB962C8B-B14F-4D97-AF65-F5344CB8AC3E}">
+        <p14:creationId xmlns:p14="http://schemas.microsoft.com/office/powerpoint/2010/main" val="4204689779"/>
+      </p:ext>
+    </p:extLst>
+  </p:cSld>
+  <p:clrMapOvr>
+    <a:masterClrMapping/>
+  </p:clrMapOvr>
+  <p:timing>
+    <p:tnLst>
+      <p:par>
+        <p:cTn xmlns:p14="http://schemas.microsoft.com/office/powerpoint/2010/main" id="1" dur="indefinite" restart="never" nodeType="tmRoot"/>
+      </p:par>
+    </p:tnLst>
+  </p:timing>
+</p:sld>
+</file>
+
+<file path=ppt/slides/slide31.xml><?xml version="1.0" encoding="utf-8"?>
+<p:sld xmlns:a="http://schemas.openxmlformats.org/drawingml/2006/main" xmlns:r="http://schemas.openxmlformats.org/officeDocument/2006/relationships" xmlns:p="http://schemas.openxmlformats.org/presentationml/2006/main">
+  <p:cSld>
+    <p:spTree>
+      <p:nvGrpSpPr>
+        <p:cNvPr id="1" name=""/>
+        <p:cNvGrpSpPr/>
+        <p:nvPr/>
+      </p:nvGrpSpPr>
+      <p:grpSpPr>
+        <a:xfrm>
+          <a:off x="0" y="0"/>
+          <a:ext cx="0" cy="0"/>
+          <a:chOff x="0" y="0"/>
+          <a:chExt cx="0" cy="0"/>
+        </a:xfrm>
+      </p:grpSpPr>
+      <p:sp>
+        <p:nvSpPr>
+          <p:cNvPr id="2" name="Title 1"/>
+          <p:cNvSpPr>
+            <a:spLocks noGrp="1"/>
+          </p:cNvSpPr>
+          <p:nvPr>
+            <p:ph type="title"/>
+          </p:nvPr>
+        </p:nvSpPr>
+        <p:spPr/>
+        <p:txBody>
+          <a:bodyPr/>
+          <a:lstStyle/>
+          <a:p>
+            <a:r>
+              <a:rPr lang="en-US" dirty="0" err="1" smtClean="0"/>
+              <a:t>Application.java</a:t>
+            </a:r>
+            <a:r>
+              <a:rPr lang="en-US" dirty="0" smtClean="0"/>
+              <a:t>: create </a:t>
+            </a:r>
+            <a:r>
+              <a:rPr lang="en-US" dirty="0" smtClean="0"/>
+              <a:t>the manager</a:t>
+            </a:r>
+            <a:endParaRPr lang="en-US" dirty="0"/>
+          </a:p>
+        </p:txBody>
+      </p:sp>
+      <p:sp>
+        <p:nvSpPr>
+          <p:cNvPr id="4" name="Slide Number Placeholder 3"/>
+          <p:cNvSpPr>
+            <a:spLocks noGrp="1"/>
+          </p:cNvSpPr>
+          <p:nvPr>
+            <p:ph type="sldNum" sz="quarter" idx="12"/>
+          </p:nvPr>
+        </p:nvSpPr>
+        <p:spPr/>
+        <p:txBody>
+          <a:bodyPr/>
+          <a:lstStyle/>
+          <a:p>
+            <a:fld id="{E728A94C-44F1-DF43-8BD8-694E750DEF33}" type="slidenum">
+              <a:rPr lang="en-US" smtClean="0"/>
+              <a:t>31</a:t>
+            </a:fld>
+            <a:endParaRPr lang="en-US"/>
+          </a:p>
+        </p:txBody>
+      </p:sp>
+      <p:pic>
+        <p:nvPicPr>
+          <p:cNvPr id="7" name="Content Placeholder 3" descr="Screen Shot 2014-11-05 at 16.06.46.png"/>
+          <p:cNvPicPr>
+            <a:picLocks noGrp="1" noChangeAspect="1"/>
+          </p:cNvPicPr>
+          <p:nvPr>
+            <p:ph idx="1"/>
+          </p:nvPr>
+        </p:nvPicPr>
+        <p:blipFill rotWithShape="1">
+          <a:blip r:embed="rId3">
+            <a:extLst>
+              <a:ext uri="{28A0092B-C50C-407E-A947-70E740481C1C}">
+                <a14:useLocalDpi xmlns:a14="http://schemas.microsoft.com/office/drawing/2010/main" val="0"/>
+              </a:ext>
+            </a:extLst>
+          </a:blip>
+          <a:srcRect l="-33862" t="8007" r="-34380"/>
+          <a:stretch/>
+        </p:blipFill>
+        <p:spPr>
+          <a:xfrm>
+            <a:off x="466344" y="1159099"/>
+            <a:ext cx="8007350" cy="3122315"/>
+          </a:xfrm>
+        </p:spPr>
+      </p:pic>
+    </p:spTree>
+    <p:extLst>
+      <p:ext uri="{BB962C8B-B14F-4D97-AF65-F5344CB8AC3E}">
+        <p14:creationId xmlns:p14="http://schemas.microsoft.com/office/powerpoint/2010/main" val="1908573401"/>
+      </p:ext>
+    </p:extLst>
+  </p:cSld>
+  <p:clrMapOvr>
+    <a:masterClrMapping/>
+  </p:clrMapOvr>
+  <p:timing>
+    <p:tnLst>
+      <p:par>
+        <p:cTn xmlns:p14="http://schemas.microsoft.com/office/powerpoint/2010/main" id="1" dur="indefinite" restart="never" nodeType="tmRoot"/>
+      </p:par>
+    </p:tnLst>
+  </p:timing>
+</p:sld>
+</file>
+
+<file path=ppt/slides/slide32.xml><?xml version="1.0" encoding="utf-8"?>
+<p:sld xmlns:a="http://schemas.openxmlformats.org/drawingml/2006/main" xmlns:r="http://schemas.openxmlformats.org/officeDocument/2006/relationships" xmlns:p="http://schemas.openxmlformats.org/presentationml/2006/main">
+  <p:cSld>
+    <p:spTree>
+      <p:nvGrpSpPr>
+        <p:cNvPr id="1" name=""/>
+        <p:cNvGrpSpPr/>
+        <p:nvPr/>
+      </p:nvGrpSpPr>
+      <p:grpSpPr>
+        <a:xfrm>
+          <a:off x="0" y="0"/>
+          <a:ext cx="0" cy="0"/>
+          <a:chOff x="0" y="0"/>
+          <a:chExt cx="0" cy="0"/>
+        </a:xfrm>
+      </p:grpSpPr>
+      <p:sp>
+        <p:nvSpPr>
+          <p:cNvPr id="2" name="Title 1"/>
+          <p:cNvSpPr>
+            <a:spLocks noGrp="1"/>
+          </p:cNvSpPr>
+          <p:nvPr>
+            <p:ph type="title"/>
+          </p:nvPr>
+        </p:nvSpPr>
+        <p:spPr/>
+        <p:txBody>
+          <a:bodyPr/>
+          <a:lstStyle/>
+          <a:p>
+            <a:r>
+              <a:rPr lang="en-US" dirty="0" err="1" smtClean="0"/>
+              <a:t>Application.jav</a:t>
+            </a:r>
+            <a:r>
+              <a:rPr lang="en-US" dirty="0" err="1" smtClean="0"/>
+              <a:t>a</a:t>
+            </a:r>
+            <a:r>
+              <a:rPr lang="en-US" dirty="0" smtClean="0"/>
+              <a:t>: connect on app load</a:t>
+            </a:r>
+            <a:endParaRPr lang="en-US" dirty="0"/>
+          </a:p>
+        </p:txBody>
+      </p:sp>
+      <p:sp>
+        <p:nvSpPr>
+          <p:cNvPr id="4" name="Slide Number Placeholder 3"/>
+          <p:cNvSpPr>
+            <a:spLocks noGrp="1"/>
+          </p:cNvSpPr>
+          <p:nvPr>
+            <p:ph type="sldNum" sz="quarter" idx="12"/>
+          </p:nvPr>
+        </p:nvSpPr>
+        <p:spPr/>
+        <p:txBody>
+          <a:bodyPr/>
+          <a:lstStyle/>
+          <a:p>
+            <a:fld id="{E728A94C-44F1-DF43-8BD8-694E750DEF33}" type="slidenum">
+              <a:rPr lang="en-US" smtClean="0"/>
+              <a:t>32</a:t>
+            </a:fld>
+            <a:endParaRPr lang="en-US"/>
+          </a:p>
+        </p:txBody>
+      </p:sp>
+      <p:sp>
+        <p:nvSpPr>
+          <p:cNvPr id="5" name="Content Placeholder 4"/>
+          <p:cNvSpPr>
+            <a:spLocks noGrp="1"/>
+          </p:cNvSpPr>
+          <p:nvPr>
+            <p:ph idx="1"/>
+          </p:nvPr>
+        </p:nvSpPr>
+        <p:spPr/>
+        <p:txBody>
+          <a:bodyPr/>
+          <a:lstStyle/>
+          <a:p>
+            <a:endParaRPr lang="en-US"/>
+          </a:p>
+        </p:txBody>
+      </p:sp>
+      <p:pic>
+        <p:nvPicPr>
+          <p:cNvPr id="6" name="Content Placeholder 3" descr="Screen Shot 2014-11-05 at 16.07.13.png"/>
+          <p:cNvPicPr>
+            <a:picLocks noChangeAspect="1"/>
+          </p:cNvPicPr>
+          <p:nvPr/>
+        </p:nvPicPr>
+        <p:blipFill>
+          <a:blip r:embed="rId2">
+            <a:extLst>
+              <a:ext uri="{28A0092B-C50C-407E-A947-70E740481C1C}">
+                <a14:useLocalDpi xmlns:a14="http://schemas.microsoft.com/office/drawing/2010/main" val="0"/>
+              </a:ext>
+            </a:extLst>
+          </a:blip>
+          <a:srcRect t="-33115" b="-33115"/>
+          <a:stretch>
+            <a:fillRect/>
+          </a:stretch>
+        </p:blipFill>
+        <p:spPr>
+          <a:xfrm>
+            <a:off x="1320222" y="473945"/>
+            <a:ext cx="6245891" cy="3383294"/>
+          </a:xfrm>
+          <a:prstGeom prst="rect">
+            <a:avLst/>
+          </a:prstGeom>
+        </p:spPr>
+      </p:pic>
+    </p:spTree>
+    <p:extLst>
+      <p:ext uri="{BB962C8B-B14F-4D97-AF65-F5344CB8AC3E}">
+        <p14:creationId xmlns:p14="http://schemas.microsoft.com/office/powerpoint/2010/main" val="3824563657"/>
+      </p:ext>
+    </p:extLst>
+  </p:cSld>
+  <p:clrMapOvr>
+    <a:masterClrMapping/>
+  </p:clrMapOvr>
+  <p:timing>
+    <p:tnLst>
+      <p:par>
+        <p:cTn xmlns:p14="http://schemas.microsoft.com/office/powerpoint/2010/main" id="1" dur="indefinite" restart="never" nodeType="tmRoot"/>
+      </p:par>
+    </p:tnLst>
+  </p:timing>
+</p:sld>
+</file>
+
+<file path=ppt/slides/slide33.xml><?xml version="1.0" encoding="utf-8"?>
+<p:sld xmlns:a="http://schemas.openxmlformats.org/drawingml/2006/main" xmlns:r="http://schemas.openxmlformats.org/officeDocument/2006/relationships" xmlns:p="http://schemas.openxmlformats.org/presentationml/2006/main">
+  <p:cSld>
+    <p:spTree>
+      <p:nvGrpSpPr>
+        <p:cNvPr id="1" name=""/>
+        <p:cNvGrpSpPr/>
+        <p:nvPr/>
+      </p:nvGrpSpPr>
+      <p:grpSpPr>
+        <a:xfrm>
+          <a:off x="0" y="0"/>
+          <a:ext cx="0" cy="0"/>
+          <a:chOff x="0" y="0"/>
+          <a:chExt cx="0" cy="0"/>
+        </a:xfrm>
+      </p:grpSpPr>
+      <p:sp>
+        <p:nvSpPr>
+          <p:cNvPr id="2" name="Title 1"/>
+          <p:cNvSpPr>
+            <a:spLocks noGrp="1"/>
+          </p:cNvSpPr>
+          <p:nvPr>
+            <p:ph type="title"/>
+          </p:nvPr>
+        </p:nvSpPr>
+        <p:spPr/>
+        <p:txBody>
+          <a:bodyPr/>
+          <a:lstStyle/>
+          <a:p>
+            <a:r>
+              <a:rPr lang="en-US" dirty="0" smtClean="0"/>
+              <a:t>How are we testing this?</a:t>
+            </a:r>
+            <a:endParaRPr lang="en-US" dirty="0"/>
+          </a:p>
+        </p:txBody>
+      </p:sp>
+      <p:sp>
+        <p:nvSpPr>
+          <p:cNvPr id="4" name="Slide Number Placeholder 3"/>
+          <p:cNvSpPr>
+            <a:spLocks noGrp="1"/>
+          </p:cNvSpPr>
+          <p:nvPr>
+            <p:ph type="sldNum" sz="quarter" idx="12"/>
+          </p:nvPr>
+        </p:nvSpPr>
+        <p:spPr/>
+        <p:txBody>
+          <a:bodyPr/>
+          <a:lstStyle/>
+          <a:p>
+            <a:fld id="{E728A94C-44F1-DF43-8BD8-694E750DEF33}" type="slidenum">
+              <a:rPr lang="en-US" smtClean="0"/>
+              <a:t>33</a:t>
             </a:fld>
             <a:endParaRPr lang="en-US"/>
           </a:p>
@@ -8357,7 +9179,7 @@
 </p:sld>
 </file>
 
-<file path=ppt/slides/slide29.xml><?xml version="1.0" encoding="utf-8"?>
+<file path=ppt/slides/slide34.xml><?xml version="1.0" encoding="utf-8"?>
 <p:sld xmlns:a="http://schemas.openxmlformats.org/drawingml/2006/main" xmlns:r="http://schemas.openxmlformats.org/officeDocument/2006/relationships" xmlns:p="http://schemas.openxmlformats.org/presentationml/2006/main">
   <p:cSld>
     <p:spTree>
@@ -8444,7 +9266,7 @@
 </p:sld>
 </file>
 
-<file path=ppt/slides/slide3.xml><?xml version="1.0" encoding="utf-8"?>
+<file path=ppt/slides/slide35.xml><?xml version="1.0" encoding="utf-8"?>
 <p:sld xmlns:a="http://schemas.openxmlformats.org/drawingml/2006/main" xmlns:r="http://schemas.openxmlformats.org/officeDocument/2006/relationships" xmlns:p="http://schemas.openxmlformats.org/presentationml/2006/main">
   <p:cSld>
     <p:spTree>
@@ -8468,17 +9290,17 @@
             <a:spLocks noGrp="1"/>
           </p:cNvSpPr>
           <p:nvPr>
-            <p:ph type="ctrTitle"/>
-          </p:nvPr>
-        </p:nvSpPr>
-        <p:spPr/>
-        <p:txBody>
-          <a:bodyPr/>
-          <a:lstStyle/>
-          <a:p>
-            <a:r>
-              <a:rPr lang="en-US" dirty="0" smtClean="0"/>
-              <a:t>Working with Couchbase Mobile</a:t>
+            <p:ph type="title"/>
+          </p:nvPr>
+        </p:nvSpPr>
+        <p:spPr/>
+        <p:txBody>
+          <a:bodyPr/>
+          <a:lstStyle/>
+          <a:p>
+            <a:r>
+              <a:rPr lang="en-US" dirty="0" smtClean="0"/>
+              <a:t>Create and connect</a:t>
             </a:r>
             <a:endParaRPr lang="en-US" dirty="0"/>
           </a:p>
@@ -8486,31 +9308,98 @@
       </p:sp>
       <p:sp>
         <p:nvSpPr>
-          <p:cNvPr id="3" name="Subtitle 2"/>
-          <p:cNvSpPr>
-            <a:spLocks noGrp="1"/>
-          </p:cNvSpPr>
-          <p:nvPr>
-            <p:ph type="subTitle" idx="1"/>
-          </p:nvPr>
-        </p:nvSpPr>
-        <p:spPr/>
-        <p:txBody>
-          <a:bodyPr/>
-          <a:lstStyle/>
-          <a:p>
-            <a:r>
-              <a:rPr lang="en-US" dirty="0" smtClean="0"/>
-              <a:t>An introduction to concepts and practices</a:t>
-            </a:r>
-            <a:endParaRPr lang="en-US" dirty="0"/>
+          <p:cNvPr id="3" name="Content Placeholder 2"/>
+          <p:cNvSpPr>
+            <a:spLocks noGrp="1"/>
+          </p:cNvSpPr>
+          <p:nvPr>
+            <p:ph idx="1"/>
+          </p:nvPr>
+        </p:nvSpPr>
+        <p:spPr/>
+        <p:txBody>
+          <a:bodyPr/>
+          <a:lstStyle/>
+          <a:p>
+            <a:r>
+              <a:rPr lang="en-US" dirty="0" err="1" smtClean="0"/>
+              <a:t>Application.java</a:t>
+            </a:r>
+            <a:r>
+              <a:rPr lang="en-US" dirty="0" smtClean="0"/>
+              <a:t>:</a:t>
+            </a:r>
+          </a:p>
+          <a:p>
+            <a:pPr lvl="1"/>
+            <a:r>
+              <a:rPr lang="en-US" sz="2400" dirty="0" err="1" smtClean="0"/>
+              <a:t>getDatabase</a:t>
+            </a:r>
+            <a:r>
+              <a:rPr lang="en-US" sz="2400" dirty="0" smtClean="0"/>
+              <a:t>()</a:t>
+            </a:r>
+          </a:p>
+          <a:p>
+            <a:pPr lvl="1"/>
+            <a:r>
+              <a:rPr lang="en-US" sz="2400" dirty="0" err="1" smtClean="0"/>
+              <a:t>onCreate</a:t>
+            </a:r>
+            <a:r>
+              <a:rPr lang="en-US" sz="2400" dirty="0" smtClean="0"/>
+              <a:t>()</a:t>
+            </a:r>
+          </a:p>
+          <a:p>
+            <a:pPr lvl="1"/>
+            <a:endParaRPr lang="en-US" sz="2400" dirty="0"/>
+          </a:p>
+          <a:p>
+            <a:r>
+              <a:rPr lang="en-US" dirty="0" smtClean="0"/>
+              <a:t>Test we want to pass:</a:t>
+            </a:r>
+            <a:endParaRPr lang="en-US" dirty="0" smtClean="0"/>
+          </a:p>
+          <a:p>
+            <a:pPr lvl="1"/>
+            <a:r>
+              <a:rPr lang="en-US" sz="2400" dirty="0" err="1" smtClean="0"/>
+              <a:t>ApplicationTest.java</a:t>
+            </a:r>
+            <a:endParaRPr lang="en-US" sz="2400" dirty="0"/>
+          </a:p>
+        </p:txBody>
+      </p:sp>
+      <p:sp>
+        <p:nvSpPr>
+          <p:cNvPr id="4" name="Slide Number Placeholder 3"/>
+          <p:cNvSpPr>
+            <a:spLocks noGrp="1"/>
+          </p:cNvSpPr>
+          <p:nvPr>
+            <p:ph type="sldNum" sz="quarter" idx="12"/>
+          </p:nvPr>
+        </p:nvSpPr>
+        <p:spPr/>
+        <p:txBody>
+          <a:bodyPr/>
+          <a:lstStyle/>
+          <a:p>
+            <a:fld id="{E728A94C-44F1-DF43-8BD8-694E750DEF33}" type="slidenum">
+              <a:rPr lang="en-US" smtClean="0"/>
+              <a:t>35</a:t>
+            </a:fld>
+            <a:endParaRPr lang="en-US"/>
           </a:p>
         </p:txBody>
       </p:sp>
     </p:spTree>
     <p:extLst>
       <p:ext uri="{BB962C8B-B14F-4D97-AF65-F5344CB8AC3E}">
-        <p14:creationId xmlns:p14="http://schemas.microsoft.com/office/powerpoint/2010/main" val="2033927680"/>
+        <p14:creationId xmlns:p14="http://schemas.microsoft.com/office/powerpoint/2010/main" val="3030962887"/>
       </p:ext>
     </p:extLst>
   </p:cSld>
@@ -8527,7 +9416,7 @@
 </p:sld>
 </file>
 
-<file path=ppt/slides/slide30.xml><?xml version="1.0" encoding="utf-8"?>
+<file path=ppt/slides/slide36.xml><?xml version="1.0" encoding="utf-8"?>
 <p:sld xmlns:a="http://schemas.openxmlformats.org/drawingml/2006/main" xmlns:r="http://schemas.openxmlformats.org/officeDocument/2006/relationships" xmlns:p="http://schemas.openxmlformats.org/presentationml/2006/main">
   <p:cSld>
     <p:spTree>
@@ -8606,7 +9495,7 @@
 </p:sld>
 </file>
 
-<file path=ppt/slides/slide31.xml><?xml version="1.0" encoding="utf-8"?>
+<file path=ppt/slides/slide37.xml><?xml version="1.0" encoding="utf-8"?>
 <p:sld xmlns:a="http://schemas.openxmlformats.org/drawingml/2006/main" xmlns:r="http://schemas.openxmlformats.org/officeDocument/2006/relationships" xmlns:p="http://schemas.openxmlformats.org/presentationml/2006/main">
   <p:cSld>
     <p:spTree>
@@ -8663,15 +9552,27 @@
           <a:p>
             <a:r>
               <a:rPr lang="en-US" dirty="0" smtClean="0"/>
-              <a:t>In the </a:t>
+              <a:t>In </a:t>
             </a:r>
             <a:r>
               <a:rPr lang="en-US" dirty="0" err="1" smtClean="0"/>
-              <a:t>MainActivity</a:t>
-            </a:r>
-            <a:r>
-              <a:rPr lang="en-US" dirty="0" smtClean="0"/>
-              <a:t> we want to create an alert</a:t>
+              <a:t>MainActivity.java</a:t>
+            </a:r>
+            <a:r>
+              <a:rPr lang="en-US" dirty="0" smtClean="0"/>
+              <a:t> </a:t>
+            </a:r>
+            <a:r>
+              <a:rPr lang="en-US" dirty="0" smtClean="0"/>
+              <a:t>we </a:t>
+            </a:r>
+            <a:r>
+              <a:rPr lang="en-US" dirty="0" smtClean="0"/>
+              <a:t>already have code to </a:t>
+            </a:r>
+            <a:r>
+              <a:rPr lang="en-US" dirty="0" smtClean="0"/>
+              <a:t>create an alert</a:t>
             </a:r>
           </a:p>
           <a:p>
@@ -8680,16 +9581,33 @@
           <a:p>
             <a:r>
               <a:rPr lang="en-US" dirty="0" smtClean="0"/>
-              <a:t>It should accept a talk title and give the option to proceed or cancel</a:t>
-            </a:r>
-          </a:p>
-          <a:p>
+              <a:t>It </a:t>
+            </a:r>
+            <a:r>
+              <a:rPr lang="en-US" dirty="0" smtClean="0"/>
+              <a:t>accepts </a:t>
+            </a:r>
+            <a:r>
+              <a:rPr lang="en-US" dirty="0" smtClean="0"/>
+              <a:t>a </a:t>
+            </a:r>
+            <a:r>
+              <a:rPr lang="en-US" dirty="0" smtClean="0"/>
+              <a:t>talk title and saves it</a:t>
+            </a:r>
             <a:endParaRPr lang="en-US" dirty="0"/>
           </a:p>
           <a:p>
-            <a:r>
-              <a:rPr lang="en-US" dirty="0" smtClean="0"/>
-              <a:t>The “proceed” button should trigger writing the new talk into the database</a:t>
+            <a:endParaRPr lang="en-US" dirty="0" smtClean="0"/>
+          </a:p>
+          <a:p>
+            <a:r>
+              <a:rPr lang="en-US" dirty="0" smtClean="0"/>
+              <a:t>We need to wire-up </a:t>
+            </a:r>
+            <a:r>
+              <a:rPr lang="en-US" dirty="0" err="1" smtClean="0"/>
+              <a:t>Presentation.java</a:t>
             </a:r>
             <a:endParaRPr lang="en-US" dirty="0"/>
           </a:p>
@@ -8712,7 +9630,7 @@
           <a:p>
             <a:fld id="{E728A94C-44F1-DF43-8BD8-694E750DEF33}" type="slidenum">
               <a:rPr lang="en-US" smtClean="0"/>
-              <a:t>31</a:t>
+              <a:t>37</a:t>
             </a:fld>
             <a:endParaRPr lang="en-US"/>
           </a:p>
@@ -8721,7 +9639,7 @@
     </p:spTree>
     <p:extLst>
       <p:ext uri="{BB962C8B-B14F-4D97-AF65-F5344CB8AC3E}">
-        <p14:creationId xmlns:p14="http://schemas.microsoft.com/office/powerpoint/2010/main" val="3030962887"/>
+        <p14:creationId xmlns:p14="http://schemas.microsoft.com/office/powerpoint/2010/main" val="472086802"/>
       </p:ext>
     </p:extLst>
   </p:cSld>
@@ -8738,7 +9656,7 @@
 </p:sld>
 </file>
 
-<file path=ppt/slides/slide32.xml><?xml version="1.0" encoding="utf-8"?>
+<file path=ppt/slides/slide38.xml><?xml version="1.0" encoding="utf-8"?>
 <p:sld xmlns:a="http://schemas.openxmlformats.org/drawingml/2006/main" xmlns:r="http://schemas.openxmlformats.org/officeDocument/2006/relationships" xmlns:p="http://schemas.openxmlformats.org/presentationml/2006/main">
   <p:cSld>
     <p:spTree>
@@ -8771,8 +9689,12 @@
           <a:lstStyle/>
           <a:p>
             <a:r>
-              <a:rPr lang="en-US" dirty="0" smtClean="0"/>
-              <a:t>Making our first entry</a:t>
+              <a:rPr lang="en-US" dirty="0" err="1" smtClean="0"/>
+              <a:t>MainActivity.addPresentation</a:t>
+            </a:r>
+            <a:r>
+              <a:rPr lang="en-US" dirty="0" smtClean="0"/>
+              <a:t>()</a:t>
             </a:r>
             <a:endParaRPr lang="en-US" dirty="0"/>
           </a:p>
@@ -8795,7 +9717,7 @@
           <a:p>
             <a:fld id="{E728A94C-44F1-DF43-8BD8-694E750DEF33}" type="slidenum">
               <a:rPr lang="en-US" smtClean="0"/>
-              <a:t>32</a:t>
+              <a:t>38</a:t>
             </a:fld>
             <a:endParaRPr lang="en-US"/>
           </a:p>
@@ -9092,7 +10014,7 @@
 </p:sld>
 </file>
 
-<file path=ppt/slides/slide33.xml><?xml version="1.0" encoding="utf-8"?>
+<file path=ppt/slides/slide39.xml><?xml version="1.0" encoding="utf-8"?>
 <p:sld xmlns:a="http://schemas.openxmlformats.org/drawingml/2006/main" xmlns:r="http://schemas.openxmlformats.org/officeDocument/2006/relationships" xmlns:p="http://schemas.openxmlformats.org/presentationml/2006/main">
   <p:cSld>
     <p:spTree>
@@ -9125,8 +10047,40 @@
           <a:lstStyle/>
           <a:p>
             <a:r>
-              <a:rPr lang="en-US" dirty="0" smtClean="0"/>
-              <a:t>Our POJO</a:t>
+              <a:rPr lang="en-US" dirty="0" err="1" smtClean="0"/>
+              <a:t>Presentation.java</a:t>
+            </a:r>
+            <a:endParaRPr lang="en-US" dirty="0"/>
+          </a:p>
+        </p:txBody>
+      </p:sp>
+      <p:sp>
+        <p:nvSpPr>
+          <p:cNvPr id="3" name="Content Placeholder 2"/>
+          <p:cNvSpPr>
+            <a:spLocks noGrp="1"/>
+          </p:cNvSpPr>
+          <p:nvPr>
+            <p:ph idx="1"/>
+          </p:nvPr>
+        </p:nvSpPr>
+        <p:spPr/>
+        <p:txBody>
+          <a:bodyPr/>
+          <a:lstStyle/>
+          <a:p>
+            <a:r>
+              <a:rPr lang="en-US" dirty="0" smtClean="0"/>
+              <a:t>Create a presentation object from the document</a:t>
+            </a:r>
+          </a:p>
+          <a:p>
+            <a:endParaRPr lang="en-US" dirty="0"/>
+          </a:p>
+          <a:p>
+            <a:r>
+              <a:rPr lang="en-US" dirty="0" smtClean="0"/>
+              <a:t>Save it to the database</a:t>
             </a:r>
             <a:endParaRPr lang="en-US" dirty="0"/>
           </a:p>
@@ -9149,7 +10103,254 @@
           <a:p>
             <a:fld id="{E728A94C-44F1-DF43-8BD8-694E750DEF33}" type="slidenum">
               <a:rPr lang="en-US" smtClean="0"/>
-              <a:t>33</a:t>
+              <a:t>39</a:t>
+            </a:fld>
+            <a:endParaRPr lang="en-US"/>
+          </a:p>
+        </p:txBody>
+      </p:sp>
+    </p:spTree>
+    <p:extLst>
+      <p:ext uri="{BB962C8B-B14F-4D97-AF65-F5344CB8AC3E}">
+        <p14:creationId xmlns:p14="http://schemas.microsoft.com/office/powerpoint/2010/main" val="1184661465"/>
+      </p:ext>
+    </p:extLst>
+  </p:cSld>
+  <p:clrMapOvr>
+    <a:masterClrMapping/>
+  </p:clrMapOvr>
+  <p:timing>
+    <p:tnLst>
+      <p:par>
+        <p:cTn xmlns:p14="http://schemas.microsoft.com/office/powerpoint/2010/main" id="1" dur="indefinite" restart="never" nodeType="tmRoot"/>
+      </p:par>
+    </p:tnLst>
+  </p:timing>
+</p:sld>
+</file>
+
+<file path=ppt/slides/slide4.xml><?xml version="1.0" encoding="utf-8"?>
+<p:sld xmlns:a="http://schemas.openxmlformats.org/drawingml/2006/main" xmlns:r="http://schemas.openxmlformats.org/officeDocument/2006/relationships" xmlns:p="http://schemas.openxmlformats.org/presentationml/2006/main">
+  <p:cSld>
+    <p:spTree>
+      <p:nvGrpSpPr>
+        <p:cNvPr id="1" name=""/>
+        <p:cNvGrpSpPr/>
+        <p:nvPr/>
+      </p:nvGrpSpPr>
+      <p:grpSpPr>
+        <a:xfrm>
+          <a:off x="0" y="0"/>
+          <a:ext cx="0" cy="0"/>
+          <a:chOff x="0" y="0"/>
+          <a:chExt cx="0" cy="0"/>
+        </a:xfrm>
+      </p:grpSpPr>
+      <p:sp>
+        <p:nvSpPr>
+          <p:cNvPr id="2" name="Title 1"/>
+          <p:cNvSpPr>
+            <a:spLocks noGrp="1"/>
+          </p:cNvSpPr>
+          <p:nvPr>
+            <p:ph type="title"/>
+          </p:nvPr>
+        </p:nvSpPr>
+        <p:spPr/>
+        <p:txBody>
+          <a:bodyPr/>
+          <a:lstStyle/>
+          <a:p>
+            <a:r>
+              <a:rPr lang="en-US" dirty="0" smtClean="0"/>
+              <a:t>The Couchbase Mobile stack</a:t>
+            </a:r>
+            <a:endParaRPr lang="en-US" dirty="0"/>
+          </a:p>
+        </p:txBody>
+      </p:sp>
+      <p:sp>
+        <p:nvSpPr>
+          <p:cNvPr id="3" name="Content Placeholder 2"/>
+          <p:cNvSpPr>
+            <a:spLocks noGrp="1"/>
+          </p:cNvSpPr>
+          <p:nvPr>
+            <p:ph idx="1"/>
+          </p:nvPr>
+        </p:nvSpPr>
+        <p:spPr/>
+        <p:txBody>
+          <a:bodyPr/>
+          <a:lstStyle/>
+          <a:p>
+            <a:r>
+              <a:rPr lang="en-US" sz="2000" b="1" dirty="0" smtClean="0"/>
+              <a:t>Couchbase Lite: </a:t>
+            </a:r>
+            <a:r>
+              <a:rPr lang="en-US" sz="2000" dirty="0" smtClean="0"/>
+              <a:t>a lightweight native document database for the device</a:t>
+            </a:r>
+          </a:p>
+          <a:p>
+            <a:endParaRPr lang="en-US" sz="2000" dirty="0" smtClean="0"/>
+          </a:p>
+          <a:p>
+            <a:r>
+              <a:rPr lang="en-US" sz="2000" b="1" dirty="0" err="1" smtClean="0"/>
+              <a:t>SyncGateway</a:t>
+            </a:r>
+            <a:r>
+              <a:rPr lang="en-US" sz="2000" b="1" dirty="0" smtClean="0"/>
+              <a:t>: </a:t>
+            </a:r>
+            <a:r>
+              <a:rPr lang="en-US" sz="2000" dirty="0" smtClean="0"/>
+              <a:t>handles </a:t>
+            </a:r>
+            <a:r>
+              <a:rPr lang="en-US" sz="2000" dirty="0" err="1" smtClean="0"/>
+              <a:t>synchronisation</a:t>
+            </a:r>
+            <a:r>
+              <a:rPr lang="en-US" sz="2000" dirty="0" smtClean="0"/>
+              <a:t>, including content </a:t>
+            </a:r>
+            <a:r>
+              <a:rPr lang="en-US" sz="2000" dirty="0" err="1" smtClean="0"/>
+              <a:t>auth</a:t>
+            </a:r>
+            <a:r>
+              <a:rPr lang="en-US" sz="2000" dirty="0" smtClean="0"/>
+              <a:t> and validation</a:t>
+            </a:r>
+          </a:p>
+          <a:p>
+            <a:endParaRPr lang="en-US" sz="2000" dirty="0" smtClean="0"/>
+          </a:p>
+          <a:p>
+            <a:r>
+              <a:rPr lang="en-US" sz="2000" b="1" dirty="0" smtClean="0"/>
+              <a:t>Couchbase Server: </a:t>
+            </a:r>
+            <a:r>
+              <a:rPr lang="en-US" sz="2000" dirty="0" smtClean="0"/>
+              <a:t>could also be </a:t>
+            </a:r>
+            <a:r>
+              <a:rPr lang="en-US" sz="2000" dirty="0" err="1" smtClean="0"/>
+              <a:t>CouchDB</a:t>
+            </a:r>
+            <a:r>
+              <a:rPr lang="en-US" sz="2000" dirty="0" smtClean="0"/>
+              <a:t> or another compatible database</a:t>
+            </a:r>
+            <a:endParaRPr lang="en-US" sz="2000" dirty="0"/>
+          </a:p>
+        </p:txBody>
+      </p:sp>
+      <p:sp>
+        <p:nvSpPr>
+          <p:cNvPr id="4" name="Slide Number Placeholder 3"/>
+          <p:cNvSpPr>
+            <a:spLocks noGrp="1"/>
+          </p:cNvSpPr>
+          <p:nvPr>
+            <p:ph type="sldNum" sz="quarter" idx="12"/>
+          </p:nvPr>
+        </p:nvSpPr>
+        <p:spPr/>
+        <p:txBody>
+          <a:bodyPr/>
+          <a:lstStyle/>
+          <a:p>
+            <a:fld id="{E728A94C-44F1-DF43-8BD8-694E750DEF33}" type="slidenum">
+              <a:rPr lang="en-US" smtClean="0"/>
+              <a:t>4</a:t>
+            </a:fld>
+            <a:endParaRPr lang="en-US"/>
+          </a:p>
+        </p:txBody>
+      </p:sp>
+    </p:spTree>
+    <p:extLst>
+      <p:ext uri="{BB962C8B-B14F-4D97-AF65-F5344CB8AC3E}">
+        <p14:creationId xmlns:p14="http://schemas.microsoft.com/office/powerpoint/2010/main" val="3766935091"/>
+      </p:ext>
+    </p:extLst>
+  </p:cSld>
+  <p:clrMapOvr>
+    <a:masterClrMapping/>
+  </p:clrMapOvr>
+  <p:timing>
+    <p:tnLst>
+      <p:par>
+        <p:cTn xmlns:p14="http://schemas.microsoft.com/office/powerpoint/2010/main" id="1" dur="indefinite" restart="never" nodeType="tmRoot"/>
+      </p:par>
+    </p:tnLst>
+  </p:timing>
+</p:sld>
+</file>
+
+<file path=ppt/slides/slide40.xml><?xml version="1.0" encoding="utf-8"?>
+<p:sld xmlns:a="http://schemas.openxmlformats.org/drawingml/2006/main" xmlns:r="http://schemas.openxmlformats.org/officeDocument/2006/relationships" xmlns:p="http://schemas.openxmlformats.org/presentationml/2006/main">
+  <p:cSld>
+    <p:spTree>
+      <p:nvGrpSpPr>
+        <p:cNvPr id="1" name=""/>
+        <p:cNvGrpSpPr/>
+        <p:nvPr/>
+      </p:nvGrpSpPr>
+      <p:grpSpPr>
+        <a:xfrm>
+          <a:off x="0" y="0"/>
+          <a:ext cx="0" cy="0"/>
+          <a:chOff x="0" y="0"/>
+          <a:chExt cx="0" cy="0"/>
+        </a:xfrm>
+      </p:grpSpPr>
+      <p:sp>
+        <p:nvSpPr>
+          <p:cNvPr id="2" name="Title 1"/>
+          <p:cNvSpPr>
+            <a:spLocks noGrp="1"/>
+          </p:cNvSpPr>
+          <p:nvPr>
+            <p:ph type="title"/>
+          </p:nvPr>
+        </p:nvSpPr>
+        <p:spPr/>
+        <p:txBody>
+          <a:bodyPr/>
+          <a:lstStyle/>
+          <a:p>
+            <a:r>
+              <a:rPr lang="en-US" dirty="0" err="1" smtClean="0"/>
+              <a:t>Presentation.java</a:t>
+            </a:r>
+            <a:endParaRPr lang="en-US" dirty="0"/>
+          </a:p>
+        </p:txBody>
+      </p:sp>
+      <p:sp>
+        <p:nvSpPr>
+          <p:cNvPr id="4" name="Slide Number Placeholder 3"/>
+          <p:cNvSpPr>
+            <a:spLocks noGrp="1"/>
+          </p:cNvSpPr>
+          <p:nvPr>
+            <p:ph type="sldNum" sz="quarter" idx="12"/>
+          </p:nvPr>
+        </p:nvSpPr>
+        <p:spPr/>
+        <p:txBody>
+          <a:bodyPr/>
+          <a:lstStyle/>
+          <a:p>
+            <a:fld id="{E728A94C-44F1-DF43-8BD8-694E750DEF33}" type="slidenum">
+              <a:rPr lang="en-US" smtClean="0"/>
+              <a:t>40</a:t>
             </a:fld>
             <a:endParaRPr lang="en-US"/>
           </a:p>
@@ -9185,25 +10386,6 @@
           </a:prstGeom>
         </p:spPr>
       </p:pic>
-      <p:sp>
-        <p:nvSpPr>
-          <p:cNvPr id="6" name="Content Placeholder 5"/>
-          <p:cNvSpPr>
-            <a:spLocks noGrp="1"/>
-          </p:cNvSpPr>
-          <p:nvPr>
-            <p:ph idx="1"/>
-          </p:nvPr>
-        </p:nvSpPr>
-        <p:spPr/>
-        <p:txBody>
-          <a:bodyPr/>
-          <a:lstStyle/>
-          <a:p>
-            <a:endParaRPr lang="en-US" dirty="0"/>
-          </a:p>
-        </p:txBody>
-      </p:sp>
     </p:spTree>
     <p:extLst>
       <p:ext uri="{BB962C8B-B14F-4D97-AF65-F5344CB8AC3E}">
@@ -9303,7 +10485,7 @@
 </p:sld>
 </file>
 
-<file path=ppt/slides/slide34.xml><?xml version="1.0" encoding="utf-8"?>
+<file path=ppt/slides/slide41.xml><?xml version="1.0" encoding="utf-8"?>
 <p:sld xmlns:a="http://schemas.openxmlformats.org/drawingml/2006/main" xmlns:r="http://schemas.openxmlformats.org/officeDocument/2006/relationships" xmlns:p="http://schemas.openxmlformats.org/presentationml/2006/main">
   <p:cSld>
     <p:spTree>
@@ -9337,7 +10519,7 @@
           <a:p>
             <a:r>
               <a:rPr lang="en-US" dirty="0" smtClean="0"/>
-              <a:t>Our save method</a:t>
+              <a:t>Mapping the document to the presentation</a:t>
             </a:r>
             <a:endParaRPr lang="en-US" dirty="0"/>
           </a:p>
@@ -9360,7 +10542,124 @@
           <a:p>
             <a:fld id="{E728A94C-44F1-DF43-8BD8-694E750DEF33}" type="slidenum">
               <a:rPr lang="en-US" smtClean="0"/>
-              <a:t>34</a:t>
+              <a:t>41</a:t>
+            </a:fld>
+            <a:endParaRPr lang="en-US"/>
+          </a:p>
+        </p:txBody>
+      </p:sp>
+      <p:pic>
+        <p:nvPicPr>
+          <p:cNvPr id="7" name="Picture 6" descr="Screen Shot 2014-11-26 at 11.41.42.png"/>
+          <p:cNvPicPr>
+            <a:picLocks noChangeAspect="1"/>
+          </p:cNvPicPr>
+          <p:nvPr/>
+        </p:nvPicPr>
+        <p:blipFill>
+          <a:blip r:embed="rId2">
+            <a:extLst>
+              <a:ext uri="{28A0092B-C50C-407E-A947-70E740481C1C}">
+                <a14:useLocalDpi xmlns:a14="http://schemas.microsoft.com/office/drawing/2010/main" val="0"/>
+              </a:ext>
+            </a:extLst>
+          </a:blip>
+          <a:stretch>
+            <a:fillRect/>
+          </a:stretch>
+        </p:blipFill>
+        <p:spPr>
+          <a:xfrm>
+            <a:off x="825500" y="1625600"/>
+            <a:ext cx="7493000" cy="1879600"/>
+          </a:xfrm>
+          <a:prstGeom prst="rect">
+            <a:avLst/>
+          </a:prstGeom>
+        </p:spPr>
+      </p:pic>
+    </p:spTree>
+    <p:extLst>
+      <p:ext uri="{BB962C8B-B14F-4D97-AF65-F5344CB8AC3E}">
+        <p14:creationId xmlns:p14="http://schemas.microsoft.com/office/powerpoint/2010/main" val="2431746746"/>
+      </p:ext>
+    </p:extLst>
+  </p:cSld>
+  <p:clrMapOvr>
+    <a:masterClrMapping/>
+  </p:clrMapOvr>
+  <p:timing>
+    <p:tnLst>
+      <p:par>
+        <p:cTn xmlns:p14="http://schemas.microsoft.com/office/powerpoint/2010/main" id="1" dur="indefinite" restart="never" nodeType="tmRoot"/>
+      </p:par>
+    </p:tnLst>
+  </p:timing>
+</p:sld>
+</file>
+
+<file path=ppt/slides/slide42.xml><?xml version="1.0" encoding="utf-8"?>
+<p:sld xmlns:a="http://schemas.openxmlformats.org/drawingml/2006/main" xmlns:r="http://schemas.openxmlformats.org/officeDocument/2006/relationships" xmlns:p="http://schemas.openxmlformats.org/presentationml/2006/main">
+  <p:cSld>
+    <p:spTree>
+      <p:nvGrpSpPr>
+        <p:cNvPr id="1" name=""/>
+        <p:cNvGrpSpPr/>
+        <p:nvPr/>
+      </p:nvGrpSpPr>
+      <p:grpSpPr>
+        <a:xfrm>
+          <a:off x="0" y="0"/>
+          <a:ext cx="0" cy="0"/>
+          <a:chOff x="0" y="0"/>
+          <a:chExt cx="0" cy="0"/>
+        </a:xfrm>
+      </p:grpSpPr>
+      <p:sp>
+        <p:nvSpPr>
+          <p:cNvPr id="2" name="Title 1"/>
+          <p:cNvSpPr>
+            <a:spLocks noGrp="1"/>
+          </p:cNvSpPr>
+          <p:nvPr>
+            <p:ph type="title"/>
+          </p:nvPr>
+        </p:nvSpPr>
+        <p:spPr/>
+        <p:txBody>
+          <a:bodyPr/>
+          <a:lstStyle/>
+          <a:p>
+            <a:r>
+              <a:rPr lang="en-US" dirty="0" err="1" smtClean="0"/>
+              <a:t>Presentation.save</a:t>
+            </a:r>
+            <a:r>
+              <a:rPr lang="en-US" dirty="0" smtClean="0"/>
+              <a:t>()</a:t>
+            </a:r>
+            <a:endParaRPr lang="en-US" dirty="0"/>
+          </a:p>
+        </p:txBody>
+      </p:sp>
+      <p:sp>
+        <p:nvSpPr>
+          <p:cNvPr id="4" name="Slide Number Placeholder 3"/>
+          <p:cNvSpPr>
+            <a:spLocks noGrp="1"/>
+          </p:cNvSpPr>
+          <p:nvPr>
+            <p:ph type="sldNum" sz="quarter" idx="12"/>
+          </p:nvPr>
+        </p:nvSpPr>
+        <p:spPr/>
+        <p:txBody>
+          <a:bodyPr/>
+          <a:lstStyle/>
+          <a:p>
+            <a:fld id="{E728A94C-44F1-DF43-8BD8-694E750DEF33}" type="slidenum">
+              <a:rPr lang="en-US" smtClean="0"/>
+              <a:t>42</a:t>
             </a:fld>
             <a:endParaRPr lang="en-US"/>
           </a:p>
@@ -9414,6 +10713,50 @@
           <a:ln>
             <a:solidFill>
               <a:schemeClr val="accent2"/>
+            </a:solidFill>
+          </a:ln>
+        </p:spPr>
+        <p:style>
+          <a:lnRef idx="1">
+            <a:schemeClr val="accent1"/>
+          </a:lnRef>
+          <a:fillRef idx="3">
+            <a:schemeClr val="accent1"/>
+          </a:fillRef>
+          <a:effectRef idx="2">
+            <a:schemeClr val="accent1"/>
+          </a:effectRef>
+          <a:fontRef idx="minor">
+            <a:schemeClr val="lt1"/>
+          </a:fontRef>
+        </p:style>
+        <p:txBody>
+          <a:bodyPr rtlCol="0" anchor="ctr"/>
+          <a:lstStyle/>
+          <a:p>
+            <a:pPr algn="ctr"/>
+            <a:endParaRPr lang="en-US"/>
+          </a:p>
+        </p:txBody>
+      </p:sp>
+      <p:sp>
+        <p:nvSpPr>
+          <p:cNvPr id="5" name="Rectangle 4"/>
+          <p:cNvSpPr/>
+          <p:nvPr/>
+        </p:nvSpPr>
+        <p:spPr>
+          <a:xfrm>
+            <a:off x="3094750" y="3625266"/>
+            <a:ext cx="2465936" cy="209624"/>
+          </a:xfrm>
+          <a:prstGeom prst="rect">
+            <a:avLst/>
+          </a:prstGeom>
+          <a:noFill/>
+          <a:ln>
+            <a:solidFill>
+              <a:srgbClr val="E40121"/>
             </a:solidFill>
           </a:ln>
         </p:spPr>
@@ -9511,235 +10854,41 @@
                       </p:childTnLst>
                     </p:cTn>
                   </p:par>
-                </p:childTnLst>
-              </p:cTn>
-              <p:prevCondLst>
-                <p:cond evt="onPrev" delay="0">
-                  <p:tgtEl>
-                    <p:sldTgt/>
-                  </p:tgtEl>
-                </p:cond>
-              </p:prevCondLst>
-              <p:nextCondLst>
-                <p:cond evt="onNext" delay="0">
-                  <p:tgtEl>
-                    <p:sldTgt/>
-                  </p:tgtEl>
-                </p:cond>
-              </p:nextCondLst>
-            </p:seq>
-          </p:childTnLst>
-        </p:cTn>
-      </p:par>
-    </p:tnLst>
-    <p:bldLst>
-      <p:bldP spid="7" grpId="0" animBg="1"/>
-    </p:bldLst>
-  </p:timing>
-</p:sld>
-</file>
-
-<file path=ppt/slides/slide35.xml><?xml version="1.0" encoding="utf-8"?>
-<p:sld xmlns:a="http://schemas.openxmlformats.org/drawingml/2006/main" xmlns:r="http://schemas.openxmlformats.org/officeDocument/2006/relationships" xmlns:p="http://schemas.openxmlformats.org/presentationml/2006/main">
-  <p:cSld>
-    <p:spTree>
-      <p:nvGrpSpPr>
-        <p:cNvPr id="1" name=""/>
-        <p:cNvGrpSpPr/>
-        <p:nvPr/>
-      </p:nvGrpSpPr>
-      <p:grpSpPr>
-        <a:xfrm>
-          <a:off x="0" y="0"/>
-          <a:ext cx="0" cy="0"/>
-          <a:chOff x="0" y="0"/>
-          <a:chExt cx="0" cy="0"/>
-        </a:xfrm>
-      </p:grpSpPr>
-      <p:sp>
-        <p:nvSpPr>
-          <p:cNvPr id="2" name="Title 1"/>
-          <p:cNvSpPr>
-            <a:spLocks noGrp="1"/>
-          </p:cNvSpPr>
-          <p:nvPr>
-            <p:ph type="title"/>
-          </p:nvPr>
-        </p:nvSpPr>
-        <p:spPr/>
-        <p:txBody>
-          <a:bodyPr/>
-          <a:lstStyle/>
-          <a:p>
-            <a:r>
-              <a:rPr lang="en-US" dirty="0" smtClean="0"/>
-              <a:t>Making our first entry</a:t>
-            </a:r>
-            <a:endParaRPr lang="en-US" dirty="0"/>
-          </a:p>
-        </p:txBody>
-      </p:sp>
-      <p:sp>
-        <p:nvSpPr>
-          <p:cNvPr id="4" name="Slide Number Placeholder 3"/>
-          <p:cNvSpPr>
-            <a:spLocks noGrp="1"/>
-          </p:cNvSpPr>
-          <p:nvPr>
-            <p:ph type="sldNum" sz="quarter" idx="12"/>
-          </p:nvPr>
-        </p:nvSpPr>
-        <p:spPr/>
-        <p:txBody>
-          <a:bodyPr/>
-          <a:lstStyle/>
-          <a:p>
-            <a:fld id="{E728A94C-44F1-DF43-8BD8-694E750DEF33}" type="slidenum">
-              <a:rPr lang="en-US" smtClean="0"/>
-              <a:t>35</a:t>
-            </a:fld>
-            <a:endParaRPr lang="en-US"/>
-          </a:p>
-        </p:txBody>
-      </p:sp>
-      <p:pic>
-        <p:nvPicPr>
-          <p:cNvPr id="3" name="Content Placeholder 2" descr="Screen Shot 2014-11-24 at 16.10.17.png"/>
-          <p:cNvPicPr>
-            <a:picLocks noGrp="1" noChangeAspect="1"/>
-          </p:cNvPicPr>
-          <p:nvPr>
-            <p:ph idx="1"/>
-          </p:nvPr>
-        </p:nvPicPr>
-        <p:blipFill>
-          <a:blip r:embed="rId2">
-            <a:extLst>
-              <a:ext uri="{28A0092B-C50C-407E-A947-70E740481C1C}">
-                <a14:useLocalDpi xmlns:a14="http://schemas.microsoft.com/office/drawing/2010/main" val="0"/>
-              </a:ext>
-            </a:extLst>
-          </a:blip>
-          <a:srcRect t="-42709" b="-42709"/>
-          <a:stretch>
-            <a:fillRect/>
-          </a:stretch>
-        </p:blipFill>
-        <p:spPr/>
-      </p:pic>
-      <p:pic>
-        <p:nvPicPr>
-          <p:cNvPr id="9" name="Picture 8" descr="Screen Shot 2014-11-24 at 16.11.22.png"/>
-          <p:cNvPicPr>
-            <a:picLocks noChangeAspect="1"/>
-          </p:cNvPicPr>
-          <p:nvPr/>
-        </p:nvPicPr>
-        <p:blipFill>
-          <a:blip r:embed="rId3">
-            <a:extLst>
-              <a:ext uri="{28A0092B-C50C-407E-A947-70E740481C1C}">
-                <a14:useLocalDpi xmlns:a14="http://schemas.microsoft.com/office/drawing/2010/main" val="0"/>
-              </a:ext>
-            </a:extLst>
-          </a:blip>
-          <a:stretch>
-            <a:fillRect/>
-          </a:stretch>
-        </p:blipFill>
-        <p:spPr>
-          <a:xfrm>
-            <a:off x="1346200" y="2006600"/>
-            <a:ext cx="6451600" cy="1130300"/>
-          </a:xfrm>
-          <a:prstGeom prst="rect">
-            <a:avLst/>
-          </a:prstGeom>
-        </p:spPr>
-      </p:pic>
-      <p:pic>
-        <p:nvPicPr>
-          <p:cNvPr id="5" name="Picture 4" descr="Screen Shot 2014-11-24 at 16.26.19.png"/>
-          <p:cNvPicPr>
-            <a:picLocks noChangeAspect="1"/>
-          </p:cNvPicPr>
-          <p:nvPr/>
-        </p:nvPicPr>
-        <p:blipFill>
-          <a:blip r:embed="rId4">
-            <a:extLst>
-              <a:ext uri="{28A0092B-C50C-407E-A947-70E740481C1C}">
-                <a14:useLocalDpi xmlns:a14="http://schemas.microsoft.com/office/drawing/2010/main" val="0"/>
-              </a:ext>
-            </a:extLst>
-          </a:blip>
-          <a:stretch>
-            <a:fillRect/>
-          </a:stretch>
-        </p:blipFill>
-        <p:spPr>
-          <a:xfrm>
-            <a:off x="2641600" y="1841500"/>
-            <a:ext cx="3848100" cy="1460500"/>
-          </a:xfrm>
-          <a:prstGeom prst="rect">
-            <a:avLst/>
-          </a:prstGeom>
-        </p:spPr>
-      </p:pic>
-    </p:spTree>
-    <p:extLst>
-      <p:ext uri="{BB962C8B-B14F-4D97-AF65-F5344CB8AC3E}">
-        <p14:creationId xmlns:p14="http://schemas.microsoft.com/office/powerpoint/2010/main" val="2431746746"/>
-      </p:ext>
-    </p:extLst>
-  </p:cSld>
-  <p:clrMapOvr>
-    <a:masterClrMapping/>
-  </p:clrMapOvr>
-  <p:timing>
-    <p:tnLst>
-      <p:par>
-        <p:cTn xmlns:p14="http://schemas.microsoft.com/office/powerpoint/2010/main" id="1" dur="indefinite" restart="never" nodeType="tmRoot">
-          <p:childTnLst>
-            <p:seq concurrent="1" nextAc="seek">
-              <p:cTn id="2" dur="indefinite" nodeType="mainSeq">
-                <p:childTnLst>
                   <p:par>
-                    <p:cTn id="3" fill="hold">
+                    <p:cTn id="8" fill="hold">
                       <p:stCondLst>
                         <p:cond delay="indefinite"/>
                       </p:stCondLst>
                       <p:childTnLst>
                         <p:par>
-                          <p:cTn id="4" fill="hold">
+                          <p:cTn id="9" fill="hold">
                             <p:stCondLst>
                               <p:cond delay="0"/>
                             </p:stCondLst>
                             <p:childTnLst>
                               <p:par>
-                                <p:cTn id="5" presetID="10" presetClass="exit" presetSubtype="0" fill="hold" nodeType="clickEffect">
+                                <p:cTn id="10" presetID="10" presetClass="exit" presetSubtype="0" fill="hold" grpId="1" nodeType="clickEffect">
                                   <p:stCondLst>
                                     <p:cond delay="0"/>
                                   </p:stCondLst>
                                   <p:childTnLst>
                                     <p:animEffect transition="out" filter="fade">
                                       <p:cBhvr>
-                                        <p:cTn id="6" dur="500"/>
+                                        <p:cTn id="11" dur="500"/>
                                         <p:tgtEl>
-                                          <p:spTgt spid="3"/>
+                                          <p:spTgt spid="7"/>
                                         </p:tgtEl>
                                       </p:cBhvr>
                                     </p:animEffect>
                                     <p:set>
                                       <p:cBhvr>
-                                        <p:cTn id="7" dur="1" fill="hold">
+                                        <p:cTn id="12" dur="1" fill="hold">
                                           <p:stCondLst>
                                             <p:cond delay="499"/>
                                           </p:stCondLst>
                                         </p:cTn>
                                         <p:tgtEl>
-                                          <p:spTgt spid="3"/>
+                                          <p:spTgt spid="7"/>
                                         </p:tgtEl>
                                         <p:attrNameLst>
                                           <p:attrName>style.visibility</p:attrName>
@@ -9756,117 +10905,20 @@
                           </p:cTn>
                         </p:par>
                         <p:par>
-                          <p:cTn id="8" fill="hold">
+                          <p:cTn id="13" fill="hold">
                             <p:stCondLst>
                               <p:cond delay="500"/>
                             </p:stCondLst>
                             <p:childTnLst>
                               <p:par>
-                                <p:cTn id="9" presetID="10" presetClass="entr" presetSubtype="0" fill="hold" nodeType="afterEffect">
+                                <p:cTn id="14" presetID="10" presetClass="entr" presetSubtype="0" fill="hold" grpId="0" nodeType="afterEffect">
                                   <p:stCondLst>
                                     <p:cond delay="0"/>
                                   </p:stCondLst>
                                   <p:childTnLst>
                                     <p:set>
                                       <p:cBhvr>
-                                        <p:cTn id="10" dur="1" fill="hold">
-                                          <p:stCondLst>
-                                            <p:cond delay="0"/>
-                                          </p:stCondLst>
-                                        </p:cTn>
-                                        <p:tgtEl>
-                                          <p:spTgt spid="9"/>
-                                        </p:tgtEl>
-                                        <p:attrNameLst>
-                                          <p:attrName>style.visibility</p:attrName>
-                                        </p:attrNameLst>
-                                      </p:cBhvr>
-                                      <p:to>
-                                        <p:strVal val="visible"/>
-                                      </p:to>
-                                    </p:set>
-                                    <p:animEffect transition="in" filter="fade">
-                                      <p:cBhvr>
-                                        <p:cTn id="11" dur="500"/>
-                                        <p:tgtEl>
-                                          <p:spTgt spid="9"/>
-                                        </p:tgtEl>
-                                      </p:cBhvr>
-                                    </p:animEffect>
-                                  </p:childTnLst>
-                                </p:cTn>
-                              </p:par>
-                            </p:childTnLst>
-                          </p:cTn>
-                        </p:par>
-                      </p:childTnLst>
-                    </p:cTn>
-                  </p:par>
-                  <p:par>
-                    <p:cTn id="12" fill="hold">
-                      <p:stCondLst>
-                        <p:cond delay="indefinite"/>
-                      </p:stCondLst>
-                      <p:childTnLst>
-                        <p:par>
-                          <p:cTn id="13" fill="hold">
-                            <p:stCondLst>
-                              <p:cond delay="0"/>
-                            </p:stCondLst>
-                            <p:childTnLst>
-                              <p:par>
-                                <p:cTn id="14" presetID="10" presetClass="exit" presetSubtype="0" fill="hold" nodeType="clickEffect">
-                                  <p:stCondLst>
-                                    <p:cond delay="0"/>
-                                  </p:stCondLst>
-                                  <p:childTnLst>
-                                    <p:animEffect transition="out" filter="fade">
-                                      <p:cBhvr>
-                                        <p:cTn id="15" dur="500"/>
-                                        <p:tgtEl>
-                                          <p:spTgt spid="9"/>
-                                        </p:tgtEl>
-                                      </p:cBhvr>
-                                    </p:animEffect>
-                                    <p:set>
-                                      <p:cBhvr>
-                                        <p:cTn id="16" dur="1" fill="hold">
-                                          <p:stCondLst>
-                                            <p:cond delay="499"/>
-                                          </p:stCondLst>
-                                        </p:cTn>
-                                        <p:tgtEl>
-                                          <p:spTgt spid="9"/>
-                                        </p:tgtEl>
-                                        <p:attrNameLst>
-                                          <p:attrName>style.visibility</p:attrName>
-                                        </p:attrNameLst>
-                                      </p:cBhvr>
-                                      <p:to>
-                                        <p:strVal val="hidden"/>
-                                      </p:to>
-                                    </p:set>
-                                  </p:childTnLst>
-                                </p:cTn>
-                              </p:par>
-                            </p:childTnLst>
-                          </p:cTn>
-                        </p:par>
-                        <p:par>
-                          <p:cTn id="17" fill="hold">
-                            <p:stCondLst>
-                              <p:cond delay="500"/>
-                            </p:stCondLst>
-                            <p:childTnLst>
-                              <p:par>
-                                <p:cTn id="18" presetID="10" presetClass="entr" presetSubtype="0" fill="hold" nodeType="afterEffect">
-                                  <p:stCondLst>
-                                    <p:cond delay="0"/>
-                                  </p:stCondLst>
-                                  <p:childTnLst>
-                                    <p:set>
-                                      <p:cBhvr>
-                                        <p:cTn id="19" dur="1" fill="hold">
+                                        <p:cTn id="15" dur="1" fill="hold">
                                           <p:stCondLst>
                                             <p:cond delay="0"/>
                                           </p:stCondLst>
@@ -9884,7 +10936,7 @@
                                     </p:set>
                                     <p:animEffect transition="in" filter="fade">
                                       <p:cBhvr>
-                                        <p:cTn id="20" dur="500"/>
+                                        <p:cTn id="16" dur="500"/>
                                         <p:tgtEl>
                                           <p:spTgt spid="5"/>
                                         </p:tgtEl>
@@ -9920,11 +10972,16 @@
         </p:cTn>
       </p:par>
     </p:tnLst>
+    <p:bldLst>
+      <p:bldP spid="7" grpId="0" animBg="1"/>
+      <p:bldP spid="7" grpId="1" animBg="1"/>
+      <p:bldP spid="5" grpId="0" animBg="1"/>
+    </p:bldLst>
   </p:timing>
 </p:sld>
 </file>
 
-<file path=ppt/slides/slide36.xml><?xml version="1.0" encoding="utf-8"?>
+<file path=ppt/slides/slide43.xml><?xml version="1.0" encoding="utf-8"?>
 <p:sld xmlns:a="http://schemas.openxmlformats.org/drawingml/2006/main" xmlns:r="http://schemas.openxmlformats.org/officeDocument/2006/relationships" xmlns:p="http://schemas.openxmlformats.org/presentationml/2006/main">
   <p:cSld>
     <p:spTree>
@@ -9948,6 +11005,89 @@
             <a:spLocks noGrp="1"/>
           </p:cNvSpPr>
           <p:nvPr>
+            <p:ph type="ctrTitle"/>
+          </p:nvPr>
+        </p:nvSpPr>
+        <p:spPr/>
+        <p:txBody>
+          <a:bodyPr/>
+          <a:lstStyle/>
+          <a:p>
+            <a:r>
+              <a:rPr lang="en-US" dirty="0" smtClean="0"/>
+              <a:t>Now it’s your turn</a:t>
+            </a:r>
+            <a:endParaRPr lang="en-US" dirty="0"/>
+          </a:p>
+        </p:txBody>
+      </p:sp>
+      <p:sp>
+        <p:nvSpPr>
+          <p:cNvPr id="3" name="Subtitle 2"/>
+          <p:cNvSpPr>
+            <a:spLocks noGrp="1"/>
+          </p:cNvSpPr>
+          <p:nvPr>
+            <p:ph type="subTitle" idx="1"/>
+          </p:nvPr>
+        </p:nvSpPr>
+        <p:spPr/>
+        <p:txBody>
+          <a:bodyPr/>
+          <a:lstStyle/>
+          <a:p>
+            <a:r>
+              <a:rPr lang="en-US" dirty="0" smtClean="0"/>
+              <a:t>Save the first presentation into the database</a:t>
+            </a:r>
+            <a:endParaRPr lang="en-US" dirty="0"/>
+          </a:p>
+        </p:txBody>
+      </p:sp>
+    </p:spTree>
+    <p:extLst>
+      <p:ext uri="{BB962C8B-B14F-4D97-AF65-F5344CB8AC3E}">
+        <p14:creationId xmlns:p14="http://schemas.microsoft.com/office/powerpoint/2010/main" val="4193753197"/>
+      </p:ext>
+    </p:extLst>
+  </p:cSld>
+  <p:clrMapOvr>
+    <a:masterClrMapping/>
+  </p:clrMapOvr>
+  <p:timing>
+    <p:tnLst>
+      <p:par>
+        <p:cTn xmlns:p14="http://schemas.microsoft.com/office/powerpoint/2010/main" id="1" dur="indefinite" restart="never" nodeType="tmRoot"/>
+      </p:par>
+    </p:tnLst>
+  </p:timing>
+</p:sld>
+</file>
+
+<file path=ppt/slides/slide44.xml><?xml version="1.0" encoding="utf-8"?>
+<p:sld xmlns:a="http://schemas.openxmlformats.org/drawingml/2006/main" xmlns:r="http://schemas.openxmlformats.org/officeDocument/2006/relationships" xmlns:p="http://schemas.openxmlformats.org/presentationml/2006/main">
+  <p:cSld>
+    <p:spTree>
+      <p:nvGrpSpPr>
+        <p:cNvPr id="1" name=""/>
+        <p:cNvGrpSpPr/>
+        <p:nvPr/>
+      </p:nvGrpSpPr>
+      <p:grpSpPr>
+        <a:xfrm>
+          <a:off x="0" y="0"/>
+          <a:ext cx="0" cy="0"/>
+          <a:chOff x="0" y="0"/>
+          <a:chExt cx="0" cy="0"/>
+        </a:xfrm>
+      </p:grpSpPr>
+      <p:sp>
+        <p:nvSpPr>
+          <p:cNvPr id="2" name="Title 1"/>
+          <p:cNvSpPr>
+            <a:spLocks noGrp="1"/>
+          </p:cNvSpPr>
+          <p:nvPr>
             <p:ph type="title"/>
           </p:nvPr>
         </p:nvSpPr>
@@ -9957,8 +11097,12 @@
           <a:lstStyle/>
           <a:p>
             <a:r>
-              <a:rPr lang="en-US" dirty="0" smtClean="0"/>
-              <a:t>Title and Text</a:t>
+              <a:rPr lang="en-US" dirty="0" err="1" smtClean="0"/>
+              <a:t>Initalize</a:t>
+            </a:r>
+            <a:r>
+              <a:rPr lang="en-US" dirty="0" smtClean="0"/>
+              <a:t> and save the presentation object</a:t>
             </a:r>
             <a:endParaRPr lang="en-US" dirty="0"/>
           </a:p>
@@ -9980,167 +11124,39 @@
           <a:lstStyle/>
           <a:p>
             <a:r>
-              <a:rPr lang="en-US" dirty="0" err="1"/>
-              <a:t>Lorem</a:t>
-            </a:r>
-            <a:r>
-              <a:rPr lang="en-US" dirty="0"/>
-              <a:t> </a:t>
-            </a:r>
-            <a:r>
-              <a:rPr lang="en-US" dirty="0" err="1"/>
-              <a:t>ipsum</a:t>
-            </a:r>
-            <a:r>
-              <a:rPr lang="en-US" dirty="0"/>
-              <a:t> dolor sit </a:t>
-            </a:r>
-            <a:r>
-              <a:rPr lang="en-US" dirty="0" err="1"/>
-              <a:t>amet</a:t>
-            </a:r>
-            <a:r>
-              <a:rPr lang="en-US" dirty="0"/>
-              <a:t>, </a:t>
-            </a:r>
-            <a:r>
-              <a:rPr lang="en-US" dirty="0" err="1"/>
-              <a:t>consectetur</a:t>
-            </a:r>
-            <a:r>
-              <a:rPr lang="en-US" dirty="0"/>
-              <a:t> </a:t>
-            </a:r>
-            <a:r>
-              <a:rPr lang="en-US" dirty="0" err="1"/>
-              <a:t>adipiscing</a:t>
-            </a:r>
-            <a:r>
-              <a:rPr lang="en-US" dirty="0"/>
-              <a:t> </a:t>
-            </a:r>
-            <a:r>
-              <a:rPr lang="en-US" dirty="0" err="1"/>
-              <a:t>elit</a:t>
-            </a:r>
-            <a:r>
-              <a:rPr lang="en-US" dirty="0"/>
-              <a:t>. </a:t>
-            </a:r>
-            <a:r>
-              <a:rPr lang="en-US" dirty="0" err="1"/>
-              <a:t>Donec</a:t>
-            </a:r>
-            <a:r>
-              <a:rPr lang="en-US" dirty="0"/>
-              <a:t> </a:t>
-            </a:r>
-            <a:r>
-              <a:rPr lang="en-US" dirty="0" err="1"/>
-              <a:t>risus</a:t>
-            </a:r>
-            <a:r>
-              <a:rPr lang="en-US" dirty="0"/>
-              <a:t> </a:t>
-            </a:r>
-            <a:r>
-              <a:rPr lang="en-US" dirty="0" err="1"/>
-              <a:t>purus</a:t>
-            </a:r>
-            <a:r>
-              <a:rPr lang="en-US" dirty="0"/>
-              <a:t>, tempus in </a:t>
-            </a:r>
-            <a:r>
-              <a:rPr lang="en-US" dirty="0" err="1"/>
-              <a:t>quis</a:t>
-            </a:r>
-            <a:r>
-              <a:rPr lang="en-US" dirty="0"/>
-              <a:t>, </a:t>
-            </a:r>
-            <a:r>
-              <a:rPr lang="en-US" dirty="0" err="1"/>
-              <a:t>ultricies</a:t>
-            </a:r>
-            <a:r>
-              <a:rPr lang="en-US" dirty="0"/>
-              <a:t> </a:t>
-            </a:r>
-            <a:r>
-              <a:rPr lang="en-US" dirty="0" err="1"/>
-              <a:t>eu</a:t>
-            </a:r>
-            <a:r>
-              <a:rPr lang="en-US" dirty="0"/>
-              <a:t> diam. </a:t>
-            </a:r>
-            <a:r>
-              <a:rPr lang="en-US" dirty="0" err="1"/>
-              <a:t>Donec</a:t>
-            </a:r>
-            <a:r>
-              <a:rPr lang="en-US" dirty="0"/>
-              <a:t> </a:t>
-            </a:r>
-            <a:r>
-              <a:rPr lang="en-US" dirty="0" err="1"/>
-              <a:t>convallis</a:t>
-            </a:r>
-            <a:r>
-              <a:rPr lang="en-US" dirty="0"/>
-              <a:t> </a:t>
-            </a:r>
-            <a:r>
-              <a:rPr lang="en-US" dirty="0" err="1"/>
-              <a:t>enim</a:t>
-            </a:r>
-            <a:r>
-              <a:rPr lang="en-US" dirty="0"/>
-              <a:t> in mi </a:t>
-            </a:r>
-            <a:r>
-              <a:rPr lang="en-US" dirty="0" err="1"/>
-              <a:t>lacinia</a:t>
-            </a:r>
-            <a:r>
-              <a:rPr lang="en-US" dirty="0"/>
-              <a:t>, id </a:t>
-            </a:r>
-            <a:r>
-              <a:rPr lang="en-US" dirty="0" err="1"/>
-              <a:t>viverra</a:t>
-            </a:r>
-            <a:r>
-              <a:rPr lang="en-US" dirty="0"/>
-              <a:t> </a:t>
-            </a:r>
-            <a:r>
-              <a:rPr lang="en-US" dirty="0" err="1"/>
-              <a:t>neque</a:t>
-            </a:r>
-            <a:r>
-              <a:rPr lang="en-US" dirty="0"/>
-              <a:t> </a:t>
-            </a:r>
-            <a:r>
-              <a:rPr lang="en-US" dirty="0" err="1"/>
-              <a:t>pretium</a:t>
-            </a:r>
-            <a:r>
-              <a:rPr lang="en-US" dirty="0"/>
-              <a:t>. </a:t>
-            </a:r>
-            <a:r>
-              <a:rPr lang="en-US" dirty="0" err="1"/>
-              <a:t>Phasellus</a:t>
-            </a:r>
-            <a:r>
-              <a:rPr lang="en-US" dirty="0"/>
-              <a:t> et.</a:t>
-            </a:r>
-          </a:p>
-          <a:p>
+              <a:rPr lang="en-US" dirty="0" err="1" smtClean="0"/>
+              <a:t>Initalize</a:t>
+            </a:r>
+            <a:r>
+              <a:rPr lang="en-US" dirty="0" smtClean="0"/>
+              <a:t> the presentation object</a:t>
+            </a:r>
+          </a:p>
+          <a:p>
+            <a:endParaRPr lang="en-US" dirty="0"/>
+          </a:p>
+          <a:p>
+            <a:r>
+              <a:rPr lang="en-US" dirty="0" smtClean="0"/>
+              <a:t>Load the presentation data from the document</a:t>
+            </a:r>
+          </a:p>
+          <a:p>
+            <a:endParaRPr lang="en-US" dirty="0"/>
+          </a:p>
+          <a:p>
+            <a:r>
+              <a:rPr lang="en-US" dirty="0" smtClean="0"/>
+              <a:t>Save the document into </a:t>
+            </a:r>
+            <a:r>
+              <a:rPr lang="en-US" dirty="0" err="1" smtClean="0"/>
+              <a:t>Couchbase</a:t>
+            </a:r>
+            <a:r>
+              <a:rPr lang="en-US" dirty="0" smtClean="0"/>
+              <a:t> Lite</a:t>
+            </a:r>
             <a:endParaRPr lang="en-US" dirty="0"/>
           </a:p>
         </p:txBody>
@@ -10162,12 +11178,1505 @@
           <a:p>
             <a:fld id="{E728A94C-44F1-DF43-8BD8-694E750DEF33}" type="slidenum">
               <a:rPr lang="en-US" smtClean="0"/>
-              <a:t>36</a:t>
+              <a:t>44</a:t>
             </a:fld>
             <a:endParaRPr lang="en-US"/>
           </a:p>
         </p:txBody>
       </p:sp>
+    </p:spTree>
+    <p:extLst>
+      <p:ext uri="{BB962C8B-B14F-4D97-AF65-F5344CB8AC3E}">
+        <p14:creationId xmlns:p14="http://schemas.microsoft.com/office/powerpoint/2010/main" val="2657462730"/>
+      </p:ext>
+    </p:extLst>
+  </p:cSld>
+  <p:clrMapOvr>
+    <a:masterClrMapping/>
+  </p:clrMapOvr>
+  <p:timing>
+    <p:tnLst>
+      <p:par>
+        <p:cTn xmlns:p14="http://schemas.microsoft.com/office/powerpoint/2010/main" id="1" dur="indefinite" restart="never" nodeType="tmRoot"/>
+      </p:par>
+    </p:tnLst>
+  </p:timing>
+</p:sld>
+</file>
+
+<file path=ppt/slides/slide45.xml><?xml version="1.0" encoding="utf-8"?>
+<p:sld xmlns:a="http://schemas.openxmlformats.org/drawingml/2006/main" xmlns:r="http://schemas.openxmlformats.org/officeDocument/2006/relationships" xmlns:p="http://schemas.openxmlformats.org/presentationml/2006/main">
+  <p:cSld>
+    <p:spTree>
+      <p:nvGrpSpPr>
+        <p:cNvPr id="1" name=""/>
+        <p:cNvGrpSpPr/>
+        <p:nvPr/>
+      </p:nvGrpSpPr>
+      <p:grpSpPr>
+        <a:xfrm>
+          <a:off x="0" y="0"/>
+          <a:ext cx="0" cy="0"/>
+          <a:chOff x="0" y="0"/>
+          <a:chExt cx="0" cy="0"/>
+        </a:xfrm>
+      </p:grpSpPr>
+      <p:sp>
+        <p:nvSpPr>
+          <p:cNvPr id="2" name="Title 1"/>
+          <p:cNvSpPr>
+            <a:spLocks noGrp="1"/>
+          </p:cNvSpPr>
+          <p:nvPr>
+            <p:ph type="ctrTitle"/>
+          </p:nvPr>
+        </p:nvSpPr>
+        <p:spPr/>
+        <p:txBody>
+          <a:bodyPr/>
+          <a:lstStyle/>
+          <a:p>
+            <a:r>
+              <a:rPr lang="en-US" dirty="0" smtClean="0"/>
+              <a:t>Querying</a:t>
+            </a:r>
+            <a:endParaRPr lang="en-US" dirty="0"/>
+          </a:p>
+        </p:txBody>
+      </p:sp>
+      <p:sp>
+        <p:nvSpPr>
+          <p:cNvPr id="4" name="Subtitle 3"/>
+          <p:cNvSpPr>
+            <a:spLocks noGrp="1"/>
+          </p:cNvSpPr>
+          <p:nvPr>
+            <p:ph type="subTitle" idx="1"/>
+          </p:nvPr>
+        </p:nvSpPr>
+        <p:spPr/>
+        <p:txBody>
+          <a:bodyPr/>
+          <a:lstStyle/>
+          <a:p>
+            <a:endParaRPr lang="en-US" dirty="0"/>
+          </a:p>
+        </p:txBody>
+      </p:sp>
+    </p:spTree>
+    <p:extLst>
+      <p:ext uri="{BB962C8B-B14F-4D97-AF65-F5344CB8AC3E}">
+        <p14:creationId xmlns:p14="http://schemas.microsoft.com/office/powerpoint/2010/main" val="288175532"/>
+      </p:ext>
+    </p:extLst>
+  </p:cSld>
+  <p:clrMapOvr>
+    <a:masterClrMapping/>
+  </p:clrMapOvr>
+  <p:timing>
+    <p:tnLst>
+      <p:par>
+        <p:cTn xmlns:p14="http://schemas.microsoft.com/office/powerpoint/2010/main" id="1" dur="indefinite" restart="never" nodeType="tmRoot"/>
+      </p:par>
+    </p:tnLst>
+  </p:timing>
+</p:sld>
+</file>
+
+<file path=ppt/slides/slide46.xml><?xml version="1.0" encoding="utf-8"?>
+<p:sld xmlns:a="http://schemas.openxmlformats.org/drawingml/2006/main" xmlns:r="http://schemas.openxmlformats.org/officeDocument/2006/relationships" xmlns:p="http://schemas.openxmlformats.org/presentationml/2006/main">
+  <p:cSld>
+    <p:spTree>
+      <p:nvGrpSpPr>
+        <p:cNvPr id="1" name=""/>
+        <p:cNvGrpSpPr/>
+        <p:nvPr/>
+      </p:nvGrpSpPr>
+      <p:grpSpPr>
+        <a:xfrm>
+          <a:off x="0" y="0"/>
+          <a:ext cx="0" cy="0"/>
+          <a:chOff x="0" y="0"/>
+          <a:chExt cx="0" cy="0"/>
+        </a:xfrm>
+      </p:grpSpPr>
+      <p:sp>
+        <p:nvSpPr>
+          <p:cNvPr id="2" name="Title 1"/>
+          <p:cNvSpPr>
+            <a:spLocks noGrp="1"/>
+          </p:cNvSpPr>
+          <p:nvPr>
+            <p:ph type="title"/>
+          </p:nvPr>
+        </p:nvSpPr>
+        <p:spPr/>
+        <p:txBody>
+          <a:bodyPr/>
+          <a:lstStyle/>
+          <a:p>
+            <a:r>
+              <a:rPr lang="en-US" dirty="0" smtClean="0"/>
+              <a:t>Basics of querying</a:t>
+            </a:r>
+            <a:endParaRPr lang="en-US" dirty="0"/>
+          </a:p>
+        </p:txBody>
+      </p:sp>
+      <p:sp>
+        <p:nvSpPr>
+          <p:cNvPr id="3" name="Content Placeholder 2"/>
+          <p:cNvSpPr>
+            <a:spLocks noGrp="1"/>
+          </p:cNvSpPr>
+          <p:nvPr>
+            <p:ph idx="1"/>
+          </p:nvPr>
+        </p:nvSpPr>
+        <p:spPr/>
+        <p:txBody>
+          <a:bodyPr/>
+          <a:lstStyle/>
+          <a:p>
+            <a:r>
+              <a:rPr lang="en-US" dirty="0" smtClean="0"/>
+              <a:t>First you need to create a view</a:t>
+            </a:r>
+          </a:p>
+          <a:p>
+            <a:endParaRPr lang="en-US" dirty="0"/>
+          </a:p>
+          <a:p>
+            <a:r>
+              <a:rPr lang="en-US" dirty="0" smtClean="0"/>
+              <a:t>Views are:</a:t>
+            </a:r>
+          </a:p>
+          <a:p>
+            <a:pPr lvl="1"/>
+            <a:r>
+              <a:rPr lang="en-US" dirty="0" smtClean="0"/>
+              <a:t>persistent indexes of your documents</a:t>
+            </a:r>
+          </a:p>
+          <a:p>
+            <a:pPr lvl="1"/>
+            <a:r>
+              <a:rPr lang="en-US" dirty="0" smtClean="0"/>
+              <a:t>generated by map (and optionally reduce) queries that you write</a:t>
+            </a:r>
+          </a:p>
+          <a:p>
+            <a:pPr lvl="1"/>
+            <a:r>
+              <a:rPr lang="en-US" dirty="0" smtClean="0"/>
+              <a:t>use the native language of the platform (Java in our case)</a:t>
+            </a:r>
+            <a:endParaRPr lang="en-US" dirty="0"/>
+          </a:p>
+        </p:txBody>
+      </p:sp>
+      <p:sp>
+        <p:nvSpPr>
+          <p:cNvPr id="4" name="Slide Number Placeholder 3"/>
+          <p:cNvSpPr>
+            <a:spLocks noGrp="1"/>
+          </p:cNvSpPr>
+          <p:nvPr>
+            <p:ph type="sldNum" sz="quarter" idx="12"/>
+          </p:nvPr>
+        </p:nvSpPr>
+        <p:spPr/>
+        <p:txBody>
+          <a:bodyPr/>
+          <a:lstStyle/>
+          <a:p>
+            <a:fld id="{E728A94C-44F1-DF43-8BD8-694E750DEF33}" type="slidenum">
+              <a:rPr lang="en-US" smtClean="0"/>
+              <a:t>46</a:t>
+            </a:fld>
+            <a:endParaRPr lang="en-US"/>
+          </a:p>
+        </p:txBody>
+      </p:sp>
+    </p:spTree>
+    <p:extLst>
+      <p:ext uri="{BB962C8B-B14F-4D97-AF65-F5344CB8AC3E}">
+        <p14:creationId xmlns:p14="http://schemas.microsoft.com/office/powerpoint/2010/main" val="4230017839"/>
+      </p:ext>
+    </p:extLst>
+  </p:cSld>
+  <p:clrMapOvr>
+    <a:masterClrMapping/>
+  </p:clrMapOvr>
+  <p:timing>
+    <p:tnLst>
+      <p:par>
+        <p:cTn xmlns:p14="http://schemas.microsoft.com/office/powerpoint/2010/main" id="1" dur="indefinite" restart="never" nodeType="tmRoot"/>
+      </p:par>
+    </p:tnLst>
+  </p:timing>
+</p:sld>
+</file>
+
+<file path=ppt/slides/slide47.xml><?xml version="1.0" encoding="utf-8"?>
+<p:sld xmlns:a="http://schemas.openxmlformats.org/drawingml/2006/main" xmlns:r="http://schemas.openxmlformats.org/officeDocument/2006/relationships" xmlns:p="http://schemas.openxmlformats.org/presentationml/2006/main">
+  <p:cSld>
+    <p:spTree>
+      <p:nvGrpSpPr>
+        <p:cNvPr id="1" name=""/>
+        <p:cNvGrpSpPr/>
+        <p:nvPr/>
+      </p:nvGrpSpPr>
+      <p:grpSpPr>
+        <a:xfrm>
+          <a:off x="0" y="0"/>
+          <a:ext cx="0" cy="0"/>
+          <a:chOff x="0" y="0"/>
+          <a:chExt cx="0" cy="0"/>
+        </a:xfrm>
+      </p:grpSpPr>
+      <p:sp>
+        <p:nvSpPr>
+          <p:cNvPr id="2" name="Title 1"/>
+          <p:cNvSpPr>
+            <a:spLocks noGrp="1"/>
+          </p:cNvSpPr>
+          <p:nvPr>
+            <p:ph type="title"/>
+          </p:nvPr>
+        </p:nvSpPr>
+        <p:spPr/>
+        <p:txBody>
+          <a:bodyPr/>
+          <a:lstStyle/>
+          <a:p>
+            <a:r>
+              <a:rPr lang="en-US" dirty="0" smtClean="0"/>
+              <a:t>A view: phone numbers indexed by name</a:t>
+            </a:r>
+            <a:endParaRPr lang="en-US" dirty="0"/>
+          </a:p>
+        </p:txBody>
+      </p:sp>
+      <p:sp>
+        <p:nvSpPr>
+          <p:cNvPr id="4" name="Slide Number Placeholder 3"/>
+          <p:cNvSpPr>
+            <a:spLocks noGrp="1"/>
+          </p:cNvSpPr>
+          <p:nvPr>
+            <p:ph type="sldNum" sz="quarter" idx="12"/>
+          </p:nvPr>
+        </p:nvSpPr>
+        <p:spPr/>
+        <p:txBody>
+          <a:bodyPr/>
+          <a:lstStyle/>
+          <a:p>
+            <a:fld id="{E728A94C-44F1-DF43-8BD8-694E750DEF33}" type="slidenum">
+              <a:rPr lang="en-US" smtClean="0"/>
+              <a:t>47</a:t>
+            </a:fld>
+            <a:endParaRPr lang="en-US"/>
+          </a:p>
+        </p:txBody>
+      </p:sp>
+      <p:pic>
+        <p:nvPicPr>
+          <p:cNvPr id="7" name="Content Placeholder 6" descr="Screen Shot 2014-11-25 at 13.09.19.png"/>
+          <p:cNvPicPr>
+            <a:picLocks noGrp="1" noChangeAspect="1"/>
+          </p:cNvPicPr>
+          <p:nvPr>
+            <p:ph idx="1"/>
+          </p:nvPr>
+        </p:nvPicPr>
+        <p:blipFill>
+          <a:blip r:embed="rId2">
+            <a:extLst>
+              <a:ext uri="{28A0092B-C50C-407E-A947-70E740481C1C}">
+                <a14:useLocalDpi xmlns:a14="http://schemas.microsoft.com/office/drawing/2010/main" val="0"/>
+              </a:ext>
+            </a:extLst>
+          </a:blip>
+          <a:srcRect t="-10418" b="-10418"/>
+          <a:stretch>
+            <a:fillRect/>
+          </a:stretch>
+        </p:blipFill>
+        <p:spPr/>
+      </p:pic>
+    </p:spTree>
+    <p:extLst>
+      <p:ext uri="{BB962C8B-B14F-4D97-AF65-F5344CB8AC3E}">
+        <p14:creationId xmlns:p14="http://schemas.microsoft.com/office/powerpoint/2010/main" val="3661451299"/>
+      </p:ext>
+    </p:extLst>
+  </p:cSld>
+  <p:clrMapOvr>
+    <a:masterClrMapping/>
+  </p:clrMapOvr>
+  <p:timing>
+    <p:tnLst>
+      <p:par>
+        <p:cTn xmlns:p14="http://schemas.microsoft.com/office/powerpoint/2010/main" id="1" dur="indefinite" restart="never" nodeType="tmRoot"/>
+      </p:par>
+    </p:tnLst>
+  </p:timing>
+</p:sld>
+</file>
+
+<file path=ppt/slides/slide48.xml><?xml version="1.0" encoding="utf-8"?>
+<p:sld xmlns:a="http://schemas.openxmlformats.org/drawingml/2006/main" xmlns:r="http://schemas.openxmlformats.org/officeDocument/2006/relationships" xmlns:p="http://schemas.openxmlformats.org/presentationml/2006/main">
+  <p:cSld>
+    <p:spTree>
+      <p:nvGrpSpPr>
+        <p:cNvPr id="1" name=""/>
+        <p:cNvGrpSpPr/>
+        <p:nvPr/>
+      </p:nvGrpSpPr>
+      <p:grpSpPr>
+        <a:xfrm>
+          <a:off x="0" y="0"/>
+          <a:ext cx="0" cy="0"/>
+          <a:chOff x="0" y="0"/>
+          <a:chExt cx="0" cy="0"/>
+        </a:xfrm>
+      </p:grpSpPr>
+      <p:sp>
+        <p:nvSpPr>
+          <p:cNvPr id="2" name="Title 1"/>
+          <p:cNvSpPr>
+            <a:spLocks noGrp="1"/>
+          </p:cNvSpPr>
+          <p:nvPr>
+            <p:ph type="title"/>
+          </p:nvPr>
+        </p:nvSpPr>
+        <p:spPr/>
+        <p:txBody>
+          <a:bodyPr/>
+          <a:lstStyle/>
+          <a:p>
+            <a:r>
+              <a:rPr lang="en-US" dirty="0" smtClean="0"/>
+              <a:t>Querying the view</a:t>
+            </a:r>
+            <a:endParaRPr lang="en-US" dirty="0"/>
+          </a:p>
+        </p:txBody>
+      </p:sp>
+      <p:sp>
+        <p:nvSpPr>
+          <p:cNvPr id="3" name="Content Placeholder 2"/>
+          <p:cNvSpPr>
+            <a:spLocks noGrp="1"/>
+          </p:cNvSpPr>
+          <p:nvPr>
+            <p:ph idx="1"/>
+          </p:nvPr>
+        </p:nvSpPr>
+        <p:spPr/>
+        <p:txBody>
+          <a:bodyPr/>
+          <a:lstStyle/>
+          <a:p>
+            <a:r>
+              <a:rPr lang="en-US" dirty="0" smtClean="0"/>
+              <a:t>Queries return an </a:t>
+            </a:r>
+            <a:r>
+              <a:rPr lang="en-US" dirty="0" err="1" smtClean="0"/>
+              <a:t>iterable</a:t>
+            </a:r>
+            <a:r>
+              <a:rPr lang="en-US" dirty="0" smtClean="0"/>
+              <a:t> of </a:t>
+            </a:r>
+            <a:r>
+              <a:rPr lang="en-US" dirty="0" err="1" smtClean="0"/>
+              <a:t>QueryRow</a:t>
+            </a:r>
+            <a:r>
+              <a:rPr lang="en-US" dirty="0" smtClean="0"/>
+              <a:t> objects</a:t>
+            </a:r>
+          </a:p>
+          <a:p>
+            <a:endParaRPr lang="en-US" dirty="0"/>
+          </a:p>
+          <a:p>
+            <a:r>
+              <a:rPr lang="en-US" dirty="0" smtClean="0"/>
+              <a:t>You can check if the query is stale and then optionally run the query again to update it</a:t>
+            </a:r>
+          </a:p>
+          <a:p>
+            <a:endParaRPr lang="en-US" dirty="0"/>
+          </a:p>
+          <a:p>
+            <a:r>
+              <a:rPr lang="en-US" dirty="0" smtClean="0"/>
+              <a:t>Three types of query:</a:t>
+            </a:r>
+          </a:p>
+          <a:p>
+            <a:pPr lvl="1"/>
+            <a:r>
+              <a:rPr lang="en-US" dirty="0" smtClean="0"/>
+              <a:t>Standard</a:t>
+            </a:r>
+            <a:endParaRPr lang="en-US" dirty="0" smtClean="0"/>
+          </a:p>
+          <a:p>
+            <a:pPr lvl="1"/>
+            <a:r>
+              <a:rPr lang="en-US" dirty="0" smtClean="0"/>
+              <a:t>All-docs</a:t>
+            </a:r>
+          </a:p>
+          <a:p>
+            <a:pPr lvl="1"/>
+            <a:r>
+              <a:rPr lang="en-US" dirty="0" err="1" smtClean="0"/>
+              <a:t>LiveQuery</a:t>
+            </a:r>
+            <a:endParaRPr lang="en-US" dirty="0"/>
+          </a:p>
+        </p:txBody>
+      </p:sp>
+      <p:sp>
+        <p:nvSpPr>
+          <p:cNvPr id="4" name="Slide Number Placeholder 3"/>
+          <p:cNvSpPr>
+            <a:spLocks noGrp="1"/>
+          </p:cNvSpPr>
+          <p:nvPr>
+            <p:ph type="sldNum" sz="quarter" idx="12"/>
+          </p:nvPr>
+        </p:nvSpPr>
+        <p:spPr/>
+        <p:txBody>
+          <a:bodyPr/>
+          <a:lstStyle/>
+          <a:p>
+            <a:fld id="{E728A94C-44F1-DF43-8BD8-694E750DEF33}" type="slidenum">
+              <a:rPr lang="en-US" smtClean="0"/>
+              <a:t>48</a:t>
+            </a:fld>
+            <a:endParaRPr lang="en-US"/>
+          </a:p>
+        </p:txBody>
+      </p:sp>
+    </p:spTree>
+    <p:extLst>
+      <p:ext uri="{BB962C8B-B14F-4D97-AF65-F5344CB8AC3E}">
+        <p14:creationId xmlns:p14="http://schemas.microsoft.com/office/powerpoint/2010/main" val="749520473"/>
+      </p:ext>
+    </p:extLst>
+  </p:cSld>
+  <p:clrMapOvr>
+    <a:masterClrMapping/>
+  </p:clrMapOvr>
+  <p:timing>
+    <p:tnLst>
+      <p:par>
+        <p:cTn xmlns:p14="http://schemas.microsoft.com/office/powerpoint/2010/main" id="1" dur="indefinite" restart="never" nodeType="tmRoot"/>
+      </p:par>
+    </p:tnLst>
+  </p:timing>
+</p:sld>
+</file>
+
+<file path=ppt/slides/slide49.xml><?xml version="1.0" encoding="utf-8"?>
+<p:sld xmlns:a="http://schemas.openxmlformats.org/drawingml/2006/main" xmlns:r="http://schemas.openxmlformats.org/officeDocument/2006/relationships" xmlns:p="http://schemas.openxmlformats.org/presentationml/2006/main">
+  <p:cSld>
+    <p:spTree>
+      <p:nvGrpSpPr>
+        <p:cNvPr id="1" name=""/>
+        <p:cNvGrpSpPr/>
+        <p:nvPr/>
+      </p:nvGrpSpPr>
+      <p:grpSpPr>
+        <a:xfrm>
+          <a:off x="0" y="0"/>
+          <a:ext cx="0" cy="0"/>
+          <a:chOff x="0" y="0"/>
+          <a:chExt cx="0" cy="0"/>
+        </a:xfrm>
+      </p:grpSpPr>
+      <p:sp>
+        <p:nvSpPr>
+          <p:cNvPr id="2" name="Title 1"/>
+          <p:cNvSpPr>
+            <a:spLocks noGrp="1"/>
+          </p:cNvSpPr>
+          <p:nvPr>
+            <p:ph type="title"/>
+          </p:nvPr>
+        </p:nvSpPr>
+        <p:spPr/>
+        <p:txBody>
+          <a:bodyPr/>
+          <a:lstStyle/>
+          <a:p>
+            <a:r>
+              <a:rPr lang="en-US" dirty="0" smtClean="0"/>
+              <a:t>Query: most recent 20 blog posts</a:t>
+            </a:r>
+            <a:endParaRPr lang="en-US" dirty="0"/>
+          </a:p>
+        </p:txBody>
+      </p:sp>
+      <p:sp>
+        <p:nvSpPr>
+          <p:cNvPr id="4" name="Slide Number Placeholder 3"/>
+          <p:cNvSpPr>
+            <a:spLocks noGrp="1"/>
+          </p:cNvSpPr>
+          <p:nvPr>
+            <p:ph type="sldNum" sz="quarter" idx="12"/>
+          </p:nvPr>
+        </p:nvSpPr>
+        <p:spPr/>
+        <p:txBody>
+          <a:bodyPr/>
+          <a:lstStyle/>
+          <a:p>
+            <a:fld id="{E728A94C-44F1-DF43-8BD8-694E750DEF33}" type="slidenum">
+              <a:rPr lang="en-US" smtClean="0"/>
+              <a:t>49</a:t>
+            </a:fld>
+            <a:endParaRPr lang="en-US"/>
+          </a:p>
+        </p:txBody>
+      </p:sp>
+      <p:pic>
+        <p:nvPicPr>
+          <p:cNvPr id="6" name="Content Placeholder 5" descr="Screen Shot 2014-11-25 at 14.04.31.png"/>
+          <p:cNvPicPr>
+            <a:picLocks noGrp="1" noChangeAspect="1"/>
+          </p:cNvPicPr>
+          <p:nvPr>
+            <p:ph idx="1"/>
+          </p:nvPr>
+        </p:nvPicPr>
+        <p:blipFill>
+          <a:blip r:embed="rId2">
+            <a:extLst>
+              <a:ext uri="{28A0092B-C50C-407E-A947-70E740481C1C}">
+                <a14:useLocalDpi xmlns:a14="http://schemas.microsoft.com/office/drawing/2010/main" val="0"/>
+              </a:ext>
+            </a:extLst>
+          </a:blip>
+          <a:srcRect t="-90203" b="-90203"/>
+          <a:stretch>
+            <a:fillRect/>
+          </a:stretch>
+        </p:blipFill>
+        <p:spPr>
+          <a:xfrm>
+            <a:off x="457200" y="1096963"/>
+            <a:ext cx="8007350" cy="3394075"/>
+          </a:xfrm>
+        </p:spPr>
+      </p:pic>
+    </p:spTree>
+    <p:extLst>
+      <p:ext uri="{BB962C8B-B14F-4D97-AF65-F5344CB8AC3E}">
+        <p14:creationId xmlns:p14="http://schemas.microsoft.com/office/powerpoint/2010/main" val="968439417"/>
+      </p:ext>
+    </p:extLst>
+  </p:cSld>
+  <p:clrMapOvr>
+    <a:masterClrMapping/>
+  </p:clrMapOvr>
+  <p:timing>
+    <p:tnLst>
+      <p:par>
+        <p:cTn xmlns:p14="http://schemas.microsoft.com/office/powerpoint/2010/main" id="1" dur="indefinite" restart="never" nodeType="tmRoot"/>
+      </p:par>
+    </p:tnLst>
+  </p:timing>
+</p:sld>
+</file>
+
+<file path=ppt/slides/slide5.xml><?xml version="1.0" encoding="utf-8"?>
+<p:sld xmlns:a="http://schemas.openxmlformats.org/drawingml/2006/main" xmlns:r="http://schemas.openxmlformats.org/officeDocument/2006/relationships" xmlns:p="http://schemas.openxmlformats.org/presentationml/2006/main">
+  <p:cSld>
+    <p:spTree>
+      <p:nvGrpSpPr>
+        <p:cNvPr id="1" name=""/>
+        <p:cNvGrpSpPr/>
+        <p:nvPr/>
+      </p:nvGrpSpPr>
+      <p:grpSpPr>
+        <a:xfrm>
+          <a:off x="0" y="0"/>
+          <a:ext cx="0" cy="0"/>
+          <a:chOff x="0" y="0"/>
+          <a:chExt cx="0" cy="0"/>
+        </a:xfrm>
+      </p:grpSpPr>
+      <p:sp>
+        <p:nvSpPr>
+          <p:cNvPr id="2" name="Title 1"/>
+          <p:cNvSpPr>
+            <a:spLocks noGrp="1"/>
+          </p:cNvSpPr>
+          <p:nvPr>
+            <p:ph type="title"/>
+          </p:nvPr>
+        </p:nvSpPr>
+        <p:spPr/>
+        <p:txBody>
+          <a:bodyPr/>
+          <a:lstStyle/>
+          <a:p>
+            <a:r>
+              <a:rPr lang="en-US" dirty="0" smtClean="0"/>
+              <a:t>Couchbase Lite</a:t>
+            </a:r>
+            <a:endParaRPr lang="en-US" dirty="0"/>
+          </a:p>
+        </p:txBody>
+      </p:sp>
+      <p:sp>
+        <p:nvSpPr>
+          <p:cNvPr id="3" name="Content Placeholder 2"/>
+          <p:cNvSpPr>
+            <a:spLocks noGrp="1"/>
+          </p:cNvSpPr>
+          <p:nvPr>
+            <p:ph idx="1"/>
+          </p:nvPr>
+        </p:nvSpPr>
+        <p:spPr/>
+        <p:txBody>
+          <a:bodyPr/>
+          <a:lstStyle/>
+          <a:p>
+            <a:r>
+              <a:rPr lang="en-US" sz="2000" b="1" dirty="0" smtClean="0"/>
+              <a:t>Native API for:</a:t>
+            </a:r>
+          </a:p>
+          <a:p>
+            <a:pPr lvl="1"/>
+            <a:r>
+              <a:rPr lang="en-US" sz="1800" dirty="0" err="1" smtClean="0"/>
+              <a:t>iOS</a:t>
+            </a:r>
+            <a:endParaRPr lang="en-US" sz="1800" dirty="0" smtClean="0"/>
+          </a:p>
+          <a:p>
+            <a:pPr lvl="1"/>
+            <a:r>
+              <a:rPr lang="en-US" sz="1800" dirty="0" smtClean="0"/>
+              <a:t>Android</a:t>
+            </a:r>
+          </a:p>
+          <a:p>
+            <a:pPr lvl="1"/>
+            <a:r>
+              <a:rPr lang="en-US" sz="1800" dirty="0" smtClean="0"/>
+              <a:t>Windows Phone</a:t>
+            </a:r>
+          </a:p>
+          <a:p>
+            <a:pPr lvl="1"/>
+            <a:endParaRPr lang="en-US" sz="1800" dirty="0"/>
+          </a:p>
+          <a:p>
+            <a:r>
+              <a:rPr lang="en-US" sz="2000" b="1" dirty="0" smtClean="0"/>
+              <a:t>REST API:</a:t>
+            </a:r>
+          </a:p>
+          <a:p>
+            <a:pPr lvl="1"/>
+            <a:r>
+              <a:rPr lang="en-US" sz="1800" dirty="0" smtClean="0"/>
+              <a:t>Used with </a:t>
+            </a:r>
+            <a:r>
+              <a:rPr lang="en-US" sz="1800" dirty="0" err="1" smtClean="0"/>
+              <a:t>Phonegap</a:t>
+            </a:r>
+            <a:r>
+              <a:rPr lang="en-US" sz="1800" dirty="0" smtClean="0"/>
+              <a:t>, Titanium (with a wrapper) and so on</a:t>
+            </a:r>
+          </a:p>
+          <a:p>
+            <a:endParaRPr lang="en-US" sz="2000" dirty="0" smtClean="0"/>
+          </a:p>
+          <a:p>
+            <a:r>
+              <a:rPr lang="en-US" sz="2000" b="1" dirty="0" smtClean="0"/>
+              <a:t>Document database using </a:t>
+            </a:r>
+            <a:r>
+              <a:rPr lang="en-US" sz="2000" b="1" dirty="0" err="1" smtClean="0"/>
+              <a:t>CouchbDB</a:t>
+            </a:r>
+            <a:r>
+              <a:rPr lang="en-US" sz="2000" b="1" dirty="0" smtClean="0"/>
+              <a:t>-like model:</a:t>
+            </a:r>
+          </a:p>
+          <a:p>
+            <a:pPr lvl="1"/>
+            <a:r>
+              <a:rPr lang="en-US" sz="1800" dirty="0" smtClean="0"/>
+              <a:t>Native JSON storage</a:t>
+            </a:r>
+          </a:p>
+          <a:p>
+            <a:pPr lvl="1"/>
+            <a:r>
+              <a:rPr lang="en-US" sz="1800" dirty="0" smtClean="0"/>
+              <a:t>Uses map-reduce to create indexes (called views)</a:t>
+            </a:r>
+          </a:p>
+          <a:p>
+            <a:pPr lvl="1"/>
+            <a:endParaRPr lang="en-US" sz="1800" dirty="0"/>
+          </a:p>
+          <a:p>
+            <a:r>
+              <a:rPr lang="en-US" sz="2000" b="1" dirty="0" smtClean="0"/>
+              <a:t>Work locally with Couchbase Lite and get sync for free</a:t>
+            </a:r>
+          </a:p>
+        </p:txBody>
+      </p:sp>
+      <p:sp>
+        <p:nvSpPr>
+          <p:cNvPr id="4" name="Slide Number Placeholder 3"/>
+          <p:cNvSpPr>
+            <a:spLocks noGrp="1"/>
+          </p:cNvSpPr>
+          <p:nvPr>
+            <p:ph type="sldNum" sz="quarter" idx="12"/>
+          </p:nvPr>
+        </p:nvSpPr>
+        <p:spPr/>
+        <p:txBody>
+          <a:bodyPr/>
+          <a:lstStyle/>
+          <a:p>
+            <a:fld id="{E728A94C-44F1-DF43-8BD8-694E750DEF33}" type="slidenum">
+              <a:rPr lang="en-US" smtClean="0"/>
+              <a:t>5</a:t>
+            </a:fld>
+            <a:endParaRPr lang="en-US"/>
+          </a:p>
+        </p:txBody>
+      </p:sp>
+    </p:spTree>
+    <p:extLst>
+      <p:ext uri="{BB962C8B-B14F-4D97-AF65-F5344CB8AC3E}">
+        <p14:creationId xmlns:p14="http://schemas.microsoft.com/office/powerpoint/2010/main" val="2846134514"/>
+      </p:ext>
+    </p:extLst>
+  </p:cSld>
+  <p:clrMapOvr>
+    <a:masterClrMapping/>
+  </p:clrMapOvr>
+  <p:timing>
+    <p:tnLst>
+      <p:par>
+        <p:cTn xmlns:p14="http://schemas.microsoft.com/office/powerpoint/2010/main" id="1" dur="indefinite" restart="never" nodeType="tmRoot"/>
+      </p:par>
+    </p:tnLst>
+  </p:timing>
+</p:sld>
+</file>
+
+<file path=ppt/slides/slide50.xml><?xml version="1.0" encoding="utf-8"?>
+<p:sld xmlns:a="http://schemas.openxmlformats.org/drawingml/2006/main" xmlns:r="http://schemas.openxmlformats.org/officeDocument/2006/relationships" xmlns:p="http://schemas.openxmlformats.org/presentationml/2006/main">
+  <p:cSld>
+    <p:spTree>
+      <p:nvGrpSpPr>
+        <p:cNvPr id="1" name=""/>
+        <p:cNvGrpSpPr/>
+        <p:nvPr/>
+      </p:nvGrpSpPr>
+      <p:grpSpPr>
+        <a:xfrm>
+          <a:off x="0" y="0"/>
+          <a:ext cx="0" cy="0"/>
+          <a:chOff x="0" y="0"/>
+          <a:chExt cx="0" cy="0"/>
+        </a:xfrm>
+      </p:grpSpPr>
+      <p:sp>
+        <p:nvSpPr>
+          <p:cNvPr id="2" name="Title 1"/>
+          <p:cNvSpPr>
+            <a:spLocks noGrp="1"/>
+          </p:cNvSpPr>
+          <p:nvPr>
+            <p:ph type="title"/>
+          </p:nvPr>
+        </p:nvSpPr>
+        <p:spPr/>
+        <p:txBody>
+          <a:bodyPr/>
+          <a:lstStyle/>
+          <a:p>
+            <a:r>
+              <a:rPr lang="en-US" dirty="0" smtClean="0"/>
+              <a:t>Our query: return all the presentations</a:t>
+            </a:r>
+            <a:endParaRPr lang="en-US" dirty="0"/>
+          </a:p>
+        </p:txBody>
+      </p:sp>
+      <p:sp>
+        <p:nvSpPr>
+          <p:cNvPr id="4" name="Slide Number Placeholder 3"/>
+          <p:cNvSpPr>
+            <a:spLocks noGrp="1"/>
+          </p:cNvSpPr>
+          <p:nvPr>
+            <p:ph type="sldNum" sz="quarter" idx="12"/>
+          </p:nvPr>
+        </p:nvSpPr>
+        <p:spPr/>
+        <p:txBody>
+          <a:bodyPr/>
+          <a:lstStyle/>
+          <a:p>
+            <a:fld id="{E728A94C-44F1-DF43-8BD8-694E750DEF33}" type="slidenum">
+              <a:rPr lang="en-US" smtClean="0"/>
+              <a:t>50</a:t>
+            </a:fld>
+            <a:endParaRPr lang="en-US"/>
+          </a:p>
+        </p:txBody>
+      </p:sp>
+      <p:pic>
+        <p:nvPicPr>
+          <p:cNvPr id="5" name="Content Placeholder 4" descr="Screen Shot 2014-11-25 at 14.06.14.png"/>
+          <p:cNvPicPr>
+            <a:picLocks noGrp="1" noChangeAspect="1"/>
+          </p:cNvPicPr>
+          <p:nvPr>
+            <p:ph idx="1"/>
+          </p:nvPr>
+        </p:nvPicPr>
+        <p:blipFill>
+          <a:blip r:embed="rId2">
+            <a:extLst>
+              <a:ext uri="{28A0092B-C50C-407E-A947-70E740481C1C}">
+                <a14:useLocalDpi xmlns:a14="http://schemas.microsoft.com/office/drawing/2010/main" val="0"/>
+              </a:ext>
+            </a:extLst>
+          </a:blip>
+          <a:srcRect l="-1750" r="-1750"/>
+          <a:stretch>
+            <a:fillRect/>
+          </a:stretch>
+        </p:blipFill>
+        <p:spPr/>
+      </p:pic>
+    </p:spTree>
+    <p:extLst>
+      <p:ext uri="{BB962C8B-B14F-4D97-AF65-F5344CB8AC3E}">
+        <p14:creationId xmlns:p14="http://schemas.microsoft.com/office/powerpoint/2010/main" val="3994540194"/>
+      </p:ext>
+    </p:extLst>
+  </p:cSld>
+  <p:clrMapOvr>
+    <a:masterClrMapping/>
+  </p:clrMapOvr>
+  <p:timing>
+    <p:tnLst>
+      <p:par>
+        <p:cTn xmlns:p14="http://schemas.microsoft.com/office/powerpoint/2010/main" id="1" dur="indefinite" restart="never" nodeType="tmRoot"/>
+      </p:par>
+    </p:tnLst>
+  </p:timing>
+</p:sld>
+</file>
+
+<file path=ppt/slides/slide51.xml><?xml version="1.0" encoding="utf-8"?>
+<p:sld xmlns:a="http://schemas.openxmlformats.org/drawingml/2006/main" xmlns:r="http://schemas.openxmlformats.org/officeDocument/2006/relationships" xmlns:p="http://schemas.openxmlformats.org/presentationml/2006/main">
+  <p:cSld>
+    <p:spTree>
+      <p:nvGrpSpPr>
+        <p:cNvPr id="1" name=""/>
+        <p:cNvGrpSpPr/>
+        <p:nvPr/>
+      </p:nvGrpSpPr>
+      <p:grpSpPr>
+        <a:xfrm>
+          <a:off x="0" y="0"/>
+          <a:ext cx="0" cy="0"/>
+          <a:chOff x="0" y="0"/>
+          <a:chExt cx="0" cy="0"/>
+        </a:xfrm>
+      </p:grpSpPr>
+      <p:sp>
+        <p:nvSpPr>
+          <p:cNvPr id="2" name="Title 1"/>
+          <p:cNvSpPr>
+            <a:spLocks noGrp="1"/>
+          </p:cNvSpPr>
+          <p:nvPr>
+            <p:ph type="title"/>
+          </p:nvPr>
+        </p:nvSpPr>
+        <p:spPr/>
+        <p:txBody>
+          <a:bodyPr/>
+          <a:lstStyle/>
+          <a:p>
+            <a:r>
+              <a:rPr lang="en-US" dirty="0" err="1" smtClean="0"/>
+              <a:t>LiveQuery</a:t>
+            </a:r>
+            <a:r>
+              <a:rPr lang="en-US" dirty="0" smtClean="0"/>
+              <a:t>: creating reactive interfaces</a:t>
+            </a:r>
+            <a:endParaRPr lang="en-US" dirty="0"/>
+          </a:p>
+        </p:txBody>
+      </p:sp>
+      <p:sp>
+        <p:nvSpPr>
+          <p:cNvPr id="3" name="Content Placeholder 2"/>
+          <p:cNvSpPr>
+            <a:spLocks noGrp="1"/>
+          </p:cNvSpPr>
+          <p:nvPr>
+            <p:ph idx="1"/>
+          </p:nvPr>
+        </p:nvSpPr>
+        <p:spPr>
+          <a:xfrm>
+            <a:off x="457200" y="1096471"/>
+            <a:ext cx="8007739" cy="642177"/>
+          </a:xfrm>
+        </p:spPr>
+        <p:txBody>
+          <a:bodyPr/>
+          <a:lstStyle/>
+          <a:p>
+            <a:r>
+              <a:rPr lang="en-US" dirty="0" smtClean="0"/>
+              <a:t>A </a:t>
+            </a:r>
+            <a:r>
+              <a:rPr lang="en-US" dirty="0" err="1" smtClean="0"/>
+              <a:t>LiveQuery</a:t>
+            </a:r>
+            <a:r>
+              <a:rPr lang="en-US" dirty="0" smtClean="0"/>
+              <a:t> lets us build a UI that updates automatically</a:t>
+            </a:r>
+          </a:p>
+          <a:p>
+            <a:endParaRPr lang="en-US" dirty="0"/>
+          </a:p>
+          <a:p>
+            <a:r>
+              <a:rPr lang="en-US" dirty="0" smtClean="0"/>
+              <a:t>Links the Model to the View</a:t>
+            </a:r>
+          </a:p>
+          <a:p>
+            <a:endParaRPr lang="en-US" dirty="0"/>
+          </a:p>
+          <a:p>
+            <a:r>
+              <a:rPr lang="en-US" dirty="0" smtClean="0"/>
+              <a:t>Feed lists with an appropriate adapter class</a:t>
+            </a:r>
+          </a:p>
+          <a:p>
+            <a:endParaRPr lang="en-US" dirty="0"/>
+          </a:p>
+          <a:p>
+            <a:endParaRPr lang="en-US" dirty="0" smtClean="0"/>
+          </a:p>
+          <a:p>
+            <a:endParaRPr lang="en-US" dirty="0"/>
+          </a:p>
+          <a:p>
+            <a:endParaRPr lang="en-US" dirty="0" smtClean="0"/>
+          </a:p>
+          <a:p>
+            <a:pPr marL="0" indent="0">
+              <a:buNone/>
+            </a:pPr>
+            <a:endParaRPr lang="en-US" dirty="0"/>
+          </a:p>
+        </p:txBody>
+      </p:sp>
+      <p:sp>
+        <p:nvSpPr>
+          <p:cNvPr id="4" name="Slide Number Placeholder 3"/>
+          <p:cNvSpPr>
+            <a:spLocks noGrp="1"/>
+          </p:cNvSpPr>
+          <p:nvPr>
+            <p:ph type="sldNum" sz="quarter" idx="12"/>
+          </p:nvPr>
+        </p:nvSpPr>
+        <p:spPr/>
+        <p:txBody>
+          <a:bodyPr/>
+          <a:lstStyle/>
+          <a:p>
+            <a:fld id="{E728A94C-44F1-DF43-8BD8-694E750DEF33}" type="slidenum">
+              <a:rPr lang="en-US" smtClean="0"/>
+              <a:t>51</a:t>
+            </a:fld>
+            <a:endParaRPr lang="en-US"/>
+          </a:p>
+        </p:txBody>
+      </p:sp>
+    </p:spTree>
+    <p:extLst>
+      <p:ext uri="{BB962C8B-B14F-4D97-AF65-F5344CB8AC3E}">
+        <p14:creationId xmlns:p14="http://schemas.microsoft.com/office/powerpoint/2010/main" val="1901086909"/>
+      </p:ext>
+    </p:extLst>
+  </p:cSld>
+  <p:clrMapOvr>
+    <a:masterClrMapping/>
+  </p:clrMapOvr>
+  <p:timing>
+    <p:tnLst>
+      <p:par>
+        <p:cTn xmlns:p14="http://schemas.microsoft.com/office/powerpoint/2010/main" id="1" dur="indefinite" restart="never" nodeType="tmRoot"/>
+      </p:par>
+    </p:tnLst>
+  </p:timing>
+</p:sld>
+</file>
+
+<file path=ppt/slides/slide52.xml><?xml version="1.0" encoding="utf-8"?>
+<p:sld xmlns:a="http://schemas.openxmlformats.org/drawingml/2006/main" xmlns:r="http://schemas.openxmlformats.org/officeDocument/2006/relationships" xmlns:p="http://schemas.openxmlformats.org/presentationml/2006/main">
+  <p:cSld>
+    <p:spTree>
+      <p:nvGrpSpPr>
+        <p:cNvPr id="1" name=""/>
+        <p:cNvGrpSpPr/>
+        <p:nvPr/>
+      </p:nvGrpSpPr>
+      <p:grpSpPr>
+        <a:xfrm>
+          <a:off x="0" y="0"/>
+          <a:ext cx="0" cy="0"/>
+          <a:chOff x="0" y="0"/>
+          <a:chExt cx="0" cy="0"/>
+        </a:xfrm>
+      </p:grpSpPr>
+      <p:sp>
+        <p:nvSpPr>
+          <p:cNvPr id="2" name="Title 1"/>
+          <p:cNvSpPr>
+            <a:spLocks noGrp="1"/>
+          </p:cNvSpPr>
+          <p:nvPr>
+            <p:ph type="title"/>
+          </p:nvPr>
+        </p:nvSpPr>
+        <p:spPr/>
+        <p:txBody>
+          <a:bodyPr/>
+          <a:lstStyle/>
+          <a:p>
+            <a:r>
+              <a:rPr lang="en-US" dirty="0" err="1" smtClean="0"/>
+              <a:t>LiveQueryAdapter.java</a:t>
+            </a:r>
+            <a:endParaRPr lang="en-US" dirty="0"/>
+          </a:p>
+        </p:txBody>
+      </p:sp>
+      <p:sp>
+        <p:nvSpPr>
+          <p:cNvPr id="4" name="Slide Number Placeholder 3"/>
+          <p:cNvSpPr>
+            <a:spLocks noGrp="1"/>
+          </p:cNvSpPr>
+          <p:nvPr>
+            <p:ph type="sldNum" sz="quarter" idx="12"/>
+          </p:nvPr>
+        </p:nvSpPr>
+        <p:spPr/>
+        <p:txBody>
+          <a:bodyPr/>
+          <a:lstStyle/>
+          <a:p>
+            <a:fld id="{E728A94C-44F1-DF43-8BD8-694E750DEF33}" type="slidenum">
+              <a:rPr lang="en-US" smtClean="0"/>
+              <a:t>52</a:t>
+            </a:fld>
+            <a:endParaRPr lang="en-US"/>
+          </a:p>
+        </p:txBody>
+      </p:sp>
+      <p:sp>
+        <p:nvSpPr>
+          <p:cNvPr id="5" name="Content Placeholder 4"/>
+          <p:cNvSpPr>
+            <a:spLocks noGrp="1"/>
+          </p:cNvSpPr>
+          <p:nvPr>
+            <p:ph idx="1"/>
+          </p:nvPr>
+        </p:nvSpPr>
+        <p:spPr/>
+        <p:txBody>
+          <a:bodyPr/>
+          <a:lstStyle/>
+          <a:p>
+            <a:endParaRPr lang="en-US"/>
+          </a:p>
+        </p:txBody>
+      </p:sp>
+      <p:pic>
+        <p:nvPicPr>
+          <p:cNvPr id="6" name="Content Placeholder 3" descr="Screen Shot 2014-11-05 at 16.31.11.png"/>
+          <p:cNvPicPr>
+            <a:picLocks noChangeAspect="1"/>
+          </p:cNvPicPr>
+          <p:nvPr/>
+        </p:nvPicPr>
+        <p:blipFill>
+          <a:blip r:embed="rId2">
+            <a:extLst>
+              <a:ext uri="{28A0092B-C50C-407E-A947-70E740481C1C}">
+                <a14:useLocalDpi xmlns:a14="http://schemas.microsoft.com/office/drawing/2010/main" val="0"/>
+              </a:ext>
+            </a:extLst>
+          </a:blip>
+          <a:srcRect t="-23304" b="-23304"/>
+          <a:stretch>
+            <a:fillRect/>
+          </a:stretch>
+        </p:blipFill>
+        <p:spPr>
+          <a:xfrm>
+            <a:off x="457200" y="393700"/>
+            <a:ext cx="8074025" cy="4373563"/>
+          </a:xfrm>
+          <a:prstGeom prst="rect">
+            <a:avLst/>
+          </a:prstGeom>
+        </p:spPr>
+      </p:pic>
+    </p:spTree>
+    <p:extLst>
+      <p:ext uri="{BB962C8B-B14F-4D97-AF65-F5344CB8AC3E}">
+        <p14:creationId xmlns:p14="http://schemas.microsoft.com/office/powerpoint/2010/main" val="1010750217"/>
+      </p:ext>
+    </p:extLst>
+  </p:cSld>
+  <p:clrMapOvr>
+    <a:masterClrMapping/>
+  </p:clrMapOvr>
+  <p:timing>
+    <p:tnLst>
+      <p:par>
+        <p:cTn xmlns:p14="http://schemas.microsoft.com/office/powerpoint/2010/main" id="1" dur="indefinite" restart="never" nodeType="tmRoot"/>
+      </p:par>
+    </p:tnLst>
+  </p:timing>
+</p:sld>
+</file>
+
+<file path=ppt/slides/slide53.xml><?xml version="1.0" encoding="utf-8"?>
+<p:sld xmlns:a="http://schemas.openxmlformats.org/drawingml/2006/main" xmlns:r="http://schemas.openxmlformats.org/officeDocument/2006/relationships" xmlns:p="http://schemas.openxmlformats.org/presentationml/2006/main">
+  <p:cSld>
+    <p:spTree>
+      <p:nvGrpSpPr>
+        <p:cNvPr id="1" name=""/>
+        <p:cNvGrpSpPr/>
+        <p:nvPr/>
+      </p:nvGrpSpPr>
+      <p:grpSpPr>
+        <a:xfrm>
+          <a:off x="0" y="0"/>
+          <a:ext cx="0" cy="0"/>
+          <a:chOff x="0" y="0"/>
+          <a:chExt cx="0" cy="0"/>
+        </a:xfrm>
+      </p:grpSpPr>
+      <p:sp>
+        <p:nvSpPr>
+          <p:cNvPr id="2" name="Title 1"/>
+          <p:cNvSpPr>
+            <a:spLocks noGrp="1"/>
+          </p:cNvSpPr>
+          <p:nvPr>
+            <p:ph type="title"/>
+          </p:nvPr>
+        </p:nvSpPr>
+        <p:spPr/>
+        <p:txBody>
+          <a:bodyPr/>
+          <a:lstStyle/>
+          <a:p>
+            <a:r>
+              <a:rPr lang="en-US" dirty="0" err="1" smtClean="0"/>
+              <a:t>PresentationAdapter.java</a:t>
+            </a:r>
+            <a:endParaRPr lang="en-US" dirty="0"/>
+          </a:p>
+        </p:txBody>
+      </p:sp>
+      <p:sp>
+        <p:nvSpPr>
+          <p:cNvPr id="4" name="Slide Number Placeholder 3"/>
+          <p:cNvSpPr>
+            <a:spLocks noGrp="1"/>
+          </p:cNvSpPr>
+          <p:nvPr>
+            <p:ph type="sldNum" sz="quarter" idx="12"/>
+          </p:nvPr>
+        </p:nvSpPr>
+        <p:spPr/>
+        <p:txBody>
+          <a:bodyPr/>
+          <a:lstStyle/>
+          <a:p>
+            <a:fld id="{E728A94C-44F1-DF43-8BD8-694E750DEF33}" type="slidenum">
+              <a:rPr lang="en-US" smtClean="0"/>
+              <a:t>53</a:t>
+            </a:fld>
+            <a:endParaRPr lang="en-US"/>
+          </a:p>
+        </p:txBody>
+      </p:sp>
+      <p:pic>
+        <p:nvPicPr>
+          <p:cNvPr id="7" name="Content Placeholder 3" descr="Screen Shot 2014-11-05 at 16.33.18.png"/>
+          <p:cNvPicPr>
+            <a:picLocks noGrp="1" noChangeAspect="1"/>
+          </p:cNvPicPr>
+          <p:nvPr>
+            <p:ph idx="1"/>
+          </p:nvPr>
+        </p:nvPicPr>
+        <p:blipFill>
+          <a:blip r:embed="rId2">
+            <a:extLst>
+              <a:ext uri="{28A0092B-C50C-407E-A947-70E740481C1C}">
+                <a14:useLocalDpi xmlns:a14="http://schemas.microsoft.com/office/drawing/2010/main" val="0"/>
+              </a:ext>
+            </a:extLst>
+          </a:blip>
+          <a:srcRect t="-19641" b="-19641"/>
+          <a:stretch>
+            <a:fillRect/>
+          </a:stretch>
+        </p:blipFill>
+        <p:spPr/>
+      </p:pic>
+    </p:spTree>
+    <p:extLst>
+      <p:ext uri="{BB962C8B-B14F-4D97-AF65-F5344CB8AC3E}">
+        <p14:creationId xmlns:p14="http://schemas.microsoft.com/office/powerpoint/2010/main" val="3660594766"/>
+      </p:ext>
+    </p:extLst>
+  </p:cSld>
+  <p:clrMapOvr>
+    <a:masterClrMapping/>
+  </p:clrMapOvr>
+  <p:timing>
+    <p:tnLst>
+      <p:par>
+        <p:cTn xmlns:p14="http://schemas.microsoft.com/office/powerpoint/2010/main" id="1" dur="indefinite" restart="never" nodeType="tmRoot"/>
+      </p:par>
+    </p:tnLst>
+  </p:timing>
+</p:sld>
+</file>
+
+<file path=ppt/slides/slide54.xml><?xml version="1.0" encoding="utf-8"?>
+<p:sld xmlns:a="http://schemas.openxmlformats.org/drawingml/2006/main" xmlns:r="http://schemas.openxmlformats.org/officeDocument/2006/relationships" xmlns:p="http://schemas.openxmlformats.org/presentationml/2006/main">
+  <p:cSld>
+    <p:spTree>
+      <p:nvGrpSpPr>
+        <p:cNvPr id="1" name=""/>
+        <p:cNvGrpSpPr/>
+        <p:nvPr/>
+      </p:nvGrpSpPr>
+      <p:grpSpPr>
+        <a:xfrm>
+          <a:off x="0" y="0"/>
+          <a:ext cx="0" cy="0"/>
+          <a:chOff x="0" y="0"/>
+          <a:chExt cx="0" cy="0"/>
+        </a:xfrm>
+      </p:grpSpPr>
+      <p:sp>
+        <p:nvSpPr>
+          <p:cNvPr id="2" name="Title 1"/>
+          <p:cNvSpPr>
+            <a:spLocks noGrp="1"/>
+          </p:cNvSpPr>
+          <p:nvPr>
+            <p:ph type="ctrTitle"/>
+          </p:nvPr>
+        </p:nvSpPr>
+        <p:spPr/>
+        <p:txBody>
+          <a:bodyPr/>
+          <a:lstStyle/>
+          <a:p>
+            <a:r>
+              <a:rPr lang="en-US" dirty="0" smtClean="0"/>
+              <a:t>Now it’s your turn</a:t>
+            </a:r>
+            <a:endParaRPr lang="en-US" dirty="0"/>
+          </a:p>
+        </p:txBody>
+      </p:sp>
+      <p:sp>
+        <p:nvSpPr>
+          <p:cNvPr id="3" name="Subtitle 2"/>
+          <p:cNvSpPr>
+            <a:spLocks noGrp="1"/>
+          </p:cNvSpPr>
+          <p:nvPr>
+            <p:ph type="subTitle" idx="1"/>
+          </p:nvPr>
+        </p:nvSpPr>
+        <p:spPr/>
+        <p:txBody>
+          <a:bodyPr/>
+          <a:lstStyle/>
+          <a:p>
+            <a:r>
+              <a:rPr lang="en-US" dirty="0" smtClean="0"/>
+              <a:t>Return all of the presentations in our database</a:t>
+            </a:r>
+            <a:endParaRPr lang="en-US" dirty="0"/>
+          </a:p>
+        </p:txBody>
+      </p:sp>
+    </p:spTree>
+    <p:extLst>
+      <p:ext uri="{BB962C8B-B14F-4D97-AF65-F5344CB8AC3E}">
+        <p14:creationId xmlns:p14="http://schemas.microsoft.com/office/powerpoint/2010/main" val="2625701539"/>
+      </p:ext>
+    </p:extLst>
+  </p:cSld>
+  <p:clrMapOvr>
+    <a:masterClrMapping/>
+  </p:clrMapOvr>
+  <p:timing>
+    <p:tnLst>
+      <p:par>
+        <p:cTn xmlns:p14="http://schemas.microsoft.com/office/powerpoint/2010/main" id="1" dur="indefinite" restart="never" nodeType="tmRoot"/>
+      </p:par>
+    </p:tnLst>
+  </p:timing>
+</p:sld>
+</file>
+
+<file path=ppt/slides/slide55.xml><?xml version="1.0" encoding="utf-8"?>
+<p:sld xmlns:a="http://schemas.openxmlformats.org/drawingml/2006/main" xmlns:r="http://schemas.openxmlformats.org/officeDocument/2006/relationships" xmlns:p="http://schemas.openxmlformats.org/presentationml/2006/main">
+  <p:cSld>
+    <p:spTree>
+      <p:nvGrpSpPr>
+        <p:cNvPr id="1" name=""/>
+        <p:cNvGrpSpPr/>
+        <p:nvPr/>
+      </p:nvGrpSpPr>
+      <p:grpSpPr>
+        <a:xfrm>
+          <a:off x="0" y="0"/>
+          <a:ext cx="0" cy="0"/>
+          <a:chOff x="0" y="0"/>
+          <a:chExt cx="0" cy="0"/>
+        </a:xfrm>
+      </p:grpSpPr>
+      <p:sp>
+        <p:nvSpPr>
+          <p:cNvPr id="2" name="Title 1"/>
+          <p:cNvSpPr>
+            <a:spLocks noGrp="1"/>
+          </p:cNvSpPr>
+          <p:nvPr>
+            <p:ph type="title"/>
+          </p:nvPr>
+        </p:nvSpPr>
+        <p:spPr/>
+        <p:txBody>
+          <a:bodyPr/>
+          <a:lstStyle/>
+          <a:p>
+            <a:r>
+              <a:rPr lang="en-US" dirty="0" err="1" smtClean="0"/>
+              <a:t>Presentation.findall</a:t>
+            </a:r>
+            <a:r>
+              <a:rPr lang="en-US" dirty="0" smtClean="0"/>
+              <a:t>()</a:t>
+            </a:r>
+            <a:endParaRPr lang="en-US" dirty="0"/>
+          </a:p>
+        </p:txBody>
+      </p:sp>
+      <p:sp>
+        <p:nvSpPr>
+          <p:cNvPr id="4" name="Slide Number Placeholder 3"/>
+          <p:cNvSpPr>
+            <a:spLocks noGrp="1"/>
+          </p:cNvSpPr>
+          <p:nvPr>
+            <p:ph type="sldNum" sz="quarter" idx="12"/>
+          </p:nvPr>
+        </p:nvSpPr>
+        <p:spPr/>
+        <p:txBody>
+          <a:bodyPr/>
+          <a:lstStyle/>
+          <a:p>
+            <a:fld id="{E728A94C-44F1-DF43-8BD8-694E750DEF33}" type="slidenum">
+              <a:rPr lang="en-US" smtClean="0"/>
+              <a:t>55</a:t>
+            </a:fld>
+            <a:endParaRPr lang="en-US"/>
+          </a:p>
+        </p:txBody>
+      </p:sp>
+      <p:pic>
+        <p:nvPicPr>
+          <p:cNvPr id="6" name="Content Placeholder 5" descr="Screen Shot 2014-11-26 at 12.00.29.png"/>
+          <p:cNvPicPr>
+            <a:picLocks noGrp="1" noChangeAspect="1"/>
+          </p:cNvPicPr>
+          <p:nvPr>
+            <p:ph idx="1"/>
+          </p:nvPr>
+        </p:nvPicPr>
+        <p:blipFill>
+          <a:blip r:embed="rId2">
+            <a:extLst>
+              <a:ext uri="{28A0092B-C50C-407E-A947-70E740481C1C}">
+                <a14:useLocalDpi xmlns:a14="http://schemas.microsoft.com/office/drawing/2010/main" val="0"/>
+              </a:ext>
+            </a:extLst>
+          </a:blip>
+          <a:srcRect t="-147719" b="-147719"/>
+          <a:stretch>
+            <a:fillRect/>
+          </a:stretch>
+        </p:blipFill>
+        <p:spPr/>
+      </p:pic>
     </p:spTree>
     <p:extLst>
       <p:ext uri="{BB962C8B-B14F-4D97-AF65-F5344CB8AC3E}">
@@ -10188,7 +12697,7 @@
 </p:sld>
 </file>
 
-<file path=ppt/slides/slide37.xml><?xml version="1.0" encoding="utf-8"?>
+<file path=ppt/slides/slide56.xml><?xml version="1.0" encoding="utf-8"?>
 <p:sld xmlns:a="http://schemas.openxmlformats.org/drawingml/2006/main" xmlns:r="http://schemas.openxmlformats.org/officeDocument/2006/relationships" xmlns:p="http://schemas.openxmlformats.org/presentationml/2006/main">
   <p:cSld>
     <p:spTree>
@@ -10212,6 +12721,85 @@
             <a:spLocks noGrp="1"/>
           </p:cNvSpPr>
           <p:nvPr>
+            <p:ph type="ctrTitle"/>
+          </p:nvPr>
+        </p:nvSpPr>
+        <p:spPr/>
+        <p:txBody>
+          <a:bodyPr/>
+          <a:lstStyle/>
+          <a:p>
+            <a:r>
+              <a:rPr lang="en-US" dirty="0" smtClean="0"/>
+              <a:t>Updating an existing document</a:t>
+            </a:r>
+            <a:endParaRPr lang="en-US" dirty="0"/>
+          </a:p>
+        </p:txBody>
+      </p:sp>
+      <p:sp>
+        <p:nvSpPr>
+          <p:cNvPr id="4" name="Subtitle 3"/>
+          <p:cNvSpPr>
+            <a:spLocks noGrp="1"/>
+          </p:cNvSpPr>
+          <p:nvPr>
+            <p:ph type="subTitle" idx="1"/>
+          </p:nvPr>
+        </p:nvSpPr>
+        <p:spPr/>
+        <p:txBody>
+          <a:bodyPr/>
+          <a:lstStyle/>
+          <a:p>
+            <a:endParaRPr lang="en-US" dirty="0"/>
+          </a:p>
+        </p:txBody>
+      </p:sp>
+    </p:spTree>
+    <p:extLst>
+      <p:ext uri="{BB962C8B-B14F-4D97-AF65-F5344CB8AC3E}">
+        <p14:creationId xmlns:p14="http://schemas.microsoft.com/office/powerpoint/2010/main" val="224798856"/>
+      </p:ext>
+    </p:extLst>
+  </p:cSld>
+  <p:clrMapOvr>
+    <a:masterClrMapping/>
+  </p:clrMapOvr>
+  <p:timing>
+    <p:tnLst>
+      <p:par>
+        <p:cTn xmlns:p14="http://schemas.microsoft.com/office/powerpoint/2010/main" id="1" dur="indefinite" restart="never" nodeType="tmRoot"/>
+      </p:par>
+    </p:tnLst>
+  </p:timing>
+</p:sld>
+</file>
+
+<file path=ppt/slides/slide57.xml><?xml version="1.0" encoding="utf-8"?>
+<p:sld xmlns:a="http://schemas.openxmlformats.org/drawingml/2006/main" xmlns:r="http://schemas.openxmlformats.org/officeDocument/2006/relationships" xmlns:p="http://schemas.openxmlformats.org/presentationml/2006/main">
+  <p:cSld>
+    <p:spTree>
+      <p:nvGrpSpPr>
+        <p:cNvPr id="1" name=""/>
+        <p:cNvGrpSpPr/>
+        <p:nvPr/>
+      </p:nvGrpSpPr>
+      <p:grpSpPr>
+        <a:xfrm>
+          <a:off x="0" y="0"/>
+          <a:ext cx="0" cy="0"/>
+          <a:chOff x="0" y="0"/>
+          <a:chExt cx="0" cy="0"/>
+        </a:xfrm>
+      </p:grpSpPr>
+      <p:sp>
+        <p:nvSpPr>
+          <p:cNvPr id="2" name="Title 1"/>
+          <p:cNvSpPr>
+            <a:spLocks noGrp="1"/>
+          </p:cNvSpPr>
+          <p:nvPr>
             <p:ph type="title"/>
           </p:nvPr>
         </p:nvSpPr>
@@ -10222,7 +12810,7 @@
           <a:p>
             <a:r>
               <a:rPr lang="en-US" dirty="0" smtClean="0"/>
-              <a:t>Title and Bullets</a:t>
+              <a:t>Revisions</a:t>
             </a:r>
             <a:endParaRPr lang="en-US" dirty="0"/>
           </a:p>
@@ -10244,15 +12832,52 @@
           <a:lstStyle/>
           <a:p>
             <a:r>
-              <a:rPr lang="en-US" dirty="0" smtClean="0"/>
-              <a:t>First Level Bullet</a:t>
-            </a:r>
+              <a:rPr lang="en-US" dirty="0" err="1" smtClean="0"/>
+              <a:t>Couchbase</a:t>
+            </a:r>
+            <a:r>
+              <a:rPr lang="en-US" dirty="0" smtClean="0"/>
+              <a:t> Lite tracks document revisions</a:t>
+            </a:r>
+            <a:endParaRPr lang="en-US" dirty="0"/>
           </a:p>
           <a:p>
             <a:pPr lvl="1"/>
             <a:r>
               <a:rPr lang="en-US" dirty="0" smtClean="0"/>
-              <a:t>Second Level Bullet</a:t>
+              <a:t>_rev</a:t>
+            </a:r>
+          </a:p>
+          <a:p>
+            <a:pPr lvl="1"/>
+            <a:r>
+              <a:rPr lang="en-US" dirty="0" smtClean="0"/>
+              <a:t>UUID</a:t>
+            </a:r>
+          </a:p>
+          <a:p>
+            <a:pPr lvl="1"/>
+            <a:endParaRPr lang="en-US" dirty="0" smtClean="0"/>
+          </a:p>
+          <a:p>
+            <a:r>
+              <a:rPr lang="en-US" dirty="0" smtClean="0"/>
+              <a:t>MVCC</a:t>
+            </a:r>
+          </a:p>
+          <a:p>
+            <a:pPr lvl="1"/>
+            <a:r>
+              <a:rPr lang="en-US" dirty="0" smtClean="0"/>
+              <a:t>Similar to </a:t>
+            </a:r>
+            <a:r>
+              <a:rPr lang="en-US" dirty="0" err="1" smtClean="0"/>
+              <a:t>Git</a:t>
+            </a:r>
+            <a:r>
+              <a:rPr lang="en-US" dirty="0" smtClean="0"/>
+              <a:t> revision trees</a:t>
             </a:r>
           </a:p>
           <a:p>
@@ -10261,57 +12886,21 @@
           </a:p>
           <a:p>
             <a:r>
-              <a:rPr lang="en-US" dirty="0"/>
-              <a:t>First Level Bullet</a:t>
-            </a:r>
-          </a:p>
-          <a:p>
-            <a:pPr lvl="1"/>
-            <a:r>
-              <a:rPr lang="en-US" dirty="0"/>
-              <a:t>Second Level Bullet</a:t>
-            </a:r>
-          </a:p>
-          <a:p>
-            <a:pPr lvl="1"/>
+              <a:rPr lang="en-US" dirty="0" smtClean="0"/>
+              <a:t>Tombstone revisions track deletes</a:t>
+            </a:r>
+          </a:p>
+          <a:p>
             <a:endParaRPr lang="en-US" dirty="0"/>
           </a:p>
           <a:p>
             <a:r>
-              <a:rPr lang="en-US" dirty="0" smtClean="0"/>
-              <a:t>First </a:t>
-            </a:r>
-            <a:r>
-              <a:rPr lang="en-US" dirty="0"/>
-              <a:t>Level Bullet</a:t>
-            </a:r>
-          </a:p>
-          <a:p>
-            <a:pPr lvl="1"/>
-            <a:r>
-              <a:rPr lang="en-US" dirty="0"/>
-              <a:t>Second Level Bullet</a:t>
-            </a:r>
-          </a:p>
-          <a:p>
-            <a:pPr lvl="1"/>
-            <a:endParaRPr lang="en-US" dirty="0"/>
-          </a:p>
-          <a:p>
-            <a:r>
-              <a:rPr lang="en-US" dirty="0"/>
-              <a:t>First Level Bullet</a:t>
-            </a:r>
-          </a:p>
-          <a:p>
-            <a:pPr lvl="1"/>
-            <a:r>
-              <a:rPr lang="en-US" dirty="0"/>
-              <a:t>Second Level </a:t>
-            </a:r>
-            <a:r>
-              <a:rPr lang="en-US" dirty="0" smtClean="0"/>
-              <a:t>Bullet</a:t>
+              <a:rPr lang="en-US" b="1" dirty="0" smtClean="0"/>
+              <a:t>Important:</a:t>
+            </a:r>
+            <a:r>
+              <a:rPr lang="en-US" dirty="0" smtClean="0"/>
+              <a:t> revision history is not for you!</a:t>
             </a:r>
             <a:endParaRPr lang="en-US" dirty="0"/>
           </a:p>
@@ -10334,7 +12923,194 @@
           <a:p>
             <a:fld id="{E728A94C-44F1-DF43-8BD8-694E750DEF33}" type="slidenum">
               <a:rPr lang="en-US" smtClean="0"/>
-              <a:t>37</a:t>
+              <a:t>57</a:t>
+            </a:fld>
+            <a:endParaRPr lang="en-US"/>
+          </a:p>
+        </p:txBody>
+      </p:sp>
+      <p:pic>
+        <p:nvPicPr>
+          <p:cNvPr id="5" name="Picture 4"/>
+          <p:cNvPicPr>
+            <a:picLocks noChangeAspect="1"/>
+          </p:cNvPicPr>
+          <p:nvPr/>
+        </p:nvPicPr>
+        <p:blipFill>
+          <a:blip r:embed="rId2"/>
+          <a:stretch>
+            <a:fillRect/>
+          </a:stretch>
+        </p:blipFill>
+        <p:spPr>
+          <a:xfrm>
+            <a:off x="5820734" y="1096471"/>
+            <a:ext cx="2762039" cy="3670793"/>
+          </a:xfrm>
+          <a:prstGeom prst="rect">
+            <a:avLst/>
+          </a:prstGeom>
+        </p:spPr>
+      </p:pic>
+    </p:spTree>
+    <p:extLst>
+      <p:ext uri="{BB962C8B-B14F-4D97-AF65-F5344CB8AC3E}">
+        <p14:creationId xmlns:p14="http://schemas.microsoft.com/office/powerpoint/2010/main" val="4237568240"/>
+      </p:ext>
+    </p:extLst>
+  </p:cSld>
+  <p:clrMapOvr>
+    <a:masterClrMapping/>
+  </p:clrMapOvr>
+  <p:timing>
+    <p:tnLst>
+      <p:par>
+        <p:cTn xmlns:p14="http://schemas.microsoft.com/office/powerpoint/2010/main" id="1" dur="indefinite" restart="never" nodeType="tmRoot"/>
+      </p:par>
+    </p:tnLst>
+  </p:timing>
+</p:sld>
+</file>
+
+<file path=ppt/slides/slide58.xml><?xml version="1.0" encoding="utf-8"?>
+<p:sld xmlns:a="http://schemas.openxmlformats.org/drawingml/2006/main" xmlns:r="http://schemas.openxmlformats.org/officeDocument/2006/relationships" xmlns:p="http://schemas.openxmlformats.org/presentationml/2006/main">
+  <p:cSld>
+    <p:spTree>
+      <p:nvGrpSpPr>
+        <p:cNvPr id="1" name=""/>
+        <p:cNvGrpSpPr/>
+        <p:nvPr/>
+      </p:nvGrpSpPr>
+      <p:grpSpPr>
+        <a:xfrm>
+          <a:off x="0" y="0"/>
+          <a:ext cx="0" cy="0"/>
+          <a:chOff x="0" y="0"/>
+          <a:chExt cx="0" cy="0"/>
+        </a:xfrm>
+      </p:grpSpPr>
+      <p:sp>
+        <p:nvSpPr>
+          <p:cNvPr id="2" name="Title 1"/>
+          <p:cNvSpPr>
+            <a:spLocks noGrp="1"/>
+          </p:cNvSpPr>
+          <p:nvPr>
+            <p:ph type="title"/>
+          </p:nvPr>
+        </p:nvSpPr>
+        <p:spPr/>
+        <p:txBody>
+          <a:bodyPr/>
+          <a:lstStyle/>
+          <a:p>
+            <a:r>
+              <a:rPr lang="en-US" dirty="0" smtClean="0"/>
+              <a:t>What we need to make an update</a:t>
+            </a:r>
+            <a:endParaRPr lang="en-US" dirty="0"/>
+          </a:p>
+        </p:txBody>
+      </p:sp>
+      <p:sp>
+        <p:nvSpPr>
+          <p:cNvPr id="3" name="Content Placeholder 2"/>
+          <p:cNvSpPr>
+            <a:spLocks noGrp="1"/>
+          </p:cNvSpPr>
+          <p:nvPr>
+            <p:ph idx="1"/>
+          </p:nvPr>
+        </p:nvSpPr>
+        <p:spPr/>
+        <p:txBody>
+          <a:bodyPr/>
+          <a:lstStyle/>
+          <a:p>
+            <a:r>
+              <a:rPr lang="en-US" dirty="0" smtClean="0"/>
+              <a:t>There are two ways to update an existing document.</a:t>
+            </a:r>
+          </a:p>
+          <a:p>
+            <a:endParaRPr lang="en-US" dirty="0" smtClean="0"/>
+          </a:p>
+          <a:p>
+            <a:r>
+              <a:rPr lang="en-US" dirty="0" err="1" smtClean="0"/>
+              <a:t>putProperties</a:t>
+            </a:r>
+            <a:r>
+              <a:rPr lang="en-US" dirty="0" smtClean="0"/>
+              <a:t>()</a:t>
+            </a:r>
+          </a:p>
+          <a:p>
+            <a:pPr lvl="1"/>
+            <a:r>
+              <a:rPr lang="en-US" dirty="0" smtClean="0"/>
+              <a:t>replaces whatever is there</a:t>
+            </a:r>
+          </a:p>
+          <a:p>
+            <a:pPr lvl="1"/>
+            <a:r>
+              <a:rPr lang="en-US" dirty="0" smtClean="0"/>
+              <a:t>generates a new revision ID</a:t>
+            </a:r>
+          </a:p>
+          <a:p>
+            <a:endParaRPr lang="en-US" dirty="0" smtClean="0"/>
+          </a:p>
+          <a:p>
+            <a:r>
+              <a:rPr lang="en-US" dirty="0" smtClean="0"/>
+              <a:t>update()</a:t>
+            </a:r>
+          </a:p>
+          <a:p>
+            <a:pPr lvl="1"/>
+            <a:r>
+              <a:rPr lang="en-US" dirty="0" smtClean="0"/>
+              <a:t>requires the properties of the existing document</a:t>
+            </a:r>
+          </a:p>
+          <a:p>
+            <a:pPr lvl="1"/>
+            <a:r>
+              <a:rPr lang="en-US" dirty="0" smtClean="0"/>
+              <a:t>requires the existing revision ID</a:t>
+            </a:r>
+          </a:p>
+          <a:p>
+            <a:pPr lvl="1"/>
+            <a:r>
+              <a:rPr lang="en-US" dirty="0" smtClean="0"/>
+              <a:t>fails if the current revision ID is different to the one you provide</a:t>
+            </a:r>
+            <a:endParaRPr lang="en-US" dirty="0"/>
+          </a:p>
+        </p:txBody>
+      </p:sp>
+      <p:sp>
+        <p:nvSpPr>
+          <p:cNvPr id="4" name="Slide Number Placeholder 3"/>
+          <p:cNvSpPr>
+            <a:spLocks noGrp="1"/>
+          </p:cNvSpPr>
+          <p:nvPr>
+            <p:ph type="sldNum" sz="quarter" idx="12"/>
+          </p:nvPr>
+        </p:nvSpPr>
+        <p:spPr/>
+        <p:txBody>
+          <a:bodyPr/>
+          <a:lstStyle/>
+          <a:p>
+            <a:fld id="{E728A94C-44F1-DF43-8BD8-694E750DEF33}" type="slidenum">
+              <a:rPr lang="en-US" smtClean="0"/>
+              <a:t>58</a:t>
             </a:fld>
             <a:endParaRPr lang="en-US"/>
           </a:p>
@@ -10360,7 +13136,7 @@
 </p:sld>
 </file>
 
-<file path=ppt/slides/slide38.xml><?xml version="1.0" encoding="utf-8"?>
+<file path=ppt/slides/slide59.xml><?xml version="1.0" encoding="utf-8"?>
 <p:sld xmlns:a="http://schemas.openxmlformats.org/drawingml/2006/main" xmlns:r="http://schemas.openxmlformats.org/officeDocument/2006/relationships" xmlns:p="http://schemas.openxmlformats.org/presentationml/2006/main">
   <p:cSld>
     <p:spTree>
@@ -10394,7 +13170,7 @@
           <a:p>
             <a:r>
               <a:rPr lang="en-US" dirty="0" smtClean="0"/>
-              <a:t>Tables</a:t>
+              <a:t>The test</a:t>
             </a:r>
             <a:endParaRPr lang="en-US" dirty="0"/>
           </a:p>
@@ -10402,7 +13178,7 @@
       </p:sp>
       <p:sp>
         <p:nvSpPr>
-          <p:cNvPr id="3" name="Slide Number Placeholder 2"/>
+          <p:cNvPr id="4" name="Slide Number Placeholder 3"/>
           <p:cNvSpPr>
             <a:spLocks noGrp="1"/>
           </p:cNvSpPr>
@@ -10417,7 +13193,1873 @@
           <a:p>
             <a:fld id="{E728A94C-44F1-DF43-8BD8-694E750DEF33}" type="slidenum">
               <a:rPr lang="en-US" smtClean="0"/>
-              <a:t>38</a:t>
+              <a:t>59</a:t>
+            </a:fld>
+            <a:endParaRPr lang="en-US"/>
+          </a:p>
+        </p:txBody>
+      </p:sp>
+      <p:sp>
+        <p:nvSpPr>
+          <p:cNvPr id="5" name="Content Placeholder 4"/>
+          <p:cNvSpPr>
+            <a:spLocks noGrp="1"/>
+          </p:cNvSpPr>
+          <p:nvPr>
+            <p:ph idx="1"/>
+          </p:nvPr>
+        </p:nvSpPr>
+        <p:spPr/>
+        <p:txBody>
+          <a:bodyPr/>
+          <a:lstStyle/>
+          <a:p>
+            <a:endParaRPr lang="en-US"/>
+          </a:p>
+        </p:txBody>
+      </p:sp>
+      <p:pic>
+        <p:nvPicPr>
+          <p:cNvPr id="6" name="Content Placeholder 5" descr="Screen Shot 2014-11-05 at 16.39.59.png"/>
+          <p:cNvPicPr>
+            <a:picLocks noChangeAspect="1"/>
+          </p:cNvPicPr>
+          <p:nvPr/>
+        </p:nvPicPr>
+        <p:blipFill>
+          <a:blip r:embed="rId2">
+            <a:extLst>
+              <a:ext uri="{28A0092B-C50C-407E-A947-70E740481C1C}">
+                <a14:useLocalDpi xmlns:a14="http://schemas.microsoft.com/office/drawing/2010/main" val="0"/>
+              </a:ext>
+            </a:extLst>
+          </a:blip>
+          <a:srcRect t="-20027" b="-20027"/>
+          <a:stretch>
+            <a:fillRect/>
+          </a:stretch>
+        </p:blipFill>
+        <p:spPr>
+          <a:xfrm>
+            <a:off x="390914" y="554001"/>
+            <a:ext cx="8074025" cy="4373563"/>
+          </a:xfrm>
+          <a:prstGeom prst="rect">
+            <a:avLst/>
+          </a:prstGeom>
+        </p:spPr>
+      </p:pic>
+    </p:spTree>
+    <p:extLst>
+      <p:ext uri="{BB962C8B-B14F-4D97-AF65-F5344CB8AC3E}">
+        <p14:creationId xmlns:p14="http://schemas.microsoft.com/office/powerpoint/2010/main" val="3166365614"/>
+      </p:ext>
+    </p:extLst>
+  </p:cSld>
+  <p:clrMapOvr>
+    <a:masterClrMapping/>
+  </p:clrMapOvr>
+  <p:timing>
+    <p:tnLst>
+      <p:par>
+        <p:cTn xmlns:p14="http://schemas.microsoft.com/office/powerpoint/2010/main" id="1" dur="indefinite" restart="never" nodeType="tmRoot"/>
+      </p:par>
+    </p:tnLst>
+  </p:timing>
+</p:sld>
+</file>
+
+<file path=ppt/slides/slide6.xml><?xml version="1.0" encoding="utf-8"?>
+<p:sld xmlns:a="http://schemas.openxmlformats.org/drawingml/2006/main" xmlns:r="http://schemas.openxmlformats.org/officeDocument/2006/relationships" xmlns:p="http://schemas.openxmlformats.org/presentationml/2006/main">
+  <p:cSld>
+    <p:spTree>
+      <p:nvGrpSpPr>
+        <p:cNvPr id="1" name=""/>
+        <p:cNvGrpSpPr/>
+        <p:nvPr/>
+      </p:nvGrpSpPr>
+      <p:grpSpPr>
+        <a:xfrm>
+          <a:off x="0" y="0"/>
+          <a:ext cx="0" cy="0"/>
+          <a:chOff x="0" y="0"/>
+          <a:chExt cx="0" cy="0"/>
+        </a:xfrm>
+      </p:grpSpPr>
+      <p:sp>
+        <p:nvSpPr>
+          <p:cNvPr id="2" name="Title 1"/>
+          <p:cNvSpPr>
+            <a:spLocks noGrp="1"/>
+          </p:cNvSpPr>
+          <p:nvPr>
+            <p:ph type="title"/>
+          </p:nvPr>
+        </p:nvSpPr>
+        <p:spPr/>
+        <p:txBody>
+          <a:bodyPr/>
+          <a:lstStyle/>
+          <a:p>
+            <a:r>
+              <a:rPr lang="en-US" dirty="0" smtClean="0"/>
+              <a:t>Sync Gateway</a:t>
+            </a:r>
+            <a:endParaRPr lang="en-US" dirty="0"/>
+          </a:p>
+        </p:txBody>
+      </p:sp>
+      <p:sp>
+        <p:nvSpPr>
+          <p:cNvPr id="3" name="Content Placeholder 2"/>
+          <p:cNvSpPr>
+            <a:spLocks noGrp="1"/>
+          </p:cNvSpPr>
+          <p:nvPr>
+            <p:ph idx="1"/>
+          </p:nvPr>
+        </p:nvSpPr>
+        <p:spPr/>
+        <p:txBody>
+          <a:bodyPr/>
+          <a:lstStyle/>
+          <a:p>
+            <a:r>
+              <a:rPr lang="en-US" sz="2000" b="1" dirty="0" smtClean="0"/>
+              <a:t>Lives in the data </a:t>
+            </a:r>
+            <a:r>
+              <a:rPr lang="en-US" sz="2000" b="1" dirty="0" err="1" smtClean="0"/>
+              <a:t>centre</a:t>
+            </a:r>
+            <a:r>
+              <a:rPr lang="en-US" sz="2000" b="1" dirty="0"/>
+              <a:t> </a:t>
+            </a:r>
+            <a:r>
+              <a:rPr lang="en-US" sz="2000" b="1" dirty="0" smtClean="0"/>
+              <a:t>or cloud environment</a:t>
+            </a:r>
+          </a:p>
+          <a:p>
+            <a:endParaRPr lang="en-US" sz="2000" b="1" dirty="0"/>
+          </a:p>
+          <a:p>
+            <a:r>
+              <a:rPr lang="en-US" sz="2000" b="1" dirty="0" smtClean="0"/>
+              <a:t>Uses a Couchbase Server bucket to persist data from Couchbase Lite devices</a:t>
+            </a:r>
+          </a:p>
+          <a:p>
+            <a:endParaRPr lang="en-US" sz="2000" b="1" dirty="0"/>
+          </a:p>
+          <a:p>
+            <a:r>
+              <a:rPr lang="en-US" sz="2000" b="1" dirty="0" smtClean="0"/>
+              <a:t>HTTP listener that provides a passive replication end point</a:t>
+            </a:r>
+          </a:p>
+        </p:txBody>
+      </p:sp>
+      <p:sp>
+        <p:nvSpPr>
+          <p:cNvPr id="4" name="Slide Number Placeholder 3"/>
+          <p:cNvSpPr>
+            <a:spLocks noGrp="1"/>
+          </p:cNvSpPr>
+          <p:nvPr>
+            <p:ph type="sldNum" sz="quarter" idx="12"/>
+          </p:nvPr>
+        </p:nvSpPr>
+        <p:spPr/>
+        <p:txBody>
+          <a:bodyPr/>
+          <a:lstStyle/>
+          <a:p>
+            <a:fld id="{E728A94C-44F1-DF43-8BD8-694E750DEF33}" type="slidenum">
+              <a:rPr lang="en-US" smtClean="0"/>
+              <a:t>6</a:t>
+            </a:fld>
+            <a:endParaRPr lang="en-US"/>
+          </a:p>
+        </p:txBody>
+      </p:sp>
+    </p:spTree>
+    <p:extLst>
+      <p:ext uri="{BB962C8B-B14F-4D97-AF65-F5344CB8AC3E}">
+        <p14:creationId xmlns:p14="http://schemas.microsoft.com/office/powerpoint/2010/main" val="406388178"/>
+      </p:ext>
+    </p:extLst>
+  </p:cSld>
+  <p:clrMapOvr>
+    <a:masterClrMapping/>
+  </p:clrMapOvr>
+  <p:timing>
+    <p:tnLst>
+      <p:par>
+        <p:cTn xmlns:p14="http://schemas.microsoft.com/office/powerpoint/2010/main" id="1" dur="indefinite" restart="never" nodeType="tmRoot"/>
+      </p:par>
+    </p:tnLst>
+  </p:timing>
+</p:sld>
+</file>
+
+<file path=ppt/slides/slide60.xml><?xml version="1.0" encoding="utf-8"?>
+<p:sld xmlns:a="http://schemas.openxmlformats.org/drawingml/2006/main" xmlns:r="http://schemas.openxmlformats.org/officeDocument/2006/relationships" xmlns:p="http://schemas.openxmlformats.org/presentationml/2006/main">
+  <p:cSld>
+    <p:spTree>
+      <p:nvGrpSpPr>
+        <p:cNvPr id="1" name=""/>
+        <p:cNvGrpSpPr/>
+        <p:nvPr/>
+      </p:nvGrpSpPr>
+      <p:grpSpPr>
+        <a:xfrm>
+          <a:off x="0" y="0"/>
+          <a:ext cx="0" cy="0"/>
+          <a:chOff x="0" y="0"/>
+          <a:chExt cx="0" cy="0"/>
+        </a:xfrm>
+      </p:grpSpPr>
+      <p:pic>
+        <p:nvPicPr>
+          <p:cNvPr id="7" name="Content Placeholder 3" descr="Screen Shot 2014-11-05 at 16.40.38.png"/>
+          <p:cNvPicPr>
+            <a:picLocks noChangeAspect="1"/>
+          </p:cNvPicPr>
+          <p:nvPr/>
+        </p:nvPicPr>
+        <p:blipFill>
+          <a:blip r:embed="rId2">
+            <a:extLst>
+              <a:ext uri="{28A0092B-C50C-407E-A947-70E740481C1C}">
+                <a14:useLocalDpi xmlns:a14="http://schemas.microsoft.com/office/drawing/2010/main" val="0"/>
+              </a:ext>
+            </a:extLst>
+          </a:blip>
+          <a:srcRect t="-60350" b="-60350"/>
+          <a:stretch>
+            <a:fillRect/>
+          </a:stretch>
+        </p:blipFill>
+        <p:spPr>
+          <a:xfrm>
+            <a:off x="466344" y="18288"/>
+            <a:ext cx="8074025" cy="4373563"/>
+          </a:xfrm>
+          <a:prstGeom prst="rect">
+            <a:avLst/>
+          </a:prstGeom>
+        </p:spPr>
+      </p:pic>
+      <p:sp>
+        <p:nvSpPr>
+          <p:cNvPr id="2" name="Title 1"/>
+          <p:cNvSpPr>
+            <a:spLocks noGrp="1"/>
+          </p:cNvSpPr>
+          <p:nvPr>
+            <p:ph type="title"/>
+          </p:nvPr>
+        </p:nvSpPr>
+        <p:spPr/>
+        <p:txBody>
+          <a:bodyPr/>
+          <a:lstStyle/>
+          <a:p>
+            <a:r>
+              <a:rPr lang="en-US" dirty="0" smtClean="0"/>
+              <a:t>Remember this?</a:t>
+            </a:r>
+            <a:endParaRPr lang="en-US" dirty="0"/>
+          </a:p>
+        </p:txBody>
+      </p:sp>
+      <p:sp>
+        <p:nvSpPr>
+          <p:cNvPr id="4" name="Slide Number Placeholder 3"/>
+          <p:cNvSpPr>
+            <a:spLocks noGrp="1"/>
+          </p:cNvSpPr>
+          <p:nvPr>
+            <p:ph type="sldNum" sz="quarter" idx="12"/>
+          </p:nvPr>
+        </p:nvSpPr>
+        <p:spPr/>
+        <p:txBody>
+          <a:bodyPr/>
+          <a:lstStyle/>
+          <a:p>
+            <a:fld id="{E728A94C-44F1-DF43-8BD8-694E750DEF33}" type="slidenum">
+              <a:rPr lang="en-US" smtClean="0"/>
+              <a:t>60</a:t>
+            </a:fld>
+            <a:endParaRPr lang="en-US"/>
+          </a:p>
+        </p:txBody>
+      </p:sp>
+      <p:sp>
+        <p:nvSpPr>
+          <p:cNvPr id="5" name="Content Placeholder 4"/>
+          <p:cNvSpPr>
+            <a:spLocks noGrp="1"/>
+          </p:cNvSpPr>
+          <p:nvPr>
+            <p:ph idx="1"/>
+          </p:nvPr>
+        </p:nvSpPr>
+        <p:spPr/>
+        <p:txBody>
+          <a:bodyPr/>
+          <a:lstStyle/>
+          <a:p>
+            <a:endParaRPr lang="en-US" dirty="0"/>
+          </a:p>
+        </p:txBody>
+      </p:sp>
+    </p:spTree>
+    <p:extLst>
+      <p:ext uri="{BB962C8B-B14F-4D97-AF65-F5344CB8AC3E}">
+        <p14:creationId xmlns:p14="http://schemas.microsoft.com/office/powerpoint/2010/main" val="1226304501"/>
+      </p:ext>
+    </p:extLst>
+  </p:cSld>
+  <p:clrMapOvr>
+    <a:masterClrMapping/>
+  </p:clrMapOvr>
+  <p:timing>
+    <p:tnLst>
+      <p:par>
+        <p:cTn xmlns:p14="http://schemas.microsoft.com/office/powerpoint/2010/main" id="1" dur="indefinite" restart="never" nodeType="tmRoot"/>
+      </p:par>
+    </p:tnLst>
+  </p:timing>
+</p:sld>
+</file>
+
+<file path=ppt/slides/slide61.xml><?xml version="1.0" encoding="utf-8"?>
+<p:sld xmlns:a="http://schemas.openxmlformats.org/drawingml/2006/main" xmlns:r="http://schemas.openxmlformats.org/officeDocument/2006/relationships" xmlns:p="http://schemas.openxmlformats.org/presentationml/2006/main">
+  <p:cSld>
+    <p:spTree>
+      <p:nvGrpSpPr>
+        <p:cNvPr id="1" name=""/>
+        <p:cNvGrpSpPr/>
+        <p:nvPr/>
+      </p:nvGrpSpPr>
+      <p:grpSpPr>
+        <a:xfrm>
+          <a:off x="0" y="0"/>
+          <a:ext cx="0" cy="0"/>
+          <a:chOff x="0" y="0"/>
+          <a:chExt cx="0" cy="0"/>
+        </a:xfrm>
+      </p:grpSpPr>
+      <p:sp>
+        <p:nvSpPr>
+          <p:cNvPr id="2" name="Title 1"/>
+          <p:cNvSpPr>
+            <a:spLocks noGrp="1"/>
+          </p:cNvSpPr>
+          <p:nvPr>
+            <p:ph type="title"/>
+          </p:nvPr>
+        </p:nvSpPr>
+        <p:spPr/>
+        <p:txBody>
+          <a:bodyPr/>
+          <a:lstStyle/>
+          <a:p>
+            <a:r>
+              <a:rPr lang="en-US" dirty="0" smtClean="0"/>
+              <a:t>And this?</a:t>
+            </a:r>
+            <a:endParaRPr lang="en-US" dirty="0"/>
+          </a:p>
+        </p:txBody>
+      </p:sp>
+      <p:sp>
+        <p:nvSpPr>
+          <p:cNvPr id="4" name="Slide Number Placeholder 3"/>
+          <p:cNvSpPr>
+            <a:spLocks noGrp="1"/>
+          </p:cNvSpPr>
+          <p:nvPr>
+            <p:ph type="sldNum" sz="quarter" idx="12"/>
+          </p:nvPr>
+        </p:nvSpPr>
+        <p:spPr/>
+        <p:txBody>
+          <a:bodyPr/>
+          <a:lstStyle/>
+          <a:p>
+            <a:fld id="{E728A94C-44F1-DF43-8BD8-694E750DEF33}" type="slidenum">
+              <a:rPr lang="en-US" smtClean="0"/>
+              <a:t>61</a:t>
+            </a:fld>
+            <a:endParaRPr lang="en-US"/>
+          </a:p>
+        </p:txBody>
+      </p:sp>
+      <p:pic>
+        <p:nvPicPr>
+          <p:cNvPr id="3" name="Picture 2" descr="Screen Shot 2014-11-24 at 16.37.30.png"/>
+          <p:cNvPicPr>
+            <a:picLocks noChangeAspect="1"/>
+          </p:cNvPicPr>
+          <p:nvPr/>
+        </p:nvPicPr>
+        <p:blipFill>
+          <a:blip r:embed="rId2">
+            <a:extLst>
+              <a:ext uri="{28A0092B-C50C-407E-A947-70E740481C1C}">
+                <a14:useLocalDpi xmlns:a14="http://schemas.microsoft.com/office/drawing/2010/main" val="0"/>
+              </a:ext>
+            </a:extLst>
+          </a:blip>
+          <a:stretch>
+            <a:fillRect/>
+          </a:stretch>
+        </p:blipFill>
+        <p:spPr>
+          <a:xfrm>
+            <a:off x="2493494" y="1348320"/>
+            <a:ext cx="4212798" cy="3254900"/>
+          </a:xfrm>
+          <a:prstGeom prst="rect">
+            <a:avLst/>
+          </a:prstGeom>
+        </p:spPr>
+      </p:pic>
+    </p:spTree>
+    <p:extLst>
+      <p:ext uri="{BB962C8B-B14F-4D97-AF65-F5344CB8AC3E}">
+        <p14:creationId xmlns:p14="http://schemas.microsoft.com/office/powerpoint/2010/main" val="616132822"/>
+      </p:ext>
+    </p:extLst>
+  </p:cSld>
+  <p:clrMapOvr>
+    <a:masterClrMapping/>
+  </p:clrMapOvr>
+  <p:timing>
+    <p:tnLst>
+      <p:par>
+        <p:cTn xmlns:p14="http://schemas.microsoft.com/office/powerpoint/2010/main" id="1" dur="indefinite" restart="never" nodeType="tmRoot"/>
+      </p:par>
+    </p:tnLst>
+  </p:timing>
+</p:sld>
+</file>
+
+<file path=ppt/slides/slide62.xml><?xml version="1.0" encoding="utf-8"?>
+<p:sld xmlns:a="http://schemas.openxmlformats.org/drawingml/2006/main" xmlns:r="http://schemas.openxmlformats.org/officeDocument/2006/relationships" xmlns:p="http://schemas.openxmlformats.org/presentationml/2006/main">
+  <p:cSld>
+    <p:spTree>
+      <p:nvGrpSpPr>
+        <p:cNvPr id="1" name=""/>
+        <p:cNvGrpSpPr/>
+        <p:nvPr/>
+      </p:nvGrpSpPr>
+      <p:grpSpPr>
+        <a:xfrm>
+          <a:off x="0" y="0"/>
+          <a:ext cx="0" cy="0"/>
+          <a:chOff x="0" y="0"/>
+          <a:chExt cx="0" cy="0"/>
+        </a:xfrm>
+      </p:grpSpPr>
+      <p:sp>
+        <p:nvSpPr>
+          <p:cNvPr id="2" name="Title 1"/>
+          <p:cNvSpPr>
+            <a:spLocks noGrp="1"/>
+          </p:cNvSpPr>
+          <p:nvPr>
+            <p:ph type="ctrTitle"/>
+          </p:nvPr>
+        </p:nvSpPr>
+        <p:spPr/>
+        <p:txBody>
+          <a:bodyPr/>
+          <a:lstStyle/>
+          <a:p>
+            <a:r>
+              <a:rPr lang="en-US" dirty="0" smtClean="0"/>
+              <a:t>Syncing</a:t>
+            </a:r>
+            <a:endParaRPr lang="en-US" dirty="0"/>
+          </a:p>
+        </p:txBody>
+      </p:sp>
+      <p:sp>
+        <p:nvSpPr>
+          <p:cNvPr id="4" name="Subtitle 3"/>
+          <p:cNvSpPr>
+            <a:spLocks noGrp="1"/>
+          </p:cNvSpPr>
+          <p:nvPr>
+            <p:ph type="subTitle" idx="1"/>
+          </p:nvPr>
+        </p:nvSpPr>
+        <p:spPr/>
+        <p:txBody>
+          <a:bodyPr/>
+          <a:lstStyle/>
+          <a:p>
+            <a:endParaRPr lang="en-US" dirty="0"/>
+          </a:p>
+        </p:txBody>
+      </p:sp>
+    </p:spTree>
+    <p:extLst>
+      <p:ext uri="{BB962C8B-B14F-4D97-AF65-F5344CB8AC3E}">
+        <p14:creationId xmlns:p14="http://schemas.microsoft.com/office/powerpoint/2010/main" val="3864119214"/>
+      </p:ext>
+    </p:extLst>
+  </p:cSld>
+  <p:clrMapOvr>
+    <a:masterClrMapping/>
+  </p:clrMapOvr>
+  <p:timing>
+    <p:tnLst>
+      <p:par>
+        <p:cTn xmlns:p14="http://schemas.microsoft.com/office/powerpoint/2010/main" id="1" dur="indefinite" restart="never" nodeType="tmRoot"/>
+      </p:par>
+    </p:tnLst>
+  </p:timing>
+</p:sld>
+</file>
+
+<file path=ppt/slides/slide63.xml><?xml version="1.0" encoding="utf-8"?>
+<p:sld xmlns:a="http://schemas.openxmlformats.org/drawingml/2006/main" xmlns:r="http://schemas.openxmlformats.org/officeDocument/2006/relationships" xmlns:p="http://schemas.openxmlformats.org/presentationml/2006/main">
+  <p:cSld>
+    <p:spTree>
+      <p:nvGrpSpPr>
+        <p:cNvPr id="1" name=""/>
+        <p:cNvGrpSpPr/>
+        <p:nvPr/>
+      </p:nvGrpSpPr>
+      <p:grpSpPr>
+        <a:xfrm>
+          <a:off x="0" y="0"/>
+          <a:ext cx="0" cy="0"/>
+          <a:chOff x="0" y="0"/>
+          <a:chExt cx="0" cy="0"/>
+        </a:xfrm>
+      </p:grpSpPr>
+      <p:sp>
+        <p:nvSpPr>
+          <p:cNvPr id="2" name="Title 1"/>
+          <p:cNvSpPr>
+            <a:spLocks noGrp="1"/>
+          </p:cNvSpPr>
+          <p:nvPr>
+            <p:ph type="title"/>
+          </p:nvPr>
+        </p:nvSpPr>
+        <p:spPr/>
+        <p:txBody>
+          <a:bodyPr/>
+          <a:lstStyle/>
+          <a:p>
+            <a:r>
+              <a:rPr lang="en-US" dirty="0" smtClean="0"/>
+              <a:t>Set-up for syncing</a:t>
+            </a:r>
+            <a:endParaRPr lang="en-US" dirty="0"/>
+          </a:p>
+        </p:txBody>
+      </p:sp>
+      <p:sp>
+        <p:nvSpPr>
+          <p:cNvPr id="3" name="Content Placeholder 2"/>
+          <p:cNvSpPr>
+            <a:spLocks noGrp="1"/>
+          </p:cNvSpPr>
+          <p:nvPr>
+            <p:ph idx="1"/>
+          </p:nvPr>
+        </p:nvSpPr>
+        <p:spPr/>
+        <p:txBody>
+          <a:bodyPr/>
+          <a:lstStyle/>
+          <a:p>
+            <a:r>
+              <a:rPr lang="en-US" sz="1800" dirty="0" smtClean="0"/>
+              <a:t>Replication runs asynchronously</a:t>
+            </a:r>
+          </a:p>
+          <a:p>
+            <a:endParaRPr lang="en-US" sz="1800" dirty="0"/>
+          </a:p>
+          <a:p>
+            <a:r>
+              <a:rPr lang="en-US" sz="1800" dirty="0" smtClean="0"/>
+              <a:t>Replicate with </a:t>
+            </a:r>
+            <a:r>
+              <a:rPr lang="en-US" sz="1800" dirty="0" err="1" smtClean="0"/>
+              <a:t>SyncGateway</a:t>
+            </a:r>
+            <a:r>
+              <a:rPr lang="en-US" sz="1800" dirty="0" smtClean="0"/>
+              <a:t> or with peers</a:t>
+            </a:r>
+          </a:p>
+          <a:p>
+            <a:endParaRPr lang="en-US" sz="1800" dirty="0" smtClean="0"/>
+          </a:p>
+          <a:p>
+            <a:r>
+              <a:rPr lang="en-US" sz="1800" dirty="0" smtClean="0"/>
+              <a:t>At launch time, create:</a:t>
+            </a:r>
+          </a:p>
+          <a:p>
+            <a:pPr lvl="1"/>
+            <a:r>
+              <a:rPr lang="en-US" sz="1800" dirty="0" smtClean="0"/>
+              <a:t>a push sync and associated listener</a:t>
+            </a:r>
+          </a:p>
+          <a:p>
+            <a:pPr lvl="1"/>
+            <a:r>
+              <a:rPr lang="en-US" sz="1800" dirty="0" smtClean="0"/>
+              <a:t>a pull sync and associated listener</a:t>
+            </a:r>
+            <a:endParaRPr lang="en-US" sz="1800" dirty="0"/>
+          </a:p>
+          <a:p>
+            <a:pPr lvl="1"/>
+            <a:endParaRPr lang="en-US" sz="1800" dirty="0" smtClean="0"/>
+          </a:p>
+          <a:p>
+            <a:r>
+              <a:rPr lang="en-US" sz="1800" dirty="0" smtClean="0"/>
+              <a:t>Types of replication:</a:t>
+            </a:r>
+          </a:p>
+          <a:p>
+            <a:pPr lvl="1"/>
+            <a:r>
+              <a:rPr lang="en-US" sz="1800" dirty="0" smtClean="0"/>
+              <a:t>Push, pull or both</a:t>
+            </a:r>
+          </a:p>
+          <a:p>
+            <a:pPr lvl="1"/>
+            <a:r>
+              <a:rPr lang="en-US" sz="1800" dirty="0" smtClean="0"/>
+              <a:t>One-shot or continuous: usually you want continuous</a:t>
+            </a:r>
+          </a:p>
+          <a:p>
+            <a:pPr lvl="1"/>
+            <a:r>
+              <a:rPr lang="en-US" sz="1800" dirty="0" smtClean="0"/>
+              <a:t>Everything or filtered</a:t>
+            </a:r>
+            <a:endParaRPr lang="en-US" sz="1800" dirty="0" smtClean="0"/>
+          </a:p>
+        </p:txBody>
+      </p:sp>
+      <p:sp>
+        <p:nvSpPr>
+          <p:cNvPr id="4" name="Slide Number Placeholder 3"/>
+          <p:cNvSpPr>
+            <a:spLocks noGrp="1"/>
+          </p:cNvSpPr>
+          <p:nvPr>
+            <p:ph type="sldNum" sz="quarter" idx="12"/>
+          </p:nvPr>
+        </p:nvSpPr>
+        <p:spPr/>
+        <p:txBody>
+          <a:bodyPr/>
+          <a:lstStyle/>
+          <a:p>
+            <a:fld id="{E728A94C-44F1-DF43-8BD8-694E750DEF33}" type="slidenum">
+              <a:rPr lang="en-US" smtClean="0"/>
+              <a:t>63</a:t>
+            </a:fld>
+            <a:endParaRPr lang="en-US"/>
+          </a:p>
+        </p:txBody>
+      </p:sp>
+    </p:spTree>
+    <p:extLst>
+      <p:ext uri="{BB962C8B-B14F-4D97-AF65-F5344CB8AC3E}">
+        <p14:creationId xmlns:p14="http://schemas.microsoft.com/office/powerpoint/2010/main" val="500898072"/>
+      </p:ext>
+    </p:extLst>
+  </p:cSld>
+  <p:clrMapOvr>
+    <a:masterClrMapping/>
+  </p:clrMapOvr>
+  <p:timing>
+    <p:tnLst>
+      <p:par>
+        <p:cTn xmlns:p14="http://schemas.microsoft.com/office/powerpoint/2010/main" id="1" dur="indefinite" restart="never" nodeType="tmRoot"/>
+      </p:par>
+    </p:tnLst>
+  </p:timing>
+</p:sld>
+</file>
+
+<file path=ppt/slides/slide64.xml><?xml version="1.0" encoding="utf-8"?>
+<p:sld xmlns:a="http://schemas.openxmlformats.org/drawingml/2006/main" xmlns:r="http://schemas.openxmlformats.org/officeDocument/2006/relationships" xmlns:p="http://schemas.openxmlformats.org/presentationml/2006/main">
+  <p:cSld>
+    <p:spTree>
+      <p:nvGrpSpPr>
+        <p:cNvPr id="1" name=""/>
+        <p:cNvGrpSpPr/>
+        <p:nvPr/>
+      </p:nvGrpSpPr>
+      <p:grpSpPr>
+        <a:xfrm>
+          <a:off x="0" y="0"/>
+          <a:ext cx="0" cy="0"/>
+          <a:chOff x="0" y="0"/>
+          <a:chExt cx="0" cy="0"/>
+        </a:xfrm>
+      </p:grpSpPr>
+      <p:sp>
+        <p:nvSpPr>
+          <p:cNvPr id="2" name="Title 1"/>
+          <p:cNvSpPr>
+            <a:spLocks noGrp="1"/>
+          </p:cNvSpPr>
+          <p:nvPr>
+            <p:ph type="title"/>
+          </p:nvPr>
+        </p:nvSpPr>
+        <p:spPr/>
+        <p:txBody>
+          <a:bodyPr/>
+          <a:lstStyle/>
+          <a:p>
+            <a:r>
+              <a:rPr lang="en-US" dirty="0" smtClean="0"/>
+              <a:t>Filtering and authentication</a:t>
+            </a:r>
+            <a:endParaRPr lang="en-US" dirty="0"/>
+          </a:p>
+        </p:txBody>
+      </p:sp>
+      <p:sp>
+        <p:nvSpPr>
+          <p:cNvPr id="3" name="Content Placeholder 2"/>
+          <p:cNvSpPr>
+            <a:spLocks noGrp="1"/>
+          </p:cNvSpPr>
+          <p:nvPr>
+            <p:ph idx="1"/>
+          </p:nvPr>
+        </p:nvSpPr>
+        <p:spPr/>
+        <p:txBody>
+          <a:bodyPr/>
+          <a:lstStyle/>
+          <a:p>
+            <a:r>
+              <a:rPr lang="en-US" dirty="0" smtClean="0"/>
+              <a:t>Pulls to the device are filtered according to channel</a:t>
+            </a:r>
+          </a:p>
+          <a:p>
+            <a:endParaRPr lang="en-US" dirty="0"/>
+          </a:p>
+          <a:p>
+            <a:r>
+              <a:rPr lang="en-US" dirty="0" smtClean="0"/>
+              <a:t>Pushes from the device are optionally passed through your filter function</a:t>
+            </a:r>
+          </a:p>
+          <a:p>
+            <a:endParaRPr lang="en-US" dirty="0"/>
+          </a:p>
+          <a:p>
+            <a:r>
+              <a:rPr lang="en-US" dirty="0" smtClean="0"/>
+              <a:t>Authentication for production environments:</a:t>
+            </a:r>
+          </a:p>
+          <a:p>
+            <a:pPr lvl="1"/>
+            <a:r>
+              <a:rPr lang="en-US" dirty="0" smtClean="0"/>
+              <a:t>HTTP </a:t>
+            </a:r>
+            <a:r>
+              <a:rPr lang="en-US" dirty="0" err="1" smtClean="0"/>
+              <a:t>auth</a:t>
+            </a:r>
+            <a:endParaRPr lang="en-US" dirty="0" smtClean="0"/>
+          </a:p>
+          <a:p>
+            <a:pPr lvl="1"/>
+            <a:r>
+              <a:rPr lang="en-US" dirty="0" smtClean="0"/>
+              <a:t>Facebook and Persona</a:t>
+            </a:r>
+          </a:p>
+          <a:p>
+            <a:pPr lvl="1"/>
+            <a:r>
+              <a:rPr lang="en-US" dirty="0" smtClean="0"/>
+              <a:t>Custom</a:t>
+            </a:r>
+            <a:endParaRPr lang="en-US" dirty="0" smtClean="0"/>
+          </a:p>
+          <a:p>
+            <a:endParaRPr lang="en-US" dirty="0"/>
+          </a:p>
+          <a:p>
+            <a:endParaRPr lang="en-US" dirty="0" smtClean="0"/>
+          </a:p>
+        </p:txBody>
+      </p:sp>
+      <p:sp>
+        <p:nvSpPr>
+          <p:cNvPr id="4" name="Slide Number Placeholder 3"/>
+          <p:cNvSpPr>
+            <a:spLocks noGrp="1"/>
+          </p:cNvSpPr>
+          <p:nvPr>
+            <p:ph type="sldNum" sz="quarter" idx="12"/>
+          </p:nvPr>
+        </p:nvSpPr>
+        <p:spPr/>
+        <p:txBody>
+          <a:bodyPr/>
+          <a:lstStyle/>
+          <a:p>
+            <a:fld id="{E728A94C-44F1-DF43-8BD8-694E750DEF33}" type="slidenum">
+              <a:rPr lang="en-US" smtClean="0"/>
+              <a:t>64</a:t>
+            </a:fld>
+            <a:endParaRPr lang="en-US"/>
+          </a:p>
+        </p:txBody>
+      </p:sp>
+    </p:spTree>
+    <p:extLst>
+      <p:ext uri="{BB962C8B-B14F-4D97-AF65-F5344CB8AC3E}">
+        <p14:creationId xmlns:p14="http://schemas.microsoft.com/office/powerpoint/2010/main" val="2774218044"/>
+      </p:ext>
+    </p:extLst>
+  </p:cSld>
+  <p:clrMapOvr>
+    <a:masterClrMapping/>
+  </p:clrMapOvr>
+  <p:timing>
+    <p:tnLst>
+      <p:par>
+        <p:cTn xmlns:p14="http://schemas.microsoft.com/office/powerpoint/2010/main" id="1" dur="indefinite" restart="never" nodeType="tmRoot"/>
+      </p:par>
+    </p:tnLst>
+  </p:timing>
+</p:sld>
+</file>
+
+<file path=ppt/slides/slide65.xml><?xml version="1.0" encoding="utf-8"?>
+<p:sld xmlns:a="http://schemas.openxmlformats.org/drawingml/2006/main" xmlns:r="http://schemas.openxmlformats.org/officeDocument/2006/relationships" xmlns:p="http://schemas.openxmlformats.org/presentationml/2006/main">
+  <p:cSld>
+    <p:spTree>
+      <p:nvGrpSpPr>
+        <p:cNvPr id="1" name=""/>
+        <p:cNvGrpSpPr/>
+        <p:nvPr/>
+      </p:nvGrpSpPr>
+      <p:grpSpPr>
+        <a:xfrm>
+          <a:off x="0" y="0"/>
+          <a:ext cx="0" cy="0"/>
+          <a:chOff x="0" y="0"/>
+          <a:chExt cx="0" cy="0"/>
+        </a:xfrm>
+      </p:grpSpPr>
+      <p:sp>
+        <p:nvSpPr>
+          <p:cNvPr id="2" name="Title 1"/>
+          <p:cNvSpPr>
+            <a:spLocks noGrp="1"/>
+          </p:cNvSpPr>
+          <p:nvPr>
+            <p:ph type="title"/>
+          </p:nvPr>
+        </p:nvSpPr>
+        <p:spPr/>
+        <p:txBody>
+          <a:bodyPr/>
+          <a:lstStyle/>
+          <a:p>
+            <a:r>
+              <a:rPr lang="en-US" dirty="0" err="1" smtClean="0"/>
+              <a:t>Application.setupSync</a:t>
+            </a:r>
+            <a:r>
+              <a:rPr lang="en-US" dirty="0" smtClean="0"/>
+              <a:t>()</a:t>
+            </a:r>
+            <a:endParaRPr lang="en-US" dirty="0"/>
+          </a:p>
+        </p:txBody>
+      </p:sp>
+      <p:sp>
+        <p:nvSpPr>
+          <p:cNvPr id="4" name="Slide Number Placeholder 3"/>
+          <p:cNvSpPr>
+            <a:spLocks noGrp="1"/>
+          </p:cNvSpPr>
+          <p:nvPr>
+            <p:ph type="sldNum" sz="quarter" idx="12"/>
+          </p:nvPr>
+        </p:nvSpPr>
+        <p:spPr/>
+        <p:txBody>
+          <a:bodyPr/>
+          <a:lstStyle/>
+          <a:p>
+            <a:fld id="{E728A94C-44F1-DF43-8BD8-694E750DEF33}" type="slidenum">
+              <a:rPr lang="en-US" smtClean="0"/>
+              <a:t>65</a:t>
+            </a:fld>
+            <a:endParaRPr lang="en-US"/>
+          </a:p>
+        </p:txBody>
+      </p:sp>
+      <p:sp>
+        <p:nvSpPr>
+          <p:cNvPr id="5" name="Content Placeholder 4"/>
+          <p:cNvSpPr>
+            <a:spLocks noGrp="1"/>
+          </p:cNvSpPr>
+          <p:nvPr>
+            <p:ph idx="1"/>
+          </p:nvPr>
+        </p:nvSpPr>
+        <p:spPr/>
+        <p:txBody>
+          <a:bodyPr/>
+          <a:lstStyle/>
+          <a:p>
+            <a:endParaRPr lang="en-US"/>
+          </a:p>
+        </p:txBody>
+      </p:sp>
+      <p:pic>
+        <p:nvPicPr>
+          <p:cNvPr id="6" name="Content Placeholder 3" descr="Screen Shot 2014-11-05 at 16.50.05.png"/>
+          <p:cNvPicPr>
+            <a:picLocks noChangeAspect="1"/>
+          </p:cNvPicPr>
+          <p:nvPr/>
+        </p:nvPicPr>
+        <p:blipFill>
+          <a:blip r:embed="rId2">
+            <a:extLst>
+              <a:ext uri="{28A0092B-C50C-407E-A947-70E740481C1C}">
+                <a14:useLocalDpi xmlns:a14="http://schemas.microsoft.com/office/drawing/2010/main" val="0"/>
+              </a:ext>
+            </a:extLst>
+          </a:blip>
+          <a:srcRect l="-1912" r="-1912"/>
+          <a:stretch>
+            <a:fillRect/>
+          </a:stretch>
+        </p:blipFill>
+        <p:spPr>
+          <a:xfrm>
+            <a:off x="1169137" y="1108802"/>
+            <a:ext cx="6586234" cy="3567652"/>
+          </a:xfrm>
+          <a:prstGeom prst="rect">
+            <a:avLst/>
+          </a:prstGeom>
+        </p:spPr>
+      </p:pic>
+    </p:spTree>
+    <p:extLst>
+      <p:ext uri="{BB962C8B-B14F-4D97-AF65-F5344CB8AC3E}">
+        <p14:creationId xmlns:p14="http://schemas.microsoft.com/office/powerpoint/2010/main" val="2386467639"/>
+      </p:ext>
+    </p:extLst>
+  </p:cSld>
+  <p:clrMapOvr>
+    <a:masterClrMapping/>
+  </p:clrMapOvr>
+  <p:timing>
+    <p:tnLst>
+      <p:par>
+        <p:cTn xmlns:p14="http://schemas.microsoft.com/office/powerpoint/2010/main" id="1" dur="indefinite" restart="never" nodeType="tmRoot"/>
+      </p:par>
+    </p:tnLst>
+  </p:timing>
+</p:sld>
+</file>
+
+<file path=ppt/slides/slide66.xml><?xml version="1.0" encoding="utf-8"?>
+<p:sld xmlns:a="http://schemas.openxmlformats.org/drawingml/2006/main" xmlns:r="http://schemas.openxmlformats.org/officeDocument/2006/relationships" xmlns:p="http://schemas.openxmlformats.org/presentationml/2006/main">
+  <p:cSld>
+    <p:spTree>
+      <p:nvGrpSpPr>
+        <p:cNvPr id="1" name=""/>
+        <p:cNvGrpSpPr/>
+        <p:nvPr/>
+      </p:nvGrpSpPr>
+      <p:grpSpPr>
+        <a:xfrm>
+          <a:off x="0" y="0"/>
+          <a:ext cx="0" cy="0"/>
+          <a:chOff x="0" y="0"/>
+          <a:chExt cx="0" cy="0"/>
+        </a:xfrm>
+      </p:grpSpPr>
+      <p:sp>
+        <p:nvSpPr>
+          <p:cNvPr id="2" name="Title 1"/>
+          <p:cNvSpPr>
+            <a:spLocks noGrp="1"/>
+          </p:cNvSpPr>
+          <p:nvPr>
+            <p:ph type="title"/>
+          </p:nvPr>
+        </p:nvSpPr>
+        <p:spPr/>
+        <p:txBody>
+          <a:bodyPr/>
+          <a:lstStyle/>
+          <a:p>
+            <a:r>
+              <a:rPr lang="en-US" dirty="0" err="1" smtClean="0"/>
+              <a:t>Application.getReplicationChangeListener</a:t>
+            </a:r>
+            <a:r>
+              <a:rPr lang="en-US" dirty="0" smtClean="0"/>
+              <a:t>()</a:t>
+            </a:r>
+            <a:endParaRPr lang="en-US" dirty="0"/>
+          </a:p>
+        </p:txBody>
+      </p:sp>
+      <p:sp>
+        <p:nvSpPr>
+          <p:cNvPr id="4" name="Slide Number Placeholder 3"/>
+          <p:cNvSpPr>
+            <a:spLocks noGrp="1"/>
+          </p:cNvSpPr>
+          <p:nvPr>
+            <p:ph type="sldNum" sz="quarter" idx="12"/>
+          </p:nvPr>
+        </p:nvSpPr>
+        <p:spPr/>
+        <p:txBody>
+          <a:bodyPr/>
+          <a:lstStyle/>
+          <a:p>
+            <a:fld id="{E728A94C-44F1-DF43-8BD8-694E750DEF33}" type="slidenum">
+              <a:rPr lang="en-US" smtClean="0"/>
+              <a:t>66</a:t>
+            </a:fld>
+            <a:endParaRPr lang="en-US"/>
+          </a:p>
+        </p:txBody>
+      </p:sp>
+      <p:pic>
+        <p:nvPicPr>
+          <p:cNvPr id="3" name="Content Placeholder 2" descr="Screen Shot 2014-11-26 at 14.25.19.png"/>
+          <p:cNvPicPr>
+            <a:picLocks noGrp="1" noChangeAspect="1"/>
+          </p:cNvPicPr>
+          <p:nvPr>
+            <p:ph idx="1"/>
+          </p:nvPr>
+        </p:nvPicPr>
+        <p:blipFill>
+          <a:blip r:embed="rId2">
+            <a:extLst>
+              <a:ext uri="{28A0092B-C50C-407E-A947-70E740481C1C}">
+                <a14:useLocalDpi xmlns:a14="http://schemas.microsoft.com/office/drawing/2010/main" val="0"/>
+              </a:ext>
+            </a:extLst>
+          </a:blip>
+          <a:srcRect t="-25146" b="-25146"/>
+          <a:stretch>
+            <a:fillRect/>
+          </a:stretch>
+        </p:blipFill>
+        <p:spPr/>
+      </p:pic>
+    </p:spTree>
+    <p:extLst>
+      <p:ext uri="{BB962C8B-B14F-4D97-AF65-F5344CB8AC3E}">
+        <p14:creationId xmlns:p14="http://schemas.microsoft.com/office/powerpoint/2010/main" val="3753896508"/>
+      </p:ext>
+    </p:extLst>
+  </p:cSld>
+  <p:clrMapOvr>
+    <a:masterClrMapping/>
+  </p:clrMapOvr>
+  <p:timing>
+    <p:tnLst>
+      <p:par>
+        <p:cTn xmlns:p14="http://schemas.microsoft.com/office/powerpoint/2010/main" id="1" dur="indefinite" restart="never" nodeType="tmRoot"/>
+      </p:par>
+    </p:tnLst>
+  </p:timing>
+</p:sld>
+</file>
+
+<file path=ppt/slides/slide67.xml><?xml version="1.0" encoding="utf-8"?>
+<p:sld xmlns:a="http://schemas.openxmlformats.org/drawingml/2006/main" xmlns:r="http://schemas.openxmlformats.org/officeDocument/2006/relationships" xmlns:p="http://schemas.openxmlformats.org/presentationml/2006/main">
+  <p:cSld>
+    <p:spTree>
+      <p:nvGrpSpPr>
+        <p:cNvPr id="1" name=""/>
+        <p:cNvGrpSpPr/>
+        <p:nvPr/>
+      </p:nvGrpSpPr>
+      <p:grpSpPr>
+        <a:xfrm>
+          <a:off x="0" y="0"/>
+          <a:ext cx="0" cy="0"/>
+          <a:chOff x="0" y="0"/>
+          <a:chExt cx="0" cy="0"/>
+        </a:xfrm>
+      </p:grpSpPr>
+      <p:sp>
+        <p:nvSpPr>
+          <p:cNvPr id="2" name="Title 1"/>
+          <p:cNvSpPr>
+            <a:spLocks noGrp="1"/>
+          </p:cNvSpPr>
+          <p:nvPr>
+            <p:ph type="ctrTitle"/>
+          </p:nvPr>
+        </p:nvSpPr>
+        <p:spPr/>
+        <p:txBody>
+          <a:bodyPr/>
+          <a:lstStyle/>
+          <a:p>
+            <a:r>
+              <a:rPr lang="en-US" dirty="0" smtClean="0"/>
+              <a:t>Now it’s your turn</a:t>
+            </a:r>
+            <a:endParaRPr lang="en-US" dirty="0"/>
+          </a:p>
+        </p:txBody>
+      </p:sp>
+      <p:sp>
+        <p:nvSpPr>
+          <p:cNvPr id="3" name="Subtitle 2"/>
+          <p:cNvSpPr>
+            <a:spLocks noGrp="1"/>
+          </p:cNvSpPr>
+          <p:nvPr>
+            <p:ph type="subTitle" idx="1"/>
+          </p:nvPr>
+        </p:nvSpPr>
+        <p:spPr/>
+        <p:txBody>
+          <a:bodyPr/>
+          <a:lstStyle/>
+          <a:p>
+            <a:r>
+              <a:rPr lang="en-US" dirty="0" smtClean="0"/>
+              <a:t>Get the sync working!</a:t>
+            </a:r>
+            <a:endParaRPr lang="en-US" dirty="0"/>
+          </a:p>
+        </p:txBody>
+      </p:sp>
+    </p:spTree>
+    <p:extLst>
+      <p:ext uri="{BB962C8B-B14F-4D97-AF65-F5344CB8AC3E}">
+        <p14:creationId xmlns:p14="http://schemas.microsoft.com/office/powerpoint/2010/main" val="1213687090"/>
+      </p:ext>
+    </p:extLst>
+  </p:cSld>
+  <p:clrMapOvr>
+    <a:masterClrMapping/>
+  </p:clrMapOvr>
+  <p:timing>
+    <p:tnLst>
+      <p:par>
+        <p:cTn xmlns:p14="http://schemas.microsoft.com/office/powerpoint/2010/main" id="1" dur="indefinite" restart="never" nodeType="tmRoot"/>
+      </p:par>
+    </p:tnLst>
+  </p:timing>
+</p:sld>
+</file>
+
+<file path=ppt/slides/slide68.xml><?xml version="1.0" encoding="utf-8"?>
+<p:sld xmlns:a="http://schemas.openxmlformats.org/drawingml/2006/main" xmlns:r="http://schemas.openxmlformats.org/officeDocument/2006/relationships" xmlns:p="http://schemas.openxmlformats.org/presentationml/2006/main">
+  <p:cSld>
+    <p:spTree>
+      <p:nvGrpSpPr>
+        <p:cNvPr id="1" name=""/>
+        <p:cNvGrpSpPr/>
+        <p:nvPr/>
+      </p:nvGrpSpPr>
+      <p:grpSpPr>
+        <a:xfrm>
+          <a:off x="0" y="0"/>
+          <a:ext cx="0" cy="0"/>
+          <a:chOff x="0" y="0"/>
+          <a:chExt cx="0" cy="0"/>
+        </a:xfrm>
+      </p:grpSpPr>
+      <p:sp>
+        <p:nvSpPr>
+          <p:cNvPr id="2" name="Title 1"/>
+          <p:cNvSpPr>
+            <a:spLocks noGrp="1"/>
+          </p:cNvSpPr>
+          <p:nvPr>
+            <p:ph type="title"/>
+          </p:nvPr>
+        </p:nvSpPr>
+        <p:spPr/>
+        <p:txBody>
+          <a:bodyPr/>
+          <a:lstStyle/>
+          <a:p>
+            <a:r>
+              <a:rPr lang="en-US" dirty="0" err="1" smtClean="0"/>
+              <a:t>Presentation.setupSync</a:t>
+            </a:r>
+            <a:r>
+              <a:rPr lang="en-US" dirty="0" smtClean="0"/>
+              <a:t>()</a:t>
+            </a:r>
+            <a:endParaRPr lang="en-US" dirty="0"/>
+          </a:p>
+        </p:txBody>
+      </p:sp>
+      <p:sp>
+        <p:nvSpPr>
+          <p:cNvPr id="4" name="Slide Number Placeholder 3"/>
+          <p:cNvSpPr>
+            <a:spLocks noGrp="1"/>
+          </p:cNvSpPr>
+          <p:nvPr>
+            <p:ph type="sldNum" sz="quarter" idx="12"/>
+          </p:nvPr>
+        </p:nvSpPr>
+        <p:spPr/>
+        <p:txBody>
+          <a:bodyPr/>
+          <a:lstStyle/>
+          <a:p>
+            <a:fld id="{E728A94C-44F1-DF43-8BD8-694E750DEF33}" type="slidenum">
+              <a:rPr lang="en-US" smtClean="0"/>
+              <a:t>68</a:t>
+            </a:fld>
+            <a:endParaRPr lang="en-US"/>
+          </a:p>
+        </p:txBody>
+      </p:sp>
+      <p:pic>
+        <p:nvPicPr>
+          <p:cNvPr id="5" name="Content Placeholder 4" descr="Screen Shot 2014-11-26 at 14.31.33.png"/>
+          <p:cNvPicPr>
+            <a:picLocks noGrp="1" noChangeAspect="1"/>
+          </p:cNvPicPr>
+          <p:nvPr>
+            <p:ph idx="1"/>
+          </p:nvPr>
+        </p:nvPicPr>
+        <p:blipFill>
+          <a:blip r:embed="rId2">
+            <a:extLst>
+              <a:ext uri="{28A0092B-C50C-407E-A947-70E740481C1C}">
+                <a14:useLocalDpi xmlns:a14="http://schemas.microsoft.com/office/drawing/2010/main" val="0"/>
+              </a:ext>
+            </a:extLst>
+          </a:blip>
+          <a:srcRect t="-154380" b="-154380"/>
+          <a:stretch>
+            <a:fillRect/>
+          </a:stretch>
+        </p:blipFill>
+        <p:spPr/>
+      </p:pic>
+    </p:spTree>
+    <p:extLst>
+      <p:ext uri="{BB962C8B-B14F-4D97-AF65-F5344CB8AC3E}">
+        <p14:creationId xmlns:p14="http://schemas.microsoft.com/office/powerpoint/2010/main" val="1522081104"/>
+      </p:ext>
+    </p:extLst>
+  </p:cSld>
+  <p:clrMapOvr>
+    <a:masterClrMapping/>
+  </p:clrMapOvr>
+  <p:timing>
+    <p:tnLst>
+      <p:par>
+        <p:cTn xmlns:p14="http://schemas.microsoft.com/office/powerpoint/2010/main" id="1" dur="indefinite" restart="never" nodeType="tmRoot"/>
+      </p:par>
+    </p:tnLst>
+  </p:timing>
+</p:sld>
+</file>
+
+<file path=ppt/slides/slide69.xml><?xml version="1.0" encoding="utf-8"?>
+<p:sld xmlns:a="http://schemas.openxmlformats.org/drawingml/2006/main" xmlns:r="http://schemas.openxmlformats.org/officeDocument/2006/relationships" xmlns:p="http://schemas.openxmlformats.org/presentationml/2006/main">
+  <p:cSld>
+    <p:spTree>
+      <p:nvGrpSpPr>
+        <p:cNvPr id="1" name=""/>
+        <p:cNvGrpSpPr/>
+        <p:nvPr/>
+      </p:nvGrpSpPr>
+      <p:grpSpPr>
+        <a:xfrm>
+          <a:off x="0" y="0"/>
+          <a:ext cx="0" cy="0"/>
+          <a:chOff x="0" y="0"/>
+          <a:chExt cx="0" cy="0"/>
+        </a:xfrm>
+      </p:grpSpPr>
+      <p:sp>
+        <p:nvSpPr>
+          <p:cNvPr id="2" name="Title 1"/>
+          <p:cNvSpPr>
+            <a:spLocks noGrp="1"/>
+          </p:cNvSpPr>
+          <p:nvPr>
+            <p:ph type="ctrTitle"/>
+          </p:nvPr>
+        </p:nvSpPr>
+        <p:spPr/>
+        <p:txBody>
+          <a:bodyPr/>
+          <a:lstStyle/>
+          <a:p>
+            <a:r>
+              <a:rPr lang="en-US" dirty="0" smtClean="0"/>
+              <a:t>That’s all folks!</a:t>
+            </a:r>
+            <a:endParaRPr lang="en-US" dirty="0"/>
+          </a:p>
+        </p:txBody>
+      </p:sp>
+      <p:sp>
+        <p:nvSpPr>
+          <p:cNvPr id="3" name="Subtitle 2"/>
+          <p:cNvSpPr>
+            <a:spLocks noGrp="1"/>
+          </p:cNvSpPr>
+          <p:nvPr>
+            <p:ph type="subTitle" idx="1"/>
+          </p:nvPr>
+        </p:nvSpPr>
+        <p:spPr/>
+        <p:txBody>
+          <a:bodyPr/>
+          <a:lstStyle/>
+          <a:p>
+            <a:endParaRPr lang="en-US" dirty="0"/>
+          </a:p>
+        </p:txBody>
+      </p:sp>
+    </p:spTree>
+    <p:extLst>
+      <p:ext uri="{BB962C8B-B14F-4D97-AF65-F5344CB8AC3E}">
+        <p14:creationId xmlns:p14="http://schemas.microsoft.com/office/powerpoint/2010/main" val="3969361771"/>
+      </p:ext>
+    </p:extLst>
+  </p:cSld>
+  <p:clrMapOvr>
+    <a:masterClrMapping/>
+  </p:clrMapOvr>
+  <p:timing>
+    <p:tnLst>
+      <p:par>
+        <p:cTn xmlns:p14="http://schemas.microsoft.com/office/powerpoint/2010/main" id="1" dur="indefinite" restart="never" nodeType="tmRoot"/>
+      </p:par>
+    </p:tnLst>
+  </p:timing>
+</p:sld>
+</file>
+
+<file path=ppt/slides/slide7.xml><?xml version="1.0" encoding="utf-8"?>
+<p:sld xmlns:a="http://schemas.openxmlformats.org/drawingml/2006/main" xmlns:r="http://schemas.openxmlformats.org/officeDocument/2006/relationships" xmlns:p="http://schemas.openxmlformats.org/presentationml/2006/main">
+  <p:cSld>
+    <p:spTree>
+      <p:nvGrpSpPr>
+        <p:cNvPr id="1" name=""/>
+        <p:cNvGrpSpPr/>
+        <p:nvPr/>
+      </p:nvGrpSpPr>
+      <p:grpSpPr>
+        <a:xfrm>
+          <a:off x="0" y="0"/>
+          <a:ext cx="0" cy="0"/>
+          <a:chOff x="0" y="0"/>
+          <a:chExt cx="0" cy="0"/>
+        </a:xfrm>
+      </p:grpSpPr>
+      <p:sp>
+        <p:nvSpPr>
+          <p:cNvPr id="2" name="Title 1"/>
+          <p:cNvSpPr>
+            <a:spLocks noGrp="1"/>
+          </p:cNvSpPr>
+          <p:nvPr>
+            <p:ph type="title"/>
+          </p:nvPr>
+        </p:nvSpPr>
+        <p:spPr/>
+        <p:txBody>
+          <a:bodyPr/>
+          <a:lstStyle/>
+          <a:p>
+            <a:r>
+              <a:rPr lang="en-US" dirty="0" smtClean="0"/>
+              <a:t>Couchbase Server</a:t>
+            </a:r>
+            <a:endParaRPr lang="en-US" dirty="0"/>
+          </a:p>
+        </p:txBody>
+      </p:sp>
+      <p:sp>
+        <p:nvSpPr>
+          <p:cNvPr id="3" name="Content Placeholder 2"/>
+          <p:cNvSpPr>
+            <a:spLocks noGrp="1"/>
+          </p:cNvSpPr>
+          <p:nvPr>
+            <p:ph idx="1"/>
+          </p:nvPr>
+        </p:nvSpPr>
+        <p:spPr/>
+        <p:txBody>
+          <a:bodyPr/>
+          <a:lstStyle/>
+          <a:p>
+            <a:r>
+              <a:rPr lang="en-US" sz="2000" b="1" dirty="0" smtClean="0"/>
+              <a:t>Couchbase Server 2.0 or newer</a:t>
+            </a:r>
+          </a:p>
+          <a:p>
+            <a:endParaRPr lang="en-US" sz="2000" b="1" dirty="0"/>
+          </a:p>
+          <a:p>
+            <a:r>
+              <a:rPr lang="en-US" sz="2000" b="1" dirty="0" smtClean="0"/>
+              <a:t>Requires a dedicated bucket</a:t>
+            </a:r>
+          </a:p>
+          <a:p>
+            <a:endParaRPr lang="en-US" sz="2000" b="1" dirty="0"/>
+          </a:p>
+          <a:p>
+            <a:r>
+              <a:rPr lang="en-US" sz="2000" b="1" dirty="0" smtClean="0"/>
+              <a:t>Shadow bucket:</a:t>
+            </a:r>
+            <a:r>
+              <a:rPr lang="en-US" sz="2000" dirty="0" smtClean="0"/>
+              <a:t> optionally replicate the synced data to allow normal Couchbase Server access</a:t>
+            </a:r>
+          </a:p>
+          <a:p>
+            <a:endParaRPr lang="en-US" sz="2000" b="1" dirty="0"/>
+          </a:p>
+          <a:p>
+            <a:r>
+              <a:rPr lang="en-US" sz="2000" b="1" dirty="0" smtClean="0"/>
+              <a:t>CPU:</a:t>
+            </a:r>
+            <a:r>
+              <a:rPr lang="en-US" sz="2000" dirty="0" smtClean="0"/>
+              <a:t> </a:t>
+            </a:r>
+            <a:r>
+              <a:rPr lang="en-US" sz="2000" dirty="0" err="1" smtClean="0"/>
+              <a:t>SyncGateway</a:t>
+            </a:r>
+            <a:r>
+              <a:rPr lang="en-US" sz="2000" dirty="0" smtClean="0"/>
+              <a:t> uses Couchbase views</a:t>
+            </a:r>
+            <a:endParaRPr lang="en-US" sz="2000" b="1" dirty="0" smtClean="0"/>
+          </a:p>
+        </p:txBody>
+      </p:sp>
+      <p:sp>
+        <p:nvSpPr>
+          <p:cNvPr id="4" name="Slide Number Placeholder 3"/>
+          <p:cNvSpPr>
+            <a:spLocks noGrp="1"/>
+          </p:cNvSpPr>
+          <p:nvPr>
+            <p:ph type="sldNum" sz="quarter" idx="12"/>
+          </p:nvPr>
+        </p:nvSpPr>
+        <p:spPr/>
+        <p:txBody>
+          <a:bodyPr/>
+          <a:lstStyle/>
+          <a:p>
+            <a:fld id="{E728A94C-44F1-DF43-8BD8-694E750DEF33}" type="slidenum">
+              <a:rPr lang="en-US" smtClean="0"/>
+              <a:t>7</a:t>
+            </a:fld>
+            <a:endParaRPr lang="en-US"/>
+          </a:p>
+        </p:txBody>
+      </p:sp>
+    </p:spTree>
+    <p:extLst>
+      <p:ext uri="{BB962C8B-B14F-4D97-AF65-F5344CB8AC3E}">
+        <p14:creationId xmlns:p14="http://schemas.microsoft.com/office/powerpoint/2010/main" val="2548084038"/>
+      </p:ext>
+    </p:extLst>
+  </p:cSld>
+  <p:clrMapOvr>
+    <a:masterClrMapping/>
+  </p:clrMapOvr>
+  <p:timing>
+    <p:tnLst>
+      <p:par>
+        <p:cTn xmlns:p14="http://schemas.microsoft.com/office/powerpoint/2010/main" id="1" dur="indefinite" restart="never" nodeType="tmRoot"/>
+      </p:par>
+    </p:tnLst>
+  </p:timing>
+</p:sld>
+</file>
+
+<file path=ppt/slides/slide70.xml><?xml version="1.0" encoding="utf-8"?>
+<p:sld xmlns:a="http://schemas.openxmlformats.org/drawingml/2006/main" xmlns:r="http://schemas.openxmlformats.org/officeDocument/2006/relationships" xmlns:p="http://schemas.openxmlformats.org/presentationml/2006/main">
+  <p:cSld>
+    <p:spTree>
+      <p:nvGrpSpPr>
+        <p:cNvPr id="1" name=""/>
+        <p:cNvGrpSpPr/>
+        <p:nvPr/>
+      </p:nvGrpSpPr>
+      <p:grpSpPr>
+        <a:xfrm>
+          <a:off x="0" y="0"/>
+          <a:ext cx="0" cy="0"/>
+          <a:chOff x="0" y="0"/>
+          <a:chExt cx="0" cy="0"/>
+        </a:xfrm>
+      </p:grpSpPr>
+      <p:sp>
+        <p:nvSpPr>
+          <p:cNvPr id="2" name="Title 1"/>
+          <p:cNvSpPr>
+            <a:spLocks noGrp="1"/>
+          </p:cNvSpPr>
+          <p:nvPr>
+            <p:ph type="ctrTitle"/>
+          </p:nvPr>
+        </p:nvSpPr>
+        <p:spPr/>
+        <p:txBody>
+          <a:bodyPr/>
+          <a:lstStyle/>
+          <a:p>
+            <a:r>
+              <a:rPr lang="en-US" dirty="0" err="1" smtClean="0"/>
+              <a:t>Couchbase</a:t>
+            </a:r>
+            <a:r>
+              <a:rPr lang="en-US" dirty="0" smtClean="0"/>
+              <a:t> Mobile Developer Workshop</a:t>
+            </a:r>
+            <a:endParaRPr lang="en-US" dirty="0"/>
+          </a:p>
+        </p:txBody>
+      </p:sp>
+      <p:sp>
+        <p:nvSpPr>
+          <p:cNvPr id="3" name="Subtitle 2"/>
+          <p:cNvSpPr>
+            <a:spLocks noGrp="1"/>
+          </p:cNvSpPr>
+          <p:nvPr>
+            <p:ph type="subTitle" idx="1"/>
+          </p:nvPr>
+        </p:nvSpPr>
+        <p:spPr/>
+        <p:txBody>
+          <a:bodyPr/>
+          <a:lstStyle/>
+          <a:p>
+            <a:r>
+              <a:rPr lang="en-US" dirty="0" smtClean="0"/>
+              <a:t>Android</a:t>
+            </a:r>
+            <a:endParaRPr lang="en-US" dirty="0"/>
+          </a:p>
+        </p:txBody>
+      </p:sp>
+    </p:spTree>
+    <p:extLst>
+      <p:ext uri="{BB962C8B-B14F-4D97-AF65-F5344CB8AC3E}">
+        <p14:creationId xmlns:p14="http://schemas.microsoft.com/office/powerpoint/2010/main" val="3387825244"/>
+      </p:ext>
+    </p:extLst>
+  </p:cSld>
+  <p:clrMapOvr>
+    <a:masterClrMapping/>
+  </p:clrMapOvr>
+  <p:timing>
+    <p:tnLst>
+      <p:par>
+        <p:cTn xmlns:p14="http://schemas.microsoft.com/office/powerpoint/2010/main" id="1" dur="indefinite" restart="never" nodeType="tmRoot"/>
+      </p:par>
+    </p:tnLst>
+  </p:timing>
+</p:sld>
+</file>
+
+<file path=ppt/slides/slide71.xml><?xml version="1.0" encoding="utf-8"?>
+<p:sld xmlns:a="http://schemas.openxmlformats.org/drawingml/2006/main" xmlns:r="http://schemas.openxmlformats.org/officeDocument/2006/relationships" xmlns:p="http://schemas.openxmlformats.org/presentationml/2006/main" show="0">
+  <p:cSld>
+    <p:spTree>
+      <p:nvGrpSpPr>
+        <p:cNvPr id="1" name=""/>
+        <p:cNvGrpSpPr/>
+        <p:nvPr/>
+      </p:nvGrpSpPr>
+      <p:grpSpPr>
+        <a:xfrm>
+          <a:off x="0" y="0"/>
+          <a:ext cx="0" cy="0"/>
+          <a:chOff x="0" y="0"/>
+          <a:chExt cx="0" cy="0"/>
+        </a:xfrm>
+      </p:grpSpPr>
+      <p:sp>
+        <p:nvSpPr>
+          <p:cNvPr id="2" name="Title 1"/>
+          <p:cNvSpPr>
+            <a:spLocks noGrp="1"/>
+          </p:cNvSpPr>
+          <p:nvPr>
+            <p:ph type="title"/>
+          </p:nvPr>
+        </p:nvSpPr>
+        <p:spPr/>
+        <p:txBody>
+          <a:bodyPr/>
+          <a:lstStyle/>
+          <a:p>
+            <a:r>
+              <a:rPr lang="en-US" dirty="0" smtClean="0"/>
+              <a:t>Title and Bullets</a:t>
+            </a:r>
+            <a:endParaRPr lang="en-US" dirty="0"/>
+          </a:p>
+        </p:txBody>
+      </p:sp>
+      <p:sp>
+        <p:nvSpPr>
+          <p:cNvPr id="3" name="Content Placeholder 2"/>
+          <p:cNvSpPr>
+            <a:spLocks noGrp="1"/>
+          </p:cNvSpPr>
+          <p:nvPr>
+            <p:ph idx="1"/>
+          </p:nvPr>
+        </p:nvSpPr>
+        <p:spPr/>
+        <p:txBody>
+          <a:bodyPr/>
+          <a:lstStyle/>
+          <a:p>
+            <a:r>
+              <a:rPr lang="en-US" dirty="0" smtClean="0"/>
+              <a:t>First Level Bullet</a:t>
+            </a:r>
+          </a:p>
+          <a:p>
+            <a:pPr lvl="1"/>
+            <a:r>
+              <a:rPr lang="en-US" dirty="0" smtClean="0"/>
+              <a:t>Second Level Bullet</a:t>
+            </a:r>
+          </a:p>
+          <a:p>
+            <a:pPr lvl="1"/>
+            <a:endParaRPr lang="en-US" dirty="0"/>
+          </a:p>
+          <a:p>
+            <a:r>
+              <a:rPr lang="en-US" dirty="0"/>
+              <a:t>First Level Bullet</a:t>
+            </a:r>
+          </a:p>
+          <a:p>
+            <a:pPr lvl="1"/>
+            <a:r>
+              <a:rPr lang="en-US" dirty="0"/>
+              <a:t>Second Level Bullet</a:t>
+            </a:r>
+          </a:p>
+          <a:p>
+            <a:pPr lvl="1"/>
+            <a:endParaRPr lang="en-US" dirty="0"/>
+          </a:p>
+          <a:p>
+            <a:r>
+              <a:rPr lang="en-US" dirty="0" smtClean="0"/>
+              <a:t>First </a:t>
+            </a:r>
+            <a:r>
+              <a:rPr lang="en-US" dirty="0"/>
+              <a:t>Level Bullet</a:t>
+            </a:r>
+          </a:p>
+          <a:p>
+            <a:pPr lvl="1"/>
+            <a:r>
+              <a:rPr lang="en-US" dirty="0"/>
+              <a:t>Second Level Bullet</a:t>
+            </a:r>
+          </a:p>
+          <a:p>
+            <a:pPr lvl="1"/>
+            <a:endParaRPr lang="en-US" dirty="0"/>
+          </a:p>
+          <a:p>
+            <a:r>
+              <a:rPr lang="en-US" dirty="0"/>
+              <a:t>First Level Bullet</a:t>
+            </a:r>
+          </a:p>
+          <a:p>
+            <a:pPr lvl="1"/>
+            <a:r>
+              <a:rPr lang="en-US" dirty="0"/>
+              <a:t>Second Level </a:t>
+            </a:r>
+            <a:r>
+              <a:rPr lang="en-US" dirty="0" smtClean="0"/>
+              <a:t>Bullet</a:t>
+            </a:r>
+            <a:endParaRPr lang="en-US" dirty="0"/>
+          </a:p>
+        </p:txBody>
+      </p:sp>
+      <p:sp>
+        <p:nvSpPr>
+          <p:cNvPr id="4" name="Slide Number Placeholder 3"/>
+          <p:cNvSpPr>
+            <a:spLocks noGrp="1"/>
+          </p:cNvSpPr>
+          <p:nvPr>
+            <p:ph type="sldNum" sz="quarter" idx="12"/>
+          </p:nvPr>
+        </p:nvSpPr>
+        <p:spPr/>
+        <p:txBody>
+          <a:bodyPr/>
+          <a:lstStyle/>
+          <a:p>
+            <a:fld id="{E728A94C-44F1-DF43-8BD8-694E750DEF33}" type="slidenum">
+              <a:rPr lang="en-US" smtClean="0"/>
+              <a:t>71</a:t>
+            </a:fld>
+            <a:endParaRPr lang="en-US"/>
+          </a:p>
+        </p:txBody>
+      </p:sp>
+    </p:spTree>
+    <p:extLst>
+      <p:ext uri="{BB962C8B-B14F-4D97-AF65-F5344CB8AC3E}">
+        <p14:creationId xmlns:p14="http://schemas.microsoft.com/office/powerpoint/2010/main" val="3135996525"/>
+      </p:ext>
+    </p:extLst>
+  </p:cSld>
+  <p:clrMapOvr>
+    <a:masterClrMapping/>
+  </p:clrMapOvr>
+  <mc:AlternateContent xmlns:mc="http://schemas.openxmlformats.org/markup-compatibility/2006">
+    <mc:Choice xmlns:p14="http://schemas.microsoft.com/office/powerpoint/2010/main" Requires="p14">
+      <p:transition spd="slow" p14:dur="2000"/>
+    </mc:Choice>
+    <mc:Fallback>
+      <p:transition xmlns:p14="http://schemas.microsoft.com/office/powerpoint/2010/main" spd="slow"/>
+    </mc:Fallback>
+  </mc:AlternateContent>
+  <p:timing>
+    <p:tnLst>
+      <p:par>
+        <p:cTn xmlns:p14="http://schemas.microsoft.com/office/powerpoint/2010/main" id="1" dur="indefinite" restart="never" nodeType="tmRoot"/>
+      </p:par>
+    </p:tnLst>
+  </p:timing>
+</p:sld>
+</file>
+
+<file path=ppt/slides/slide72.xml><?xml version="1.0" encoding="utf-8"?>
+<p:sld xmlns:a="http://schemas.openxmlformats.org/drawingml/2006/main" xmlns:r="http://schemas.openxmlformats.org/officeDocument/2006/relationships" xmlns:p="http://schemas.openxmlformats.org/presentationml/2006/main" show="0">
+  <p:cSld>
+    <p:spTree>
+      <p:nvGrpSpPr>
+        <p:cNvPr id="1" name=""/>
+        <p:cNvGrpSpPr/>
+        <p:nvPr/>
+      </p:nvGrpSpPr>
+      <p:grpSpPr>
+        <a:xfrm>
+          <a:off x="0" y="0"/>
+          <a:ext cx="0" cy="0"/>
+          <a:chOff x="0" y="0"/>
+          <a:chExt cx="0" cy="0"/>
+        </a:xfrm>
+      </p:grpSpPr>
+      <p:sp>
+        <p:nvSpPr>
+          <p:cNvPr id="2" name="Title 1"/>
+          <p:cNvSpPr>
+            <a:spLocks noGrp="1"/>
+          </p:cNvSpPr>
+          <p:nvPr>
+            <p:ph type="title"/>
+          </p:nvPr>
+        </p:nvSpPr>
+        <p:spPr/>
+        <p:txBody>
+          <a:bodyPr/>
+          <a:lstStyle/>
+          <a:p>
+            <a:r>
+              <a:rPr lang="en-US" dirty="0" smtClean="0"/>
+              <a:t>Tables</a:t>
+            </a:r>
+            <a:endParaRPr lang="en-US" dirty="0"/>
+          </a:p>
+        </p:txBody>
+      </p:sp>
+      <p:sp>
+        <p:nvSpPr>
+          <p:cNvPr id="3" name="Slide Number Placeholder 2"/>
+          <p:cNvSpPr>
+            <a:spLocks noGrp="1"/>
+          </p:cNvSpPr>
+          <p:nvPr>
+            <p:ph type="sldNum" sz="quarter" idx="12"/>
+          </p:nvPr>
+        </p:nvSpPr>
+        <p:spPr/>
+        <p:txBody>
+          <a:bodyPr/>
+          <a:lstStyle/>
+          <a:p>
+            <a:fld id="{E728A94C-44F1-DF43-8BD8-694E750DEF33}" type="slidenum">
+              <a:rPr lang="en-US" smtClean="0"/>
+              <a:t>72</a:t>
             </a:fld>
             <a:endParaRPr lang="en-US"/>
           </a:p>
@@ -10913,6 +15555,14 @@
   <p:clrMapOvr>
     <a:masterClrMapping/>
   </p:clrMapOvr>
+  <mc:AlternateContent xmlns:mc="http://schemas.openxmlformats.org/markup-compatibility/2006">
+    <mc:Choice xmlns:p14="http://schemas.microsoft.com/office/powerpoint/2010/main" Requires="p14">
+      <p:transition spd="slow" p14:dur="2000"/>
+    </mc:Choice>
+    <mc:Fallback>
+      <p:transition xmlns:p14="http://schemas.microsoft.com/office/powerpoint/2010/main" spd="slow"/>
+    </mc:Fallback>
+  </mc:AlternateContent>
   <p:timing>
     <p:tnLst>
       <p:par>
@@ -10923,8 +15573,8 @@
 </p:sld>
 </file>
 
-<file path=ppt/slides/slide39.xml><?xml version="1.0" encoding="utf-8"?>
-<p:sld xmlns:a="http://schemas.openxmlformats.org/drawingml/2006/main" xmlns:r="http://schemas.openxmlformats.org/officeDocument/2006/relationships" xmlns:p="http://schemas.openxmlformats.org/presentationml/2006/main">
+<file path=ppt/slides/slide73.xml><?xml version="1.0" encoding="utf-8"?>
+<p:sld xmlns:a="http://schemas.openxmlformats.org/drawingml/2006/main" xmlns:r="http://schemas.openxmlformats.org/officeDocument/2006/relationships" xmlns:p="http://schemas.openxmlformats.org/presentationml/2006/main" show="0">
   <p:cSld>
     <p:spTree>
       <p:nvGrpSpPr>
@@ -10956,6 +15606,278 @@
           <a:lstStyle/>
           <a:p>
             <a:r>
+              <a:rPr lang="en-US" dirty="0" smtClean="0"/>
+              <a:t>Title and Text</a:t>
+            </a:r>
+            <a:endParaRPr lang="en-US" dirty="0"/>
+          </a:p>
+        </p:txBody>
+      </p:sp>
+      <p:sp>
+        <p:nvSpPr>
+          <p:cNvPr id="3" name="Content Placeholder 2"/>
+          <p:cNvSpPr>
+            <a:spLocks noGrp="1"/>
+          </p:cNvSpPr>
+          <p:nvPr>
+            <p:ph idx="1"/>
+          </p:nvPr>
+        </p:nvSpPr>
+        <p:spPr/>
+        <p:txBody>
+          <a:bodyPr/>
+          <a:lstStyle/>
+          <a:p>
+            <a:r>
+              <a:rPr lang="en-US" dirty="0" err="1"/>
+              <a:t>Lorem</a:t>
+            </a:r>
+            <a:r>
+              <a:rPr lang="en-US" dirty="0"/>
+              <a:t> </a:t>
+            </a:r>
+            <a:r>
+              <a:rPr lang="en-US" dirty="0" err="1"/>
+              <a:t>ipsum</a:t>
+            </a:r>
+            <a:r>
+              <a:rPr lang="en-US" dirty="0"/>
+              <a:t> dolor sit </a:t>
+            </a:r>
+            <a:r>
+              <a:rPr lang="en-US" dirty="0" err="1"/>
+              <a:t>amet</a:t>
+            </a:r>
+            <a:r>
+              <a:rPr lang="en-US" dirty="0"/>
+              <a:t>, </a:t>
+            </a:r>
+            <a:r>
+              <a:rPr lang="en-US" dirty="0" err="1"/>
+              <a:t>consectetur</a:t>
+            </a:r>
+            <a:r>
+              <a:rPr lang="en-US" dirty="0"/>
+              <a:t> </a:t>
+            </a:r>
+            <a:r>
+              <a:rPr lang="en-US" dirty="0" err="1"/>
+              <a:t>adipiscing</a:t>
+            </a:r>
+            <a:r>
+              <a:rPr lang="en-US" dirty="0"/>
+              <a:t> </a:t>
+            </a:r>
+            <a:r>
+              <a:rPr lang="en-US" dirty="0" err="1"/>
+              <a:t>elit</a:t>
+            </a:r>
+            <a:r>
+              <a:rPr lang="en-US" dirty="0"/>
+              <a:t>. </a:t>
+            </a:r>
+            <a:r>
+              <a:rPr lang="en-US" dirty="0" err="1"/>
+              <a:t>Donec</a:t>
+            </a:r>
+            <a:r>
+              <a:rPr lang="en-US" dirty="0"/>
+              <a:t> </a:t>
+            </a:r>
+            <a:r>
+              <a:rPr lang="en-US" dirty="0" err="1"/>
+              <a:t>risus</a:t>
+            </a:r>
+            <a:r>
+              <a:rPr lang="en-US" dirty="0"/>
+              <a:t> </a:t>
+            </a:r>
+            <a:r>
+              <a:rPr lang="en-US" dirty="0" err="1"/>
+              <a:t>purus</a:t>
+            </a:r>
+            <a:r>
+              <a:rPr lang="en-US" dirty="0"/>
+              <a:t>, tempus in </a:t>
+            </a:r>
+            <a:r>
+              <a:rPr lang="en-US" dirty="0" err="1"/>
+              <a:t>quis</a:t>
+            </a:r>
+            <a:r>
+              <a:rPr lang="en-US" dirty="0"/>
+              <a:t>, </a:t>
+            </a:r>
+            <a:r>
+              <a:rPr lang="en-US" dirty="0" err="1"/>
+              <a:t>ultricies</a:t>
+            </a:r>
+            <a:r>
+              <a:rPr lang="en-US" dirty="0"/>
+              <a:t> </a:t>
+            </a:r>
+            <a:r>
+              <a:rPr lang="en-US" dirty="0" err="1"/>
+              <a:t>eu</a:t>
+            </a:r>
+            <a:r>
+              <a:rPr lang="en-US" dirty="0"/>
+              <a:t> diam. </a:t>
+            </a:r>
+            <a:r>
+              <a:rPr lang="en-US" dirty="0" err="1"/>
+              <a:t>Donec</a:t>
+            </a:r>
+            <a:r>
+              <a:rPr lang="en-US" dirty="0"/>
+              <a:t> </a:t>
+            </a:r>
+            <a:r>
+              <a:rPr lang="en-US" dirty="0" err="1"/>
+              <a:t>convallis</a:t>
+            </a:r>
+            <a:r>
+              <a:rPr lang="en-US" dirty="0"/>
+              <a:t> </a:t>
+            </a:r>
+            <a:r>
+              <a:rPr lang="en-US" dirty="0" err="1"/>
+              <a:t>enim</a:t>
+            </a:r>
+            <a:r>
+              <a:rPr lang="en-US" dirty="0"/>
+              <a:t> in mi </a:t>
+            </a:r>
+            <a:r>
+              <a:rPr lang="en-US" dirty="0" err="1"/>
+              <a:t>lacinia</a:t>
+            </a:r>
+            <a:r>
+              <a:rPr lang="en-US" dirty="0"/>
+              <a:t>, id </a:t>
+            </a:r>
+            <a:r>
+              <a:rPr lang="en-US" dirty="0" err="1"/>
+              <a:t>viverra</a:t>
+            </a:r>
+            <a:r>
+              <a:rPr lang="en-US" dirty="0"/>
+              <a:t> </a:t>
+            </a:r>
+            <a:r>
+              <a:rPr lang="en-US" dirty="0" err="1"/>
+              <a:t>neque</a:t>
+            </a:r>
+            <a:r>
+              <a:rPr lang="en-US" dirty="0"/>
+              <a:t> </a:t>
+            </a:r>
+            <a:r>
+              <a:rPr lang="en-US" dirty="0" err="1"/>
+              <a:t>pretium</a:t>
+            </a:r>
+            <a:r>
+              <a:rPr lang="en-US" dirty="0"/>
+              <a:t>. </a:t>
+            </a:r>
+            <a:r>
+              <a:rPr lang="en-US" dirty="0" err="1"/>
+              <a:t>Phasellus</a:t>
+            </a:r>
+            <a:r>
+              <a:rPr lang="en-US" dirty="0"/>
+              <a:t> et.</a:t>
+            </a:r>
+          </a:p>
+          <a:p>
+            <a:endParaRPr lang="en-US" dirty="0"/>
+          </a:p>
+        </p:txBody>
+      </p:sp>
+      <p:sp>
+        <p:nvSpPr>
+          <p:cNvPr id="4" name="Slide Number Placeholder 3"/>
+          <p:cNvSpPr>
+            <a:spLocks noGrp="1"/>
+          </p:cNvSpPr>
+          <p:nvPr>
+            <p:ph type="sldNum" sz="quarter" idx="12"/>
+          </p:nvPr>
+        </p:nvSpPr>
+        <p:spPr/>
+        <p:txBody>
+          <a:bodyPr/>
+          <a:lstStyle/>
+          <a:p>
+            <a:fld id="{E728A94C-44F1-DF43-8BD8-694E750DEF33}" type="slidenum">
+              <a:rPr lang="en-US" smtClean="0"/>
+              <a:t>73</a:t>
+            </a:fld>
+            <a:endParaRPr lang="en-US"/>
+          </a:p>
+        </p:txBody>
+      </p:sp>
+    </p:spTree>
+    <p:extLst>
+      <p:ext uri="{BB962C8B-B14F-4D97-AF65-F5344CB8AC3E}">
+        <p14:creationId xmlns:p14="http://schemas.microsoft.com/office/powerpoint/2010/main" val="3671215856"/>
+      </p:ext>
+    </p:extLst>
+  </p:cSld>
+  <p:clrMapOvr>
+    <a:masterClrMapping/>
+  </p:clrMapOvr>
+  <mc:AlternateContent xmlns:mc="http://schemas.openxmlformats.org/markup-compatibility/2006">
+    <mc:Choice xmlns:p14="http://schemas.microsoft.com/office/powerpoint/2010/main" Requires="p14">
+      <p:transition spd="slow" p14:dur="2000"/>
+    </mc:Choice>
+    <mc:Fallback>
+      <p:transition xmlns:p14="http://schemas.microsoft.com/office/powerpoint/2010/main" spd="slow"/>
+    </mc:Fallback>
+  </mc:AlternateContent>
+  <p:timing>
+    <p:tnLst>
+      <p:par>
+        <p:cTn xmlns:p14="http://schemas.microsoft.com/office/powerpoint/2010/main" id="1" dur="indefinite" restart="never" nodeType="tmRoot"/>
+      </p:par>
+    </p:tnLst>
+  </p:timing>
+</p:sld>
+</file>
+
+<file path=ppt/slides/slide74.xml><?xml version="1.0" encoding="utf-8"?>
+<p:sld xmlns:a="http://schemas.openxmlformats.org/drawingml/2006/main" xmlns:r="http://schemas.openxmlformats.org/officeDocument/2006/relationships" xmlns:p="http://schemas.openxmlformats.org/presentationml/2006/main" show="0">
+  <p:cSld>
+    <p:spTree>
+      <p:nvGrpSpPr>
+        <p:cNvPr id="1" name=""/>
+        <p:cNvGrpSpPr/>
+        <p:nvPr/>
+      </p:nvGrpSpPr>
+      <p:grpSpPr>
+        <a:xfrm>
+          <a:off x="0" y="0"/>
+          <a:ext cx="0" cy="0"/>
+          <a:chOff x="0" y="0"/>
+          <a:chExt cx="0" cy="0"/>
+        </a:xfrm>
+      </p:grpSpPr>
+      <p:sp>
+        <p:nvSpPr>
+          <p:cNvPr id="2" name="Title 1"/>
+          <p:cNvSpPr>
+            <a:spLocks noGrp="1"/>
+          </p:cNvSpPr>
+          <p:nvPr>
+            <p:ph type="title"/>
+          </p:nvPr>
+        </p:nvSpPr>
+        <p:spPr/>
+        <p:txBody>
+          <a:bodyPr/>
+          <a:lstStyle/>
+          <a:p>
+            <a:r>
               <a:rPr lang="en-US" dirty="0" err="1" smtClean="0"/>
               <a:t>Couchbase</a:t>
             </a:r>
@@ -10984,7 +15906,7 @@
           <a:p>
             <a:fld id="{E728A94C-44F1-DF43-8BD8-694E750DEF33}" type="slidenum">
               <a:rPr lang="en-US" smtClean="0"/>
-              <a:t>39</a:t>
+              <a:t>74</a:t>
             </a:fld>
             <a:endParaRPr lang="en-US"/>
           </a:p>
@@ -11567,8 +16489,8 @@
 </p:sld>
 </file>
 
-<file path=ppt/slides/slide4.xml><?xml version="1.0" encoding="utf-8"?>
-<p:sld xmlns:a="http://schemas.openxmlformats.org/drawingml/2006/main" xmlns:r="http://schemas.openxmlformats.org/officeDocument/2006/relationships" xmlns:p="http://schemas.openxmlformats.org/presentationml/2006/main">
+<file path=ppt/slides/slide75.xml><?xml version="1.0" encoding="utf-8"?>
+<p:sld xmlns:a="http://schemas.openxmlformats.org/drawingml/2006/main" xmlns:r="http://schemas.openxmlformats.org/officeDocument/2006/relationships" xmlns:p="http://schemas.openxmlformats.org/presentationml/2006/main" show="0">
   <p:cSld>
     <p:spTree>
       <p:nvGrpSpPr>
@@ -11601,7 +16523,7 @@
           <a:p>
             <a:r>
               <a:rPr lang="en-US" dirty="0" smtClean="0"/>
-              <a:t>The Couchbase Mobile stack</a:t>
+              <a:t>Pie Charts</a:t>
             </a:r>
             <a:endParaRPr lang="en-US" dirty="0"/>
           </a:p>
@@ -11609,88 +16531,7 @@
       </p:sp>
       <p:sp>
         <p:nvSpPr>
-          <p:cNvPr id="3" name="Content Placeholder 2"/>
-          <p:cNvSpPr>
-            <a:spLocks noGrp="1"/>
-          </p:cNvSpPr>
-          <p:nvPr>
-            <p:ph idx="1"/>
-          </p:nvPr>
-        </p:nvSpPr>
-        <p:spPr/>
-        <p:txBody>
-          <a:bodyPr/>
-          <a:lstStyle/>
-          <a:p>
-            <a:r>
-              <a:rPr lang="en-US" sz="2000" b="1" dirty="0" smtClean="0"/>
-              <a:t>Couchbase Lite: </a:t>
-            </a:r>
-            <a:r>
-              <a:rPr lang="en-US" sz="2000" dirty="0" smtClean="0"/>
-              <a:t>a lightweight native document database for the device</a:t>
-            </a:r>
-          </a:p>
-          <a:p>
-            <a:endParaRPr lang="en-US" sz="2000" dirty="0" smtClean="0"/>
-          </a:p>
-          <a:p>
-            <a:r>
-              <a:rPr lang="en-US" sz="2000" b="1" dirty="0" err="1" smtClean="0"/>
-              <a:t>SyncGateway</a:t>
-            </a:r>
-            <a:r>
-              <a:rPr lang="en-US" sz="2000" b="1" dirty="0" smtClean="0"/>
-              <a:t>: </a:t>
-            </a:r>
-            <a:r>
-              <a:rPr lang="en-US" sz="2000" dirty="0" smtClean="0"/>
-              <a:t>handles </a:t>
-            </a:r>
-            <a:r>
-              <a:rPr lang="en-US" sz="2000" dirty="0" err="1" smtClean="0"/>
-              <a:t>synchronisation</a:t>
-            </a:r>
-            <a:r>
-              <a:rPr lang="en-US" sz="2000" dirty="0" smtClean="0"/>
-              <a:t>, including content </a:t>
-            </a:r>
-            <a:r>
-              <a:rPr lang="en-US" sz="2000" dirty="0" err="1" smtClean="0"/>
-              <a:t>auth</a:t>
-            </a:r>
-            <a:r>
-              <a:rPr lang="en-US" sz="2000" dirty="0" smtClean="0"/>
-              <a:t> and validation</a:t>
-            </a:r>
-          </a:p>
-          <a:p>
-            <a:endParaRPr lang="en-US" sz="2000" dirty="0" smtClean="0"/>
-          </a:p>
-          <a:p>
-            <a:r>
-              <a:rPr lang="en-US" sz="2000" b="1" dirty="0" smtClean="0"/>
-              <a:t>Couchbase Server: </a:t>
-            </a:r>
-            <a:r>
-              <a:rPr lang="en-US" sz="2000" dirty="0" smtClean="0"/>
-              <a:t>could also be </a:t>
-            </a:r>
-            <a:r>
-              <a:rPr lang="en-US" sz="2000" dirty="0" err="1" smtClean="0"/>
-              <a:t>CouchDB</a:t>
-            </a:r>
-            <a:r>
-              <a:rPr lang="en-US" sz="2000" dirty="0" smtClean="0"/>
-              <a:t> or another compatible database</a:t>
-            </a:r>
-            <a:endParaRPr lang="en-US" sz="2000" dirty="0"/>
-          </a:p>
-        </p:txBody>
-      </p:sp>
-      <p:sp>
-        <p:nvSpPr>
-          <p:cNvPr id="4" name="Slide Number Placeholder 3"/>
+          <p:cNvPr id="3" name="Slide Number Placeholder 2"/>
           <p:cNvSpPr>
             <a:spLocks noGrp="1"/>
           </p:cNvSpPr>
@@ -11705,90 +16546,7 @@
           <a:p>
             <a:fld id="{E728A94C-44F1-DF43-8BD8-694E750DEF33}" type="slidenum">
               <a:rPr lang="en-US" smtClean="0"/>
-              <a:t>4</a:t>
-            </a:fld>
-            <a:endParaRPr lang="en-US"/>
-          </a:p>
-        </p:txBody>
-      </p:sp>
-    </p:spTree>
-    <p:extLst>
-      <p:ext uri="{BB962C8B-B14F-4D97-AF65-F5344CB8AC3E}">
-        <p14:creationId xmlns:p14="http://schemas.microsoft.com/office/powerpoint/2010/main" val="3766935091"/>
-      </p:ext>
-    </p:extLst>
-  </p:cSld>
-  <p:clrMapOvr>
-    <a:masterClrMapping/>
-  </p:clrMapOvr>
-  <p:timing>
-    <p:tnLst>
-      <p:par>
-        <p:cTn xmlns:p14="http://schemas.microsoft.com/office/powerpoint/2010/main" id="1" dur="indefinite" restart="never" nodeType="tmRoot"/>
-      </p:par>
-    </p:tnLst>
-  </p:timing>
-</p:sld>
-</file>
-
-<file path=ppt/slides/slide40.xml><?xml version="1.0" encoding="utf-8"?>
-<p:sld xmlns:a="http://schemas.openxmlformats.org/drawingml/2006/main" xmlns:r="http://schemas.openxmlformats.org/officeDocument/2006/relationships" xmlns:p="http://schemas.openxmlformats.org/presentationml/2006/main">
-  <p:cSld>
-    <p:spTree>
-      <p:nvGrpSpPr>
-        <p:cNvPr id="1" name=""/>
-        <p:cNvGrpSpPr/>
-        <p:nvPr/>
-      </p:nvGrpSpPr>
-      <p:grpSpPr>
-        <a:xfrm>
-          <a:off x="0" y="0"/>
-          <a:ext cx="0" cy="0"/>
-          <a:chOff x="0" y="0"/>
-          <a:chExt cx="0" cy="0"/>
-        </a:xfrm>
-      </p:grpSpPr>
-      <p:sp>
-        <p:nvSpPr>
-          <p:cNvPr id="2" name="Title 1"/>
-          <p:cNvSpPr>
-            <a:spLocks noGrp="1"/>
-          </p:cNvSpPr>
-          <p:nvPr>
-            <p:ph type="title"/>
-          </p:nvPr>
-        </p:nvSpPr>
-        <p:spPr/>
-        <p:txBody>
-          <a:bodyPr/>
-          <a:lstStyle/>
-          <a:p>
-            <a:r>
-              <a:rPr lang="en-US" dirty="0" smtClean="0"/>
-              <a:t>Pie Charts</a:t>
-            </a:r>
-            <a:endParaRPr lang="en-US" dirty="0"/>
-          </a:p>
-        </p:txBody>
-      </p:sp>
-      <p:sp>
-        <p:nvSpPr>
-          <p:cNvPr id="3" name="Slide Number Placeholder 2"/>
-          <p:cNvSpPr>
-            <a:spLocks noGrp="1"/>
-          </p:cNvSpPr>
-          <p:nvPr>
-            <p:ph type="sldNum" sz="quarter" idx="12"/>
-          </p:nvPr>
-        </p:nvSpPr>
-        <p:spPr/>
-        <p:txBody>
-          <a:bodyPr/>
-          <a:lstStyle/>
-          <a:p>
-            <a:fld id="{E728A94C-44F1-DF43-8BD8-694E750DEF33}" type="slidenum">
-              <a:rPr lang="en-US" smtClean="0"/>
-              <a:t>40</a:t>
+              <a:t>75</a:t>
             </a:fld>
             <a:endParaRPr lang="en-US"/>
           </a:p>
@@ -11826,6 +16584,14 @@
   <p:clrMapOvr>
     <a:masterClrMapping/>
   </p:clrMapOvr>
+  <mc:AlternateContent xmlns:mc="http://schemas.openxmlformats.org/markup-compatibility/2006">
+    <mc:Choice xmlns:p14="http://schemas.microsoft.com/office/powerpoint/2010/main" Requires="p14">
+      <p:transition spd="slow" p14:dur="2000"/>
+    </mc:Choice>
+    <mc:Fallback>
+      <p:transition xmlns:p14="http://schemas.microsoft.com/office/powerpoint/2010/main" spd="slow"/>
+    </mc:Fallback>
+  </mc:AlternateContent>
   <p:timing>
     <p:tnLst>
       <p:par>
@@ -11836,8 +16602,8 @@
 </p:sld>
 </file>
 
-<file path=ppt/slides/slide41.xml><?xml version="1.0" encoding="utf-8"?>
-<p:sld xmlns:a="http://schemas.openxmlformats.org/drawingml/2006/main" xmlns:r="http://schemas.openxmlformats.org/officeDocument/2006/relationships" xmlns:p="http://schemas.openxmlformats.org/presentationml/2006/main">
+<file path=ppt/slides/slide76.xml><?xml version="1.0" encoding="utf-8"?>
+<p:sld xmlns:a="http://schemas.openxmlformats.org/drawingml/2006/main" xmlns:r="http://schemas.openxmlformats.org/officeDocument/2006/relationships" xmlns:p="http://schemas.openxmlformats.org/presentationml/2006/main" show="0">
   <p:cSld>
     <p:spTree>
       <p:nvGrpSpPr>
@@ -11893,7 +16659,7 @@
           <a:p>
             <a:fld id="{E728A94C-44F1-DF43-8BD8-694E750DEF33}" type="slidenum">
               <a:rPr lang="en-US" smtClean="0"/>
-              <a:t>41</a:t>
+              <a:t>76</a:t>
             </a:fld>
             <a:endParaRPr lang="en-US"/>
           </a:p>
@@ -11931,6 +16697,14 @@
   <p:clrMapOvr>
     <a:masterClrMapping/>
   </p:clrMapOvr>
+  <mc:AlternateContent xmlns:mc="http://schemas.openxmlformats.org/markup-compatibility/2006">
+    <mc:Choice xmlns:p14="http://schemas.microsoft.com/office/powerpoint/2010/main" Requires="p14">
+      <p:transition spd="slow" p14:dur="2000"/>
+    </mc:Choice>
+    <mc:Fallback>
+      <p:transition xmlns:p14="http://schemas.microsoft.com/office/powerpoint/2010/main" spd="slow"/>
+    </mc:Fallback>
+  </mc:AlternateContent>
   <p:timing>
     <p:tnLst>
       <p:par>
@@ -11941,8 +16715,8 @@
 </p:sld>
 </file>
 
-<file path=ppt/slides/slide42.xml><?xml version="1.0" encoding="utf-8"?>
-<p:sld xmlns:a="http://schemas.openxmlformats.org/drawingml/2006/main" xmlns:r="http://schemas.openxmlformats.org/officeDocument/2006/relationships" xmlns:p="http://schemas.openxmlformats.org/presentationml/2006/main">
+<file path=ppt/slides/slide77.xml><?xml version="1.0" encoding="utf-8"?>
+<p:sld xmlns:a="http://schemas.openxmlformats.org/drawingml/2006/main" xmlns:r="http://schemas.openxmlformats.org/officeDocument/2006/relationships" xmlns:p="http://schemas.openxmlformats.org/presentationml/2006/main" show="0">
   <p:cSld>
     <p:spTree>
       <p:nvGrpSpPr>
@@ -11998,7 +16772,7 @@
           <a:p>
             <a:fld id="{E728A94C-44F1-DF43-8BD8-694E750DEF33}" type="slidenum">
               <a:rPr lang="en-US" smtClean="0"/>
-              <a:t>42</a:t>
+              <a:t>77</a:t>
             </a:fld>
             <a:endParaRPr lang="en-US"/>
           </a:p>
@@ -12036,6 +16810,14 @@
   <p:clrMapOvr>
     <a:masterClrMapping/>
   </p:clrMapOvr>
+  <mc:AlternateContent xmlns:mc="http://schemas.openxmlformats.org/markup-compatibility/2006">
+    <mc:Choice xmlns:p14="http://schemas.microsoft.com/office/powerpoint/2010/main" Requires="p14">
+      <p:transition spd="slow" p14:dur="2000"/>
+    </mc:Choice>
+    <mc:Fallback>
+      <p:transition xmlns:p14="http://schemas.microsoft.com/office/powerpoint/2010/main" spd="slow"/>
+    </mc:Fallback>
+  </mc:AlternateContent>
   <p:timing>
     <p:tnLst>
       <p:par>
@@ -12046,8 +16828,8 @@
 </p:sld>
 </file>
 
-<file path=ppt/slides/slide43.xml><?xml version="1.0" encoding="utf-8"?>
-<p:sld xmlns:a="http://schemas.openxmlformats.org/drawingml/2006/main" xmlns:r="http://schemas.openxmlformats.org/officeDocument/2006/relationships" xmlns:p="http://schemas.openxmlformats.org/presentationml/2006/main">
+<file path=ppt/slides/slide78.xml><?xml version="1.0" encoding="utf-8"?>
+<p:sld xmlns:a="http://schemas.openxmlformats.org/drawingml/2006/main" xmlns:r="http://schemas.openxmlformats.org/officeDocument/2006/relationships" xmlns:p="http://schemas.openxmlformats.org/presentationml/2006/main" show="0">
   <p:cSld>
     <p:spTree>
       <p:nvGrpSpPr>
@@ -12119,6 +16901,14 @@
   <p:clrMapOvr>
     <a:masterClrMapping/>
   </p:clrMapOvr>
+  <mc:AlternateContent xmlns:mc="http://schemas.openxmlformats.org/markup-compatibility/2006">
+    <mc:Choice xmlns:p14="http://schemas.microsoft.com/office/powerpoint/2010/main" Requires="p14">
+      <p:transition spd="slow" p14:dur="2000"/>
+    </mc:Choice>
+    <mc:Fallback>
+      <p:transition xmlns:p14="http://schemas.microsoft.com/office/powerpoint/2010/main" spd="slow"/>
+    </mc:Fallback>
+  </mc:AlternateContent>
   <p:timing>
     <p:tnLst>
       <p:par>
@@ -12129,8 +16919,8 @@
 </p:sld>
 </file>
 
-<file path=ppt/slides/slide44.xml><?xml version="1.0" encoding="utf-8"?>
-<p:sld xmlns:a="http://schemas.openxmlformats.org/drawingml/2006/main" xmlns:r="http://schemas.openxmlformats.org/officeDocument/2006/relationships" xmlns:p="http://schemas.openxmlformats.org/presentationml/2006/main">
+<file path=ppt/slides/slide79.xml><?xml version="1.0" encoding="utf-8"?>
+<p:sld xmlns:a="http://schemas.openxmlformats.org/drawingml/2006/main" xmlns:r="http://schemas.openxmlformats.org/officeDocument/2006/relationships" xmlns:p="http://schemas.openxmlformats.org/presentationml/2006/main" show="0">
   <p:cSld>
     <p:spTree>
       <p:nvGrpSpPr>
@@ -12202,710 +16992,14 @@
   <p:clrMapOvr>
     <a:masterClrMapping/>
   </p:clrMapOvr>
-  <p:timing>
-    <p:tnLst>
-      <p:par>
-        <p:cTn xmlns:p14="http://schemas.microsoft.com/office/powerpoint/2010/main" id="1" dur="indefinite" restart="never" nodeType="tmRoot"/>
-      </p:par>
-    </p:tnLst>
-  </p:timing>
-</p:sld>
-</file>
-
-<file path=ppt/slides/slide45.xml><?xml version="1.0" encoding="utf-8"?>
-<p:sld xmlns:a="http://schemas.openxmlformats.org/drawingml/2006/main" xmlns:r="http://schemas.openxmlformats.org/officeDocument/2006/relationships" xmlns:p="http://schemas.openxmlformats.org/presentationml/2006/main">
-  <p:cSld>
-    <p:spTree>
-      <p:nvGrpSpPr>
-        <p:cNvPr id="1" name=""/>
-        <p:cNvGrpSpPr/>
-        <p:nvPr/>
-      </p:nvGrpSpPr>
-      <p:grpSpPr>
-        <a:xfrm>
-          <a:off x="0" y="0"/>
-          <a:ext cx="0" cy="0"/>
-          <a:chOff x="0" y="0"/>
-          <a:chExt cx="0" cy="0"/>
-        </a:xfrm>
-      </p:grpSpPr>
-      <p:sp>
-        <p:nvSpPr>
-          <p:cNvPr id="2" name="Title 1"/>
-          <p:cNvSpPr>
-            <a:spLocks noGrp="1"/>
-          </p:cNvSpPr>
-          <p:nvPr>
-            <p:ph type="ctrTitle"/>
-          </p:nvPr>
-        </p:nvSpPr>
-        <p:spPr/>
-        <p:txBody>
-          <a:bodyPr/>
-          <a:lstStyle/>
-          <a:p>
-            <a:r>
-              <a:rPr lang="en-US" dirty="0" smtClean="0"/>
-              <a:t>Section Break (Grey)</a:t>
-            </a:r>
-            <a:endParaRPr lang="en-US" dirty="0"/>
-          </a:p>
-        </p:txBody>
-      </p:sp>
-      <p:sp>
-        <p:nvSpPr>
-          <p:cNvPr id="3" name="Subtitle 2"/>
-          <p:cNvSpPr>
-            <a:spLocks noGrp="1"/>
-          </p:cNvSpPr>
-          <p:nvPr>
-            <p:ph type="subTitle" idx="1"/>
-          </p:nvPr>
-        </p:nvSpPr>
-        <p:spPr/>
-        <p:txBody>
-          <a:bodyPr/>
-          <a:lstStyle/>
-          <a:p>
-            <a:r>
-              <a:rPr lang="en-US" dirty="0" smtClean="0"/>
-              <a:t>Subtitle</a:t>
-            </a:r>
-            <a:endParaRPr lang="en-US" dirty="0"/>
-          </a:p>
-        </p:txBody>
-      </p:sp>
-    </p:spTree>
-    <p:extLst>
-      <p:ext uri="{BB962C8B-B14F-4D97-AF65-F5344CB8AC3E}">
-        <p14:creationId xmlns:p14="http://schemas.microsoft.com/office/powerpoint/2010/main" val="1300842990"/>
-      </p:ext>
-    </p:extLst>
-  </p:cSld>
-  <p:clrMapOvr>
-    <a:masterClrMapping/>
-  </p:clrMapOvr>
-  <p:timing>
-    <p:tnLst>
-      <p:par>
-        <p:cTn xmlns:p14="http://schemas.microsoft.com/office/powerpoint/2010/main" id="1" dur="indefinite" restart="never" nodeType="tmRoot"/>
-      </p:par>
-    </p:tnLst>
-  </p:timing>
-</p:sld>
-</file>
-
-<file path=ppt/slides/slide46.xml><?xml version="1.0" encoding="utf-8"?>
-<p:sld xmlns:a="http://schemas.openxmlformats.org/drawingml/2006/main" xmlns:r="http://schemas.openxmlformats.org/officeDocument/2006/relationships" xmlns:p="http://schemas.openxmlformats.org/presentationml/2006/main">
-  <p:cSld>
-    <p:spTree>
-      <p:nvGrpSpPr>
-        <p:cNvPr id="1" name=""/>
-        <p:cNvGrpSpPr/>
-        <p:nvPr/>
-      </p:nvGrpSpPr>
-      <p:grpSpPr>
-        <a:xfrm>
-          <a:off x="0" y="0"/>
-          <a:ext cx="0" cy="0"/>
-          <a:chOff x="0" y="0"/>
-          <a:chExt cx="0" cy="0"/>
-        </a:xfrm>
-      </p:grpSpPr>
-      <p:sp>
-        <p:nvSpPr>
-          <p:cNvPr id="2" name="Title 1"/>
-          <p:cNvSpPr>
-            <a:spLocks noGrp="1"/>
-          </p:cNvSpPr>
-          <p:nvPr>
-            <p:ph type="ctrTitle"/>
-          </p:nvPr>
-        </p:nvSpPr>
-        <p:spPr/>
-        <p:txBody>
-          <a:bodyPr/>
-          <a:lstStyle/>
-          <a:p>
-            <a:r>
-              <a:rPr lang="en-US" dirty="0" smtClean="0"/>
-              <a:t>Section Break (Red)</a:t>
-            </a:r>
-            <a:endParaRPr lang="en-US" dirty="0"/>
-          </a:p>
-        </p:txBody>
-      </p:sp>
-      <p:sp>
-        <p:nvSpPr>
-          <p:cNvPr id="3" name="Subtitle 2"/>
-          <p:cNvSpPr>
-            <a:spLocks noGrp="1"/>
-          </p:cNvSpPr>
-          <p:nvPr>
-            <p:ph type="subTitle" idx="1"/>
-          </p:nvPr>
-        </p:nvSpPr>
-        <p:spPr/>
-        <p:txBody>
-          <a:bodyPr/>
-          <a:lstStyle/>
-          <a:p>
-            <a:r>
-              <a:rPr lang="en-US" dirty="0" smtClean="0"/>
-              <a:t>Subtitle</a:t>
-            </a:r>
-            <a:endParaRPr lang="en-US" dirty="0"/>
-          </a:p>
-        </p:txBody>
-      </p:sp>
-    </p:spTree>
-    <p:extLst>
-      <p:ext uri="{BB962C8B-B14F-4D97-AF65-F5344CB8AC3E}">
-        <p14:creationId xmlns:p14="http://schemas.microsoft.com/office/powerpoint/2010/main" val="1577603391"/>
-      </p:ext>
-    </p:extLst>
-  </p:cSld>
-  <p:clrMapOvr>
-    <a:masterClrMapping/>
-  </p:clrMapOvr>
-  <p:timing>
-    <p:tnLst>
-      <p:par>
-        <p:cTn xmlns:p14="http://schemas.microsoft.com/office/powerpoint/2010/main" id="1" dur="indefinite" restart="never" nodeType="tmRoot"/>
-      </p:par>
-    </p:tnLst>
-  </p:timing>
-</p:sld>
-</file>
-
-<file path=ppt/slides/slide47.xml><?xml version="1.0" encoding="utf-8"?>
-<p:sld xmlns:a="http://schemas.openxmlformats.org/drawingml/2006/main" xmlns:r="http://schemas.openxmlformats.org/officeDocument/2006/relationships" xmlns:p="http://schemas.openxmlformats.org/presentationml/2006/main">
-  <p:cSld>
-    <p:spTree>
-      <p:nvGrpSpPr>
-        <p:cNvPr id="1" name=""/>
-        <p:cNvGrpSpPr/>
-        <p:nvPr/>
-      </p:nvGrpSpPr>
-      <p:grpSpPr>
-        <a:xfrm>
-          <a:off x="0" y="0"/>
-          <a:ext cx="0" cy="0"/>
-          <a:chOff x="0" y="0"/>
-          <a:chExt cx="0" cy="0"/>
-        </a:xfrm>
-      </p:grpSpPr>
-      <p:sp>
-        <p:nvSpPr>
-          <p:cNvPr id="2" name="Slide Number Placeholder 1"/>
-          <p:cNvSpPr>
-            <a:spLocks noGrp="1"/>
-          </p:cNvSpPr>
-          <p:nvPr>
-            <p:ph type="sldNum" sz="quarter" idx="11"/>
-          </p:nvPr>
-        </p:nvSpPr>
-        <p:spPr/>
-        <p:txBody>
-          <a:bodyPr/>
-          <a:lstStyle/>
-          <a:p>
-            <a:fld id="{E728A94C-44F1-DF43-8BD8-694E750DEF33}" type="slidenum">
-              <a:rPr lang="en-US" smtClean="0"/>
-              <a:pPr/>
-              <a:t>47</a:t>
-            </a:fld>
-            <a:endParaRPr lang="en-US"/>
-          </a:p>
-        </p:txBody>
-      </p:sp>
-    </p:spTree>
-    <p:extLst>
-      <p:ext uri="{BB962C8B-B14F-4D97-AF65-F5344CB8AC3E}">
-        <p14:creationId xmlns:p14="http://schemas.microsoft.com/office/powerpoint/2010/main" val="913509334"/>
-      </p:ext>
-    </p:extLst>
-  </p:cSld>
-  <p:clrMapOvr>
-    <a:masterClrMapping/>
-  </p:clrMapOvr>
-  <p:timing>
-    <p:tnLst>
-      <p:par>
-        <p:cTn xmlns:p14="http://schemas.microsoft.com/office/powerpoint/2010/main" id="1" dur="indefinite" restart="never" nodeType="tmRoot"/>
-      </p:par>
-    </p:tnLst>
-  </p:timing>
-</p:sld>
-</file>
-
-<file path=ppt/slides/slide5.xml><?xml version="1.0" encoding="utf-8"?>
-<p:sld xmlns:a="http://schemas.openxmlformats.org/drawingml/2006/main" xmlns:r="http://schemas.openxmlformats.org/officeDocument/2006/relationships" xmlns:p="http://schemas.openxmlformats.org/presentationml/2006/main">
-  <p:cSld>
-    <p:spTree>
-      <p:nvGrpSpPr>
-        <p:cNvPr id="1" name=""/>
-        <p:cNvGrpSpPr/>
-        <p:nvPr/>
-      </p:nvGrpSpPr>
-      <p:grpSpPr>
-        <a:xfrm>
-          <a:off x="0" y="0"/>
-          <a:ext cx="0" cy="0"/>
-          <a:chOff x="0" y="0"/>
-          <a:chExt cx="0" cy="0"/>
-        </a:xfrm>
-      </p:grpSpPr>
-      <p:sp>
-        <p:nvSpPr>
-          <p:cNvPr id="2" name="Title 1"/>
-          <p:cNvSpPr>
-            <a:spLocks noGrp="1"/>
-          </p:cNvSpPr>
-          <p:nvPr>
-            <p:ph type="title"/>
-          </p:nvPr>
-        </p:nvSpPr>
-        <p:spPr/>
-        <p:txBody>
-          <a:bodyPr/>
-          <a:lstStyle/>
-          <a:p>
-            <a:r>
-              <a:rPr lang="en-US" dirty="0" smtClean="0"/>
-              <a:t>Couchbase Lite</a:t>
-            </a:r>
-            <a:endParaRPr lang="en-US" dirty="0"/>
-          </a:p>
-        </p:txBody>
-      </p:sp>
-      <p:sp>
-        <p:nvSpPr>
-          <p:cNvPr id="3" name="Content Placeholder 2"/>
-          <p:cNvSpPr>
-            <a:spLocks noGrp="1"/>
-          </p:cNvSpPr>
-          <p:nvPr>
-            <p:ph idx="1"/>
-          </p:nvPr>
-        </p:nvSpPr>
-        <p:spPr/>
-        <p:txBody>
-          <a:bodyPr/>
-          <a:lstStyle/>
-          <a:p>
-            <a:r>
-              <a:rPr lang="en-US" sz="2000" b="1" dirty="0" smtClean="0"/>
-              <a:t>Native API for:</a:t>
-            </a:r>
-          </a:p>
-          <a:p>
-            <a:pPr lvl="1"/>
-            <a:r>
-              <a:rPr lang="en-US" sz="1800" dirty="0" err="1" smtClean="0"/>
-              <a:t>iOS</a:t>
-            </a:r>
-            <a:endParaRPr lang="en-US" sz="1800" dirty="0" smtClean="0"/>
-          </a:p>
-          <a:p>
-            <a:pPr lvl="1"/>
-            <a:r>
-              <a:rPr lang="en-US" sz="1800" dirty="0" smtClean="0"/>
-              <a:t>Android</a:t>
-            </a:r>
-          </a:p>
-          <a:p>
-            <a:pPr lvl="1"/>
-            <a:r>
-              <a:rPr lang="en-US" sz="1800" dirty="0" smtClean="0"/>
-              <a:t>Windows Phone</a:t>
-            </a:r>
-          </a:p>
-          <a:p>
-            <a:pPr lvl="1"/>
-            <a:endParaRPr lang="en-US" sz="1800" dirty="0"/>
-          </a:p>
-          <a:p>
-            <a:r>
-              <a:rPr lang="en-US" sz="2000" b="1" dirty="0" smtClean="0"/>
-              <a:t>REST API:</a:t>
-            </a:r>
-          </a:p>
-          <a:p>
-            <a:pPr lvl="1"/>
-            <a:r>
-              <a:rPr lang="en-US" sz="1800" dirty="0" smtClean="0"/>
-              <a:t>Used with </a:t>
-            </a:r>
-            <a:r>
-              <a:rPr lang="en-US" sz="1800" dirty="0" err="1" smtClean="0"/>
-              <a:t>Phonegap</a:t>
-            </a:r>
-            <a:r>
-              <a:rPr lang="en-US" sz="1800" dirty="0" smtClean="0"/>
-              <a:t>, Titanium (with a wrapper) and so on</a:t>
-            </a:r>
-          </a:p>
-          <a:p>
-            <a:endParaRPr lang="en-US" sz="2000" dirty="0" smtClean="0"/>
-          </a:p>
-          <a:p>
-            <a:r>
-              <a:rPr lang="en-US" sz="2000" b="1" dirty="0" smtClean="0"/>
-              <a:t>Document database using </a:t>
-            </a:r>
-            <a:r>
-              <a:rPr lang="en-US" sz="2000" b="1" dirty="0" err="1" smtClean="0"/>
-              <a:t>CouchbDB</a:t>
-            </a:r>
-            <a:r>
-              <a:rPr lang="en-US" sz="2000" b="1" dirty="0" smtClean="0"/>
-              <a:t>-like model:</a:t>
-            </a:r>
-          </a:p>
-          <a:p>
-            <a:pPr lvl="1"/>
-            <a:r>
-              <a:rPr lang="en-US" sz="1800" dirty="0" smtClean="0"/>
-              <a:t>Native JSON storage</a:t>
-            </a:r>
-          </a:p>
-          <a:p>
-            <a:pPr lvl="1"/>
-            <a:r>
-              <a:rPr lang="en-US" sz="1800" dirty="0" smtClean="0"/>
-              <a:t>Uses map-reduce to create indexes (called views)</a:t>
-            </a:r>
-          </a:p>
-          <a:p>
-            <a:pPr lvl="1"/>
-            <a:endParaRPr lang="en-US" sz="1800" dirty="0"/>
-          </a:p>
-          <a:p>
-            <a:r>
-              <a:rPr lang="en-US" sz="2000" b="1" dirty="0" smtClean="0"/>
-              <a:t>Work locally with Couchbase Lite and get sync for free</a:t>
-            </a:r>
-          </a:p>
-        </p:txBody>
-      </p:sp>
-      <p:sp>
-        <p:nvSpPr>
-          <p:cNvPr id="4" name="Slide Number Placeholder 3"/>
-          <p:cNvSpPr>
-            <a:spLocks noGrp="1"/>
-          </p:cNvSpPr>
-          <p:nvPr>
-            <p:ph type="sldNum" sz="quarter" idx="12"/>
-          </p:nvPr>
-        </p:nvSpPr>
-        <p:spPr/>
-        <p:txBody>
-          <a:bodyPr/>
-          <a:lstStyle/>
-          <a:p>
-            <a:fld id="{E728A94C-44F1-DF43-8BD8-694E750DEF33}" type="slidenum">
-              <a:rPr lang="en-US" smtClean="0"/>
-              <a:t>5</a:t>
-            </a:fld>
-            <a:endParaRPr lang="en-US"/>
-          </a:p>
-        </p:txBody>
-      </p:sp>
-    </p:spTree>
-    <p:extLst>
-      <p:ext uri="{BB962C8B-B14F-4D97-AF65-F5344CB8AC3E}">
-        <p14:creationId xmlns:p14="http://schemas.microsoft.com/office/powerpoint/2010/main" val="2846134514"/>
-      </p:ext>
-    </p:extLst>
-  </p:cSld>
-  <p:clrMapOvr>
-    <a:masterClrMapping/>
-  </p:clrMapOvr>
-  <p:timing>
-    <p:tnLst>
-      <p:par>
-        <p:cTn xmlns:p14="http://schemas.microsoft.com/office/powerpoint/2010/main" id="1" dur="indefinite" restart="never" nodeType="tmRoot"/>
-      </p:par>
-    </p:tnLst>
-  </p:timing>
-</p:sld>
-</file>
-
-<file path=ppt/slides/slide6.xml><?xml version="1.0" encoding="utf-8"?>
-<p:sld xmlns:a="http://schemas.openxmlformats.org/drawingml/2006/main" xmlns:r="http://schemas.openxmlformats.org/officeDocument/2006/relationships" xmlns:p="http://schemas.openxmlformats.org/presentationml/2006/main">
-  <p:cSld>
-    <p:spTree>
-      <p:nvGrpSpPr>
-        <p:cNvPr id="1" name=""/>
-        <p:cNvGrpSpPr/>
-        <p:nvPr/>
-      </p:nvGrpSpPr>
-      <p:grpSpPr>
-        <a:xfrm>
-          <a:off x="0" y="0"/>
-          <a:ext cx="0" cy="0"/>
-          <a:chOff x="0" y="0"/>
-          <a:chExt cx="0" cy="0"/>
-        </a:xfrm>
-      </p:grpSpPr>
-      <p:sp>
-        <p:nvSpPr>
-          <p:cNvPr id="2" name="Title 1"/>
-          <p:cNvSpPr>
-            <a:spLocks noGrp="1"/>
-          </p:cNvSpPr>
-          <p:nvPr>
-            <p:ph type="title"/>
-          </p:nvPr>
-        </p:nvSpPr>
-        <p:spPr/>
-        <p:txBody>
-          <a:bodyPr/>
-          <a:lstStyle/>
-          <a:p>
-            <a:r>
-              <a:rPr lang="en-US" dirty="0" smtClean="0"/>
-              <a:t>Sync Gateway</a:t>
-            </a:r>
-            <a:endParaRPr lang="en-US" dirty="0"/>
-          </a:p>
-        </p:txBody>
-      </p:sp>
-      <p:sp>
-        <p:nvSpPr>
-          <p:cNvPr id="3" name="Content Placeholder 2"/>
-          <p:cNvSpPr>
-            <a:spLocks noGrp="1"/>
-          </p:cNvSpPr>
-          <p:nvPr>
-            <p:ph idx="1"/>
-          </p:nvPr>
-        </p:nvSpPr>
-        <p:spPr/>
-        <p:txBody>
-          <a:bodyPr/>
-          <a:lstStyle/>
-          <a:p>
-            <a:r>
-              <a:rPr lang="en-US" sz="2000" b="1" dirty="0" smtClean="0"/>
-              <a:t>Lives in the data </a:t>
-            </a:r>
-            <a:r>
-              <a:rPr lang="en-US" sz="2000" b="1" dirty="0" err="1" smtClean="0"/>
-              <a:t>centre</a:t>
-            </a:r>
-            <a:r>
-              <a:rPr lang="en-US" sz="2000" b="1" dirty="0"/>
-              <a:t> </a:t>
-            </a:r>
-            <a:r>
-              <a:rPr lang="en-US" sz="2000" b="1" dirty="0" smtClean="0"/>
-              <a:t>or cloud environment</a:t>
-            </a:r>
-          </a:p>
-          <a:p>
-            <a:endParaRPr lang="en-US" sz="2000" b="1" dirty="0"/>
-          </a:p>
-          <a:p>
-            <a:r>
-              <a:rPr lang="en-US" sz="2000" b="1" dirty="0" smtClean="0"/>
-              <a:t>Uses a Couchbase Server bucket to persist data from Couchbase Lite devices</a:t>
-            </a:r>
-          </a:p>
-          <a:p>
-            <a:endParaRPr lang="en-US" sz="2000" b="1" dirty="0"/>
-          </a:p>
-          <a:p>
-            <a:r>
-              <a:rPr lang="en-US" sz="2000" b="1" dirty="0" smtClean="0"/>
-              <a:t>HTTP listener that provides a passive replication end point</a:t>
-            </a:r>
-          </a:p>
-        </p:txBody>
-      </p:sp>
-      <p:sp>
-        <p:nvSpPr>
-          <p:cNvPr id="4" name="Slide Number Placeholder 3"/>
-          <p:cNvSpPr>
-            <a:spLocks noGrp="1"/>
-          </p:cNvSpPr>
-          <p:nvPr>
-            <p:ph type="sldNum" sz="quarter" idx="12"/>
-          </p:nvPr>
-        </p:nvSpPr>
-        <p:spPr/>
-        <p:txBody>
-          <a:bodyPr/>
-          <a:lstStyle/>
-          <a:p>
-            <a:fld id="{E728A94C-44F1-DF43-8BD8-694E750DEF33}" type="slidenum">
-              <a:rPr lang="en-US" smtClean="0"/>
-              <a:t>6</a:t>
-            </a:fld>
-            <a:endParaRPr lang="en-US"/>
-          </a:p>
-        </p:txBody>
-      </p:sp>
-    </p:spTree>
-    <p:extLst>
-      <p:ext uri="{BB962C8B-B14F-4D97-AF65-F5344CB8AC3E}">
-        <p14:creationId xmlns:p14="http://schemas.microsoft.com/office/powerpoint/2010/main" val="406388178"/>
-      </p:ext>
-    </p:extLst>
-  </p:cSld>
-  <p:clrMapOvr>
-    <a:masterClrMapping/>
-  </p:clrMapOvr>
-  <p:timing>
-    <p:tnLst>
-      <p:par>
-        <p:cTn xmlns:p14="http://schemas.microsoft.com/office/powerpoint/2010/main" id="1" dur="indefinite" restart="never" nodeType="tmRoot"/>
-      </p:par>
-    </p:tnLst>
-  </p:timing>
-</p:sld>
-</file>
-
-<file path=ppt/slides/slide7.xml><?xml version="1.0" encoding="utf-8"?>
-<p:sld xmlns:a="http://schemas.openxmlformats.org/drawingml/2006/main" xmlns:r="http://schemas.openxmlformats.org/officeDocument/2006/relationships" xmlns:p="http://schemas.openxmlformats.org/presentationml/2006/main">
-  <p:cSld>
-    <p:spTree>
-      <p:nvGrpSpPr>
-        <p:cNvPr id="1" name=""/>
-        <p:cNvGrpSpPr/>
-        <p:nvPr/>
-      </p:nvGrpSpPr>
-      <p:grpSpPr>
-        <a:xfrm>
-          <a:off x="0" y="0"/>
-          <a:ext cx="0" cy="0"/>
-          <a:chOff x="0" y="0"/>
-          <a:chExt cx="0" cy="0"/>
-        </a:xfrm>
-      </p:grpSpPr>
-      <p:sp>
-        <p:nvSpPr>
-          <p:cNvPr id="2" name="Title 1"/>
-          <p:cNvSpPr>
-            <a:spLocks noGrp="1"/>
-          </p:cNvSpPr>
-          <p:nvPr>
-            <p:ph type="title"/>
-          </p:nvPr>
-        </p:nvSpPr>
-        <p:spPr/>
-        <p:txBody>
-          <a:bodyPr/>
-          <a:lstStyle/>
-          <a:p>
-            <a:r>
-              <a:rPr lang="en-US" dirty="0" smtClean="0"/>
-              <a:t>Couchbase Server</a:t>
-            </a:r>
-            <a:endParaRPr lang="en-US" dirty="0"/>
-          </a:p>
-        </p:txBody>
-      </p:sp>
-      <p:sp>
-        <p:nvSpPr>
-          <p:cNvPr id="3" name="Content Placeholder 2"/>
-          <p:cNvSpPr>
-            <a:spLocks noGrp="1"/>
-          </p:cNvSpPr>
-          <p:nvPr>
-            <p:ph idx="1"/>
-          </p:nvPr>
-        </p:nvSpPr>
-        <p:spPr/>
-        <p:txBody>
-          <a:bodyPr/>
-          <a:lstStyle/>
-          <a:p>
-            <a:r>
-              <a:rPr lang="en-US" sz="2000" b="1" dirty="0" smtClean="0"/>
-              <a:t>Couchbase Server 2.0 or newer</a:t>
-            </a:r>
-          </a:p>
-          <a:p>
-            <a:endParaRPr lang="en-US" sz="2000" b="1" dirty="0"/>
-          </a:p>
-          <a:p>
-            <a:r>
-              <a:rPr lang="en-US" sz="2000" b="1" dirty="0" smtClean="0"/>
-              <a:t>Requires a dedicated bucket</a:t>
-            </a:r>
-          </a:p>
-          <a:p>
-            <a:endParaRPr lang="en-US" sz="2000" b="1" dirty="0"/>
-          </a:p>
-          <a:p>
-            <a:r>
-              <a:rPr lang="en-US" sz="2000" b="1" dirty="0" smtClean="0"/>
-              <a:t>Shadow bucket:</a:t>
-            </a:r>
-            <a:r>
-              <a:rPr lang="en-US" sz="2000" dirty="0" smtClean="0"/>
-              <a:t> optionally replicate the synced data to allow normal Couchbase Server access</a:t>
-            </a:r>
-          </a:p>
-          <a:p>
-            <a:endParaRPr lang="en-US" sz="2000" b="1" dirty="0"/>
-          </a:p>
-          <a:p>
-            <a:r>
-              <a:rPr lang="en-US" sz="2000" b="1" dirty="0" smtClean="0"/>
-              <a:t>CPU:</a:t>
-            </a:r>
-            <a:r>
-              <a:rPr lang="en-US" sz="2000" dirty="0" smtClean="0"/>
-              <a:t> </a:t>
-            </a:r>
-            <a:r>
-              <a:rPr lang="en-US" sz="2000" dirty="0" err="1" smtClean="0"/>
-              <a:t>SyncGateway</a:t>
-            </a:r>
-            <a:r>
-              <a:rPr lang="en-US" sz="2000" dirty="0" smtClean="0"/>
-              <a:t> uses Couchbase views</a:t>
-            </a:r>
-            <a:endParaRPr lang="en-US" sz="2000" b="1" dirty="0" smtClean="0"/>
-          </a:p>
-        </p:txBody>
-      </p:sp>
-      <p:sp>
-        <p:nvSpPr>
-          <p:cNvPr id="4" name="Slide Number Placeholder 3"/>
-          <p:cNvSpPr>
-            <a:spLocks noGrp="1"/>
-          </p:cNvSpPr>
-          <p:nvPr>
-            <p:ph type="sldNum" sz="quarter" idx="12"/>
-          </p:nvPr>
-        </p:nvSpPr>
-        <p:spPr/>
-        <p:txBody>
-          <a:bodyPr/>
-          <a:lstStyle/>
-          <a:p>
-            <a:fld id="{E728A94C-44F1-DF43-8BD8-694E750DEF33}" type="slidenum">
-              <a:rPr lang="en-US" smtClean="0"/>
-              <a:t>7</a:t>
-            </a:fld>
-            <a:endParaRPr lang="en-US"/>
-          </a:p>
-        </p:txBody>
-      </p:sp>
-    </p:spTree>
-    <p:extLst>
-      <p:ext uri="{BB962C8B-B14F-4D97-AF65-F5344CB8AC3E}">
-        <p14:creationId xmlns:p14="http://schemas.microsoft.com/office/powerpoint/2010/main" val="2548084038"/>
-      </p:ext>
-    </p:extLst>
-  </p:cSld>
-  <p:clrMapOvr>
-    <a:masterClrMapping/>
-  </p:clrMapOvr>
+  <mc:AlternateContent xmlns:mc="http://schemas.openxmlformats.org/markup-compatibility/2006">
+    <mc:Choice xmlns:p14="http://schemas.microsoft.com/office/powerpoint/2010/main" Requires="p14">
+      <p:transition spd="slow" p14:dur="2000"/>
+    </mc:Choice>
+    <mc:Fallback>
+      <p:transition xmlns:p14="http://schemas.microsoft.com/office/powerpoint/2010/main" spd="slow"/>
+    </mc:Fallback>
+  </mc:AlternateContent>
   <p:timing>
     <p:tnLst>
       <p:par>
@@ -12999,6 +17093,257 @@
 </p:sld>
 </file>
 
+<file path=ppt/slides/slide80.xml><?xml version="1.0" encoding="utf-8"?>
+<p:sld xmlns:a="http://schemas.openxmlformats.org/drawingml/2006/main" xmlns:r="http://schemas.openxmlformats.org/officeDocument/2006/relationships" xmlns:p="http://schemas.openxmlformats.org/presentationml/2006/main" show="0">
+  <p:cSld>
+    <p:spTree>
+      <p:nvGrpSpPr>
+        <p:cNvPr id="1" name=""/>
+        <p:cNvGrpSpPr/>
+        <p:nvPr/>
+      </p:nvGrpSpPr>
+      <p:grpSpPr>
+        <a:xfrm>
+          <a:off x="0" y="0"/>
+          <a:ext cx="0" cy="0"/>
+          <a:chOff x="0" y="0"/>
+          <a:chExt cx="0" cy="0"/>
+        </a:xfrm>
+      </p:grpSpPr>
+      <p:sp>
+        <p:nvSpPr>
+          <p:cNvPr id="2" name="Title 1"/>
+          <p:cNvSpPr>
+            <a:spLocks noGrp="1"/>
+          </p:cNvSpPr>
+          <p:nvPr>
+            <p:ph type="ctrTitle"/>
+          </p:nvPr>
+        </p:nvSpPr>
+        <p:spPr/>
+        <p:txBody>
+          <a:bodyPr/>
+          <a:lstStyle/>
+          <a:p>
+            <a:r>
+              <a:rPr lang="en-US" dirty="0" smtClean="0"/>
+              <a:t>Section Break (Grey)</a:t>
+            </a:r>
+            <a:endParaRPr lang="en-US" dirty="0"/>
+          </a:p>
+        </p:txBody>
+      </p:sp>
+      <p:sp>
+        <p:nvSpPr>
+          <p:cNvPr id="3" name="Subtitle 2"/>
+          <p:cNvSpPr>
+            <a:spLocks noGrp="1"/>
+          </p:cNvSpPr>
+          <p:nvPr>
+            <p:ph type="subTitle" idx="1"/>
+          </p:nvPr>
+        </p:nvSpPr>
+        <p:spPr/>
+        <p:txBody>
+          <a:bodyPr/>
+          <a:lstStyle/>
+          <a:p>
+            <a:r>
+              <a:rPr lang="en-US" dirty="0" smtClean="0"/>
+              <a:t>Subtitle</a:t>
+            </a:r>
+            <a:endParaRPr lang="en-US" dirty="0"/>
+          </a:p>
+        </p:txBody>
+      </p:sp>
+    </p:spTree>
+    <p:extLst>
+      <p:ext uri="{BB962C8B-B14F-4D97-AF65-F5344CB8AC3E}">
+        <p14:creationId xmlns:p14="http://schemas.microsoft.com/office/powerpoint/2010/main" val="1300842990"/>
+      </p:ext>
+    </p:extLst>
+  </p:cSld>
+  <p:clrMapOvr>
+    <a:masterClrMapping/>
+  </p:clrMapOvr>
+  <mc:AlternateContent xmlns:mc="http://schemas.openxmlformats.org/markup-compatibility/2006">
+    <mc:Choice xmlns:p14="http://schemas.microsoft.com/office/powerpoint/2010/main" Requires="p14">
+      <p:transition spd="slow" p14:dur="2000"/>
+    </mc:Choice>
+    <mc:Fallback>
+      <p:transition xmlns:p14="http://schemas.microsoft.com/office/powerpoint/2010/main" spd="slow"/>
+    </mc:Fallback>
+  </mc:AlternateContent>
+  <p:timing>
+    <p:tnLst>
+      <p:par>
+        <p:cTn xmlns:p14="http://schemas.microsoft.com/office/powerpoint/2010/main" id="1" dur="indefinite" restart="never" nodeType="tmRoot"/>
+      </p:par>
+    </p:tnLst>
+  </p:timing>
+</p:sld>
+</file>
+
+<file path=ppt/slides/slide81.xml><?xml version="1.0" encoding="utf-8"?>
+<p:sld xmlns:a="http://schemas.openxmlformats.org/drawingml/2006/main" xmlns:r="http://schemas.openxmlformats.org/officeDocument/2006/relationships" xmlns:p="http://schemas.openxmlformats.org/presentationml/2006/main" show="0">
+  <p:cSld>
+    <p:spTree>
+      <p:nvGrpSpPr>
+        <p:cNvPr id="1" name=""/>
+        <p:cNvGrpSpPr/>
+        <p:nvPr/>
+      </p:nvGrpSpPr>
+      <p:grpSpPr>
+        <a:xfrm>
+          <a:off x="0" y="0"/>
+          <a:ext cx="0" cy="0"/>
+          <a:chOff x="0" y="0"/>
+          <a:chExt cx="0" cy="0"/>
+        </a:xfrm>
+      </p:grpSpPr>
+      <p:sp>
+        <p:nvSpPr>
+          <p:cNvPr id="2" name="Title 1"/>
+          <p:cNvSpPr>
+            <a:spLocks noGrp="1"/>
+          </p:cNvSpPr>
+          <p:nvPr>
+            <p:ph type="ctrTitle"/>
+          </p:nvPr>
+        </p:nvSpPr>
+        <p:spPr/>
+        <p:txBody>
+          <a:bodyPr/>
+          <a:lstStyle/>
+          <a:p>
+            <a:r>
+              <a:rPr lang="en-US" dirty="0" smtClean="0"/>
+              <a:t>Section Break (Red)</a:t>
+            </a:r>
+            <a:endParaRPr lang="en-US" dirty="0"/>
+          </a:p>
+        </p:txBody>
+      </p:sp>
+      <p:sp>
+        <p:nvSpPr>
+          <p:cNvPr id="3" name="Subtitle 2"/>
+          <p:cNvSpPr>
+            <a:spLocks noGrp="1"/>
+          </p:cNvSpPr>
+          <p:nvPr>
+            <p:ph type="subTitle" idx="1"/>
+          </p:nvPr>
+        </p:nvSpPr>
+        <p:spPr/>
+        <p:txBody>
+          <a:bodyPr/>
+          <a:lstStyle/>
+          <a:p>
+            <a:r>
+              <a:rPr lang="en-US" dirty="0" smtClean="0"/>
+              <a:t>Subtitle</a:t>
+            </a:r>
+            <a:endParaRPr lang="en-US" dirty="0"/>
+          </a:p>
+        </p:txBody>
+      </p:sp>
+    </p:spTree>
+    <p:extLst>
+      <p:ext uri="{BB962C8B-B14F-4D97-AF65-F5344CB8AC3E}">
+        <p14:creationId xmlns:p14="http://schemas.microsoft.com/office/powerpoint/2010/main" val="1577603391"/>
+      </p:ext>
+    </p:extLst>
+  </p:cSld>
+  <p:clrMapOvr>
+    <a:masterClrMapping/>
+  </p:clrMapOvr>
+  <mc:AlternateContent xmlns:mc="http://schemas.openxmlformats.org/markup-compatibility/2006">
+    <mc:Choice xmlns:p14="http://schemas.microsoft.com/office/powerpoint/2010/main" Requires="p14">
+      <p:transition spd="slow" p14:dur="2000"/>
+    </mc:Choice>
+    <mc:Fallback>
+      <p:transition xmlns:p14="http://schemas.microsoft.com/office/powerpoint/2010/main" spd="slow"/>
+    </mc:Fallback>
+  </mc:AlternateContent>
+  <p:timing>
+    <p:tnLst>
+      <p:par>
+        <p:cTn xmlns:p14="http://schemas.microsoft.com/office/powerpoint/2010/main" id="1" dur="indefinite" restart="never" nodeType="tmRoot"/>
+      </p:par>
+    </p:tnLst>
+  </p:timing>
+</p:sld>
+</file>
+
+<file path=ppt/slides/slide82.xml><?xml version="1.0" encoding="utf-8"?>
+<p:sld xmlns:a="http://schemas.openxmlformats.org/drawingml/2006/main" xmlns:r="http://schemas.openxmlformats.org/officeDocument/2006/relationships" xmlns:p="http://schemas.openxmlformats.org/presentationml/2006/main" show="0">
+  <p:cSld>
+    <p:spTree>
+      <p:nvGrpSpPr>
+        <p:cNvPr id="1" name=""/>
+        <p:cNvGrpSpPr/>
+        <p:nvPr/>
+      </p:nvGrpSpPr>
+      <p:grpSpPr>
+        <a:xfrm>
+          <a:off x="0" y="0"/>
+          <a:ext cx="0" cy="0"/>
+          <a:chOff x="0" y="0"/>
+          <a:chExt cx="0" cy="0"/>
+        </a:xfrm>
+      </p:grpSpPr>
+      <p:sp>
+        <p:nvSpPr>
+          <p:cNvPr id="2" name="Slide Number Placeholder 1"/>
+          <p:cNvSpPr>
+            <a:spLocks noGrp="1"/>
+          </p:cNvSpPr>
+          <p:nvPr>
+            <p:ph type="sldNum" sz="quarter" idx="11"/>
+          </p:nvPr>
+        </p:nvSpPr>
+        <p:spPr/>
+        <p:txBody>
+          <a:bodyPr/>
+          <a:lstStyle/>
+          <a:p>
+            <a:fld id="{E728A94C-44F1-DF43-8BD8-694E750DEF33}" type="slidenum">
+              <a:rPr lang="en-US" smtClean="0"/>
+              <a:pPr/>
+              <a:t>82</a:t>
+            </a:fld>
+            <a:endParaRPr lang="en-US"/>
+          </a:p>
+        </p:txBody>
+      </p:sp>
+    </p:spTree>
+    <p:extLst>
+      <p:ext uri="{BB962C8B-B14F-4D97-AF65-F5344CB8AC3E}">
+        <p14:creationId xmlns:p14="http://schemas.microsoft.com/office/powerpoint/2010/main" val="913509334"/>
+      </p:ext>
+    </p:extLst>
+  </p:cSld>
+  <p:clrMapOvr>
+    <a:masterClrMapping/>
+  </p:clrMapOvr>
+  <mc:AlternateContent xmlns:mc="http://schemas.openxmlformats.org/markup-compatibility/2006">
+    <mc:Choice xmlns:p14="http://schemas.microsoft.com/office/powerpoint/2010/main" Requires="p14">
+      <p:transition spd="slow" p14:dur="2000"/>
+    </mc:Choice>
+    <mc:Fallback>
+      <p:transition xmlns:p14="http://schemas.microsoft.com/office/powerpoint/2010/main" spd="slow"/>
+    </mc:Fallback>
+  </mc:AlternateContent>
+  <p:timing>
+    <p:tnLst>
+      <p:par>
+        <p:cTn xmlns:p14="http://schemas.microsoft.com/office/powerpoint/2010/main" id="1" dur="indefinite" restart="never" nodeType="tmRoot"/>
+      </p:par>
+    </p:tnLst>
+  </p:timing>
+</p:sld>
+</file>
+
 <file path=ppt/slides/slide9.xml><?xml version="1.0" encoding="utf-8"?>
 <p:sld xmlns:a="http://schemas.openxmlformats.org/drawingml/2006/main" xmlns:r="http://schemas.openxmlformats.org/officeDocument/2006/relationships" xmlns:p="http://schemas.openxmlformats.org/presentationml/2006/main">
   <p:cSld>
@@ -13063,7 +17408,7 @@
             <a:pPr lvl="1"/>
             <a:r>
               <a:rPr lang="en-US" sz="2000" dirty="0" smtClean="0"/>
-              <a:t>Your connection to </a:t>
+              <a:t>Your single point of entry into </a:t>
             </a:r>
             <a:r>
               <a:rPr lang="en-US" sz="2000" dirty="0" err="1" smtClean="0"/>
@@ -13078,23 +17423,11 @@
             <a:pPr lvl="1"/>
             <a:r>
               <a:rPr lang="en-US" sz="2000" dirty="0" smtClean="0"/>
-              <a:t>Your single point of entry into </a:t>
-            </a:r>
-            <a:r>
-              <a:rPr lang="en-US" sz="2000" dirty="0" err="1" smtClean="0"/>
-              <a:t>Couchbase</a:t>
-            </a:r>
-            <a:r>
-              <a:rPr lang="en-US" sz="2000" smtClean="0"/>
-              <a:t> Lite</a:t>
-            </a:r>
-            <a:endParaRPr lang="en-US" sz="2000" dirty="0" smtClean="0"/>
-          </a:p>
-          <a:p>
-            <a:pPr lvl="1"/>
+              <a:t>One </a:t>
+            </a:r>
             <a:r>
               <a:rPr lang="en-US" sz="2000" dirty="0" smtClean="0"/>
-              <a:t>One manager for each app</a:t>
+              <a:t>manager for each app</a:t>
             </a:r>
           </a:p>
           <a:p>
